--- a/paper/Mau_BaoCao_LVTN_Trinhbay.pptx
+++ b/paper/Mau_BaoCao_LVTN_Trinhbay.pptx
@@ -1452,23 +1452,23 @@
     </dgm:pt>
   </dgm:ptLst>
   <dgm:cxnLst>
-    <dgm:cxn modelId="{EAAB5C28-3E32-4D6C-9834-A7F39D4FBC7D}" type="presOf" srcId="{6473FD94-11C9-434E-86A7-F742A5DDEDA3}" destId="{F08F7CC4-2BAF-4385-A3E9-F4C66BC1CD99}" srcOrd="0" destOrd="0" presId="urn:microsoft.com/office/officeart/2005/8/layout/StepDownProcess"/>
-    <dgm:cxn modelId="{A4080FC3-BBCC-473D-98E8-25BAC33DDEB0}" type="presOf" srcId="{A408CE0E-092A-411D-A3FF-EA06D8A9E09D}" destId="{3E5B248D-990D-4F74-A0DE-3A9210F9BF5F}" srcOrd="0" destOrd="0" presId="urn:microsoft.com/office/officeart/2005/8/layout/StepDownProcess"/>
-    <dgm:cxn modelId="{1025DFAB-39DA-4B6B-9B4B-7788EB5E9A96}" type="presOf" srcId="{DE64AE42-7A8A-425A-99D9-D019EAAF9045}" destId="{7E93AD1A-8475-4532-AF6E-622E5995A98B}" srcOrd="0" destOrd="0" presId="urn:microsoft.com/office/officeart/2005/8/layout/StepDownProcess"/>
+    <dgm:cxn modelId="{EE955863-7202-4615-BB83-5F2BAC8A6EAF}" type="presOf" srcId="{A44C50E2-1735-49CC-9BDF-BE1739D2569B}" destId="{9CBD4A83-144E-4624-A3AE-DF103C712C8D}" srcOrd="0" destOrd="0" presId="urn:microsoft.com/office/officeart/2005/8/layout/StepDownProcess"/>
+    <dgm:cxn modelId="{8686D9E3-6457-40C6-A48E-D180DE1FF572}" srcId="{6473FD94-11C9-434E-86A7-F742A5DDEDA3}" destId="{B7CF09EC-5C82-4804-A3CF-93F4F6930777}" srcOrd="0" destOrd="0" parTransId="{D94898BC-6B28-408D-A25D-DA21B4315C0E}" sibTransId="{96B9C447-5D3B-425E-9947-276BE62B7C58}"/>
     <dgm:cxn modelId="{EC3C757F-7309-41D1-9F47-69E6BF8983FD}" srcId="{CF1B7CBF-6262-4CF6-9426-6A190F72A906}" destId="{DE64AE42-7A8A-425A-99D9-D019EAAF9045}" srcOrd="3" destOrd="0" parTransId="{FFCE83D4-41C2-49B2-A113-97CB305391EB}" sibTransId="{1F86BDD7-4731-475D-8CED-2A0C89CC70C7}"/>
-    <dgm:cxn modelId="{47BEB864-75FC-451C-947C-C445815C0C35}" type="presOf" srcId="{B7CF09EC-5C82-4804-A3CF-93F4F6930777}" destId="{6559CDB1-7C8D-4202-9A51-D84BBD690AC6}" srcOrd="0" destOrd="0" presId="urn:microsoft.com/office/officeart/2005/8/layout/StepDownProcess"/>
+    <dgm:cxn modelId="{877EC8ED-5F25-40D2-9195-EFA8B83CDA3E}" srcId="{CF1B7CBF-6262-4CF6-9426-6A190F72A906}" destId="{A44C50E2-1735-49CC-9BDF-BE1739D2569B}" srcOrd="2" destOrd="0" parTransId="{023B75BF-D0CF-4E99-960B-308E3BF2B3A5}" sibTransId="{B5223323-B68C-471F-82BB-781A9DC38F62}"/>
     <dgm:cxn modelId="{D90C362B-1F92-46FE-A3E3-AC1FB2D7D1FF}" type="presOf" srcId="{CF1B7CBF-6262-4CF6-9426-6A190F72A906}" destId="{14512F8F-F323-4F47-BAE4-D0B9B759523B}" srcOrd="0" destOrd="0" presId="urn:microsoft.com/office/officeart/2005/8/layout/StepDownProcess"/>
     <dgm:cxn modelId="{E2D545A1-D72D-4E13-8012-661707924829}" srcId="{A408CE0E-092A-411D-A3FF-EA06D8A9E09D}" destId="{4EF0D518-DDA1-4159-B8C7-6C02ABAA7A23}" srcOrd="0" destOrd="0" parTransId="{FC480BCB-D349-46F8-91BB-B88601B4359D}" sibTransId="{54BEA1F8-AD94-4D54-AC64-94BDD0DAD61F}"/>
     <dgm:cxn modelId="{7E74D2CB-C0D7-46C3-8B90-F8FB83F9480B}" srcId="{CF1B7CBF-6262-4CF6-9426-6A190F72A906}" destId="{6473FD94-11C9-434E-86A7-F742A5DDEDA3}" srcOrd="0" destOrd="0" parTransId="{A18BBBD0-4DEA-4043-9F36-DB39C11397AB}" sibTransId="{A9511155-5A16-4EA0-8FE7-0184927DF1CC}"/>
     <dgm:cxn modelId="{61A2D258-6948-43A9-8F8D-60FDFD380AA3}" srcId="{DE64AE42-7A8A-425A-99D9-D019EAAF9045}" destId="{C8F897B1-E3EF-4D36-BB53-A853C95A14E9}" srcOrd="0" destOrd="0" parTransId="{E52AE764-BF7F-4165-B1EA-7D44A5615698}" sibTransId="{0E72EE18-5C09-497F-8C43-F8184A46E114}"/>
+    <dgm:cxn modelId="{47BEB864-75FC-451C-947C-C445815C0C35}" type="presOf" srcId="{B7CF09EC-5C82-4804-A3CF-93F4F6930777}" destId="{6559CDB1-7C8D-4202-9A51-D84BBD690AC6}" srcOrd="0" destOrd="0" presId="urn:microsoft.com/office/officeart/2005/8/layout/StepDownProcess"/>
+    <dgm:cxn modelId="{A972FC58-C0D4-4754-80F6-DA1CEFD1B2DE}" type="presOf" srcId="{C8F897B1-E3EF-4D36-BB53-A853C95A14E9}" destId="{202A4D27-05DC-45CE-9EA2-7AC9797C143E}" srcOrd="0" destOrd="0" presId="urn:microsoft.com/office/officeart/2005/8/layout/StepDownProcess"/>
+    <dgm:cxn modelId="{A4080FC3-BBCC-473D-98E8-25BAC33DDEB0}" type="presOf" srcId="{A408CE0E-092A-411D-A3FF-EA06D8A9E09D}" destId="{3E5B248D-990D-4F74-A0DE-3A9210F9BF5F}" srcOrd="0" destOrd="0" presId="urn:microsoft.com/office/officeart/2005/8/layout/StepDownProcess"/>
+    <dgm:cxn modelId="{E5315CE0-E50D-4957-8743-0032A2EBCDBA}" srcId="{CF1B7CBF-6262-4CF6-9426-6A190F72A906}" destId="{90BE260E-5C7F-4935-8C8F-52209538ECE5}" srcOrd="4" destOrd="0" parTransId="{6789C067-6CAC-4D07-B79C-C587677E651D}" sibTransId="{31DAA7A7-4800-4C55-B983-75095F1EDCA6}"/>
+    <dgm:cxn modelId="{C1FB25DB-17E5-4FF4-98E4-A58515E1F851}" srcId="{CF1B7CBF-6262-4CF6-9426-6A190F72A906}" destId="{A408CE0E-092A-411D-A3FF-EA06D8A9E09D}" srcOrd="1" destOrd="0" parTransId="{745F1306-29EB-4846-897F-4FFDC88D4C46}" sibTransId="{B26A6EF6-C70B-42DE-AD01-73628A657AD8}"/>
+    <dgm:cxn modelId="{0FCB4A82-2CF8-49D1-B436-42252E3F899B}" type="presOf" srcId="{4EF0D518-DDA1-4159-B8C7-6C02ABAA7A23}" destId="{21167B8E-6062-43E8-8641-242F3AE75BAD}" srcOrd="0" destOrd="0" presId="urn:microsoft.com/office/officeart/2005/8/layout/StepDownProcess"/>
+    <dgm:cxn modelId="{1025DFAB-39DA-4B6B-9B4B-7788EB5E9A96}" type="presOf" srcId="{DE64AE42-7A8A-425A-99D9-D019EAAF9045}" destId="{7E93AD1A-8475-4532-AF6E-622E5995A98B}" srcOrd="0" destOrd="0" presId="urn:microsoft.com/office/officeart/2005/8/layout/StepDownProcess"/>
+    <dgm:cxn modelId="{EAAB5C28-3E32-4D6C-9834-A7F39D4FBC7D}" type="presOf" srcId="{6473FD94-11C9-434E-86A7-F742A5DDEDA3}" destId="{F08F7CC4-2BAF-4385-A3E9-F4C66BC1CD99}" srcOrd="0" destOrd="0" presId="urn:microsoft.com/office/officeart/2005/8/layout/StepDownProcess"/>
     <dgm:cxn modelId="{A1816AE2-8E1E-4390-B037-C1FFE92372A0}" type="presOf" srcId="{90BE260E-5C7F-4935-8C8F-52209538ECE5}" destId="{37CD3D38-6A19-4176-8D0C-BA578CDDFC78}" srcOrd="0" destOrd="0" presId="urn:microsoft.com/office/officeart/2005/8/layout/StepDownProcess"/>
-    <dgm:cxn modelId="{A972FC58-C0D4-4754-80F6-DA1CEFD1B2DE}" type="presOf" srcId="{C8F897B1-E3EF-4D36-BB53-A853C95A14E9}" destId="{202A4D27-05DC-45CE-9EA2-7AC9797C143E}" srcOrd="0" destOrd="0" presId="urn:microsoft.com/office/officeart/2005/8/layout/StepDownProcess"/>
-    <dgm:cxn modelId="{0FCB4A82-2CF8-49D1-B436-42252E3F899B}" type="presOf" srcId="{4EF0D518-DDA1-4159-B8C7-6C02ABAA7A23}" destId="{21167B8E-6062-43E8-8641-242F3AE75BAD}" srcOrd="0" destOrd="0" presId="urn:microsoft.com/office/officeart/2005/8/layout/StepDownProcess"/>
-    <dgm:cxn modelId="{8686D9E3-6457-40C6-A48E-D180DE1FF572}" srcId="{6473FD94-11C9-434E-86A7-F742A5DDEDA3}" destId="{B7CF09EC-5C82-4804-A3CF-93F4F6930777}" srcOrd="0" destOrd="0" parTransId="{D94898BC-6B28-408D-A25D-DA21B4315C0E}" sibTransId="{96B9C447-5D3B-425E-9947-276BE62B7C58}"/>
-    <dgm:cxn modelId="{EE955863-7202-4615-BB83-5F2BAC8A6EAF}" type="presOf" srcId="{A44C50E2-1735-49CC-9BDF-BE1739D2569B}" destId="{9CBD4A83-144E-4624-A3AE-DF103C712C8D}" srcOrd="0" destOrd="0" presId="urn:microsoft.com/office/officeart/2005/8/layout/StepDownProcess"/>
-    <dgm:cxn modelId="{877EC8ED-5F25-40D2-9195-EFA8B83CDA3E}" srcId="{CF1B7CBF-6262-4CF6-9426-6A190F72A906}" destId="{A44C50E2-1735-49CC-9BDF-BE1739D2569B}" srcOrd="2" destOrd="0" parTransId="{023B75BF-D0CF-4E99-960B-308E3BF2B3A5}" sibTransId="{B5223323-B68C-471F-82BB-781A9DC38F62}"/>
-    <dgm:cxn modelId="{C1FB25DB-17E5-4FF4-98E4-A58515E1F851}" srcId="{CF1B7CBF-6262-4CF6-9426-6A190F72A906}" destId="{A408CE0E-092A-411D-A3FF-EA06D8A9E09D}" srcOrd="1" destOrd="0" parTransId="{745F1306-29EB-4846-897F-4FFDC88D4C46}" sibTransId="{B26A6EF6-C70B-42DE-AD01-73628A657AD8}"/>
-    <dgm:cxn modelId="{E5315CE0-E50D-4957-8743-0032A2EBCDBA}" srcId="{CF1B7CBF-6262-4CF6-9426-6A190F72A906}" destId="{90BE260E-5C7F-4935-8C8F-52209538ECE5}" srcOrd="4" destOrd="0" parTransId="{6789C067-6CAC-4D07-B79C-C587677E651D}" sibTransId="{31DAA7A7-4800-4C55-B983-75095F1EDCA6}"/>
     <dgm:cxn modelId="{0AD3404E-9FBC-4979-A3C7-EA3E7E62CAB9}" type="presParOf" srcId="{14512F8F-F323-4F47-BAE4-D0B9B759523B}" destId="{61C32831-E16F-4FEA-B10B-E8FDF0524963}" srcOrd="0" destOrd="0" presId="urn:microsoft.com/office/officeart/2005/8/layout/StepDownProcess"/>
     <dgm:cxn modelId="{7EF6E513-4230-4D78-BEDD-F8F3DD569D52}" type="presParOf" srcId="{61C32831-E16F-4FEA-B10B-E8FDF0524963}" destId="{BA9D28D8-6AF4-467C-A0D5-03A57E26C376}" srcOrd="0" destOrd="0" presId="urn:microsoft.com/office/officeart/2005/8/layout/StepDownProcess"/>
     <dgm:cxn modelId="{A129F2D3-1B63-468F-B6AF-DB2DC8C6B78E}" type="presParOf" srcId="{61C32831-E16F-4FEA-B10B-E8FDF0524963}" destId="{F08F7CC4-2BAF-4385-A3E9-F4C66BC1CD99}" srcOrd="1" destOrd="0" presId="urn:microsoft.com/office/officeart/2005/8/layout/StepDownProcess"/>
@@ -3754,7 +3754,7 @@
           <a:p>
             <a:fld id="{DB41815E-765A-40A8-99C6-F127D7A12C4B}" type="datetimeFigureOut">
               <a:rPr kumimoji="1" lang="ja-JP" altLang="en-US" smtClean="0"/>
-              <a:t>2017/11/20</a:t>
+              <a:t>2017/11/22</a:t>
             </a:fld>
             <a:endParaRPr kumimoji="1" lang="ja-JP" altLang="en-US"/>
           </a:p>
@@ -3920,7 +3920,7 @@
             <a:fld id="{12DC1322-60E5-4FB1-AE3F-C5810C4969C1}" type="datetimeFigureOut">
               <a:rPr kumimoji="1" lang="ja-JP" altLang="en-US" smtClean="0"/>
               <a:pPr/>
-              <a:t>2017/11/20</a:t>
+              <a:t>2017/11/22</a:t>
             </a:fld>
             <a:endParaRPr kumimoji="1" lang="ja-JP" altLang="en-US"/>
           </a:p>
@@ -4552,7 +4552,7 @@
           <a:p>
             <a:fld id="{6F52207E-8A09-4FC6-83E9-3D1773E47D00}" type="datetime1">
               <a:rPr kumimoji="1" lang="en-US" altLang="ja-JP" smtClean="0"/>
-              <a:t>11/20/2017</a:t>
+              <a:t>11/22/2017</a:t>
             </a:fld>
             <a:endParaRPr kumimoji="1" lang="ja-JP" altLang="en-US"/>
           </a:p>
@@ -4810,7 +4810,7 @@
           <a:p>
             <a:fld id="{F7681EE8-9FE2-425D-8FB4-74C399BDEDA0}" type="datetime1">
               <a:rPr kumimoji="1" lang="en-US" altLang="ja-JP" smtClean="0"/>
-              <a:t>11/20/2017</a:t>
+              <a:t>11/22/2017</a:t>
             </a:fld>
             <a:endParaRPr kumimoji="1" lang="ja-JP" altLang="en-US"/>
           </a:p>
@@ -4936,7 +4936,7 @@
           <a:p>
             <a:fld id="{23BAD0F7-3350-4E06-B588-1E0EA9C9F1FB}" type="datetime1">
               <a:rPr kumimoji="1" lang="en-US" altLang="ja-JP" smtClean="0"/>
-              <a:t>11/20/2017</a:t>
+              <a:t>11/22/2017</a:t>
             </a:fld>
             <a:endParaRPr kumimoji="1" lang="ja-JP" altLang="en-US"/>
           </a:p>
@@ -5143,7 +5143,7 @@
           <a:p>
             <a:fld id="{E47B8097-A83C-4868-B5B8-F5134B7BBCC6}" type="datetime1">
               <a:rPr kumimoji="1" lang="en-US" altLang="ja-JP" smtClean="0"/>
-              <a:t>11/20/2017</a:t>
+              <a:t>11/22/2017</a:t>
             </a:fld>
             <a:endParaRPr kumimoji="1" lang="ja-JP" altLang="en-US"/>
           </a:p>
@@ -5367,7 +5367,7 @@
           <a:p>
             <a:fld id="{BA136E8E-48A6-4CCA-8C49-35959C36CF6D}" type="datetime1">
               <a:rPr kumimoji="1" lang="en-US" altLang="ja-JP" smtClean="0"/>
-              <a:t>11/20/2017</a:t>
+              <a:t>11/22/2017</a:t>
             </a:fld>
             <a:endParaRPr kumimoji="1" lang="ja-JP" altLang="en-US"/>
           </a:p>
@@ -5781,7 +5781,7 @@
           <a:p>
             <a:fld id="{547C34CA-7153-4941-88F2-C5EB28E4F17F}" type="datetime1">
               <a:rPr kumimoji="1" lang="en-US" altLang="ja-JP" smtClean="0"/>
-              <a:t>11/20/2017</a:t>
+              <a:t>11/22/2017</a:t>
             </a:fld>
             <a:endParaRPr kumimoji="1" lang="ja-JP" altLang="en-US"/>
           </a:p>
@@ -6574,7 +6574,7 @@
           <a:p>
             <a:fld id="{0DA31E94-D226-4D30-9A93-5BB7AC33FD00}" type="datetime1">
               <a:rPr kumimoji="1" lang="en-US" altLang="ja-JP" smtClean="0"/>
-              <a:t>11/20/2017</a:t>
+              <a:t>11/22/2017</a:t>
             </a:fld>
             <a:endParaRPr kumimoji="1" lang="ja-JP" altLang="en-US" dirty="0"/>
           </a:p>
@@ -6750,7 +6750,7 @@
           <a:p>
             <a:fld id="{0DB942B6-B4D9-4495-B974-EBCB4AFDE5F6}" type="datetime1">
               <a:rPr kumimoji="1" lang="en-US" altLang="ja-JP" smtClean="0"/>
-              <a:t>11/20/2017</a:t>
+              <a:t>11/22/2017</a:t>
             </a:fld>
             <a:endParaRPr kumimoji="1" lang="ja-JP" altLang="en-US"/>
           </a:p>
@@ -7479,11 +7479,7 @@
             </a:r>
             <a:r>
               <a:rPr lang="en-US" altLang="ja-JP" dirty="0" smtClean="0"/>
-              <a:t> (subse</a:t>
-            </a:r>
-            <a:r>
-              <a:rPr lang="en-US" altLang="ja-JP" dirty="0" smtClean="0"/>
-              <a:t>t </a:t>
+              <a:t> (subset </a:t>
             </a:r>
             <a:r>
               <a:rPr lang="en-US" altLang="ja-JP" dirty="0" err="1" smtClean="0"/>
@@ -7608,7 +7604,7 @@
           <a:p>
             <a:fld id="{050317AE-C5B1-45BB-9249-90F7C348BD58}" type="datetime1">
               <a:rPr kumimoji="1" lang="en-US" altLang="ja-JP" smtClean="0"/>
-              <a:t>11/20/2017</a:t>
+              <a:t>11/22/2017</a:t>
             </a:fld>
             <a:endParaRPr kumimoji="1" lang="ja-JP" altLang="en-US"/>
           </a:p>
@@ -8288,7 +8284,7 @@
           <a:p>
             <a:fld id="{F3E3AC63-30EC-4F79-8593-B4A9E85D12C5}" type="datetime1">
               <a:rPr kumimoji="1" lang="en-US" altLang="ja-JP" smtClean="0"/>
-              <a:t>11/20/2017</a:t>
+              <a:t>11/22/2017</a:t>
             </a:fld>
             <a:endParaRPr kumimoji="1" lang="ja-JP" altLang="en-US"/>
           </a:p>
@@ -8608,7 +8604,7 @@
           <a:p>
             <a:fld id="{AAB39387-C149-4A87-BF4F-B3D7615E794A}" type="datetime1">
               <a:rPr kumimoji="1" lang="en-US" altLang="ja-JP" smtClean="0"/>
-              <a:t>11/20/2017</a:t>
+              <a:t>11/22/2017</a:t>
             </a:fld>
             <a:endParaRPr kumimoji="1" lang="ja-JP" altLang="en-US"/>
           </a:p>
@@ -8859,7 +8855,7 @@
           <a:p>
             <a:fld id="{AAB39387-C149-4A87-BF4F-B3D7615E794A}" type="datetime1">
               <a:rPr kumimoji="1" lang="en-US" altLang="ja-JP" smtClean="0"/>
-              <a:t>11/20/2017</a:t>
+              <a:t>11/22/2017</a:t>
             </a:fld>
             <a:endParaRPr kumimoji="1" lang="ja-JP" altLang="en-US"/>
           </a:p>
@@ -9030,7 +9026,7 @@
           <a:p>
             <a:fld id="{08005D9D-62EF-4746-8D1B-B40A5A9BDCBD}" type="datetime1">
               <a:rPr kumimoji="1" lang="en-US" altLang="ja-JP" smtClean="0"/>
-              <a:t>11/20/2017</a:t>
+              <a:t>11/22/2017</a:t>
             </a:fld>
             <a:endParaRPr kumimoji="1" lang="ja-JP" altLang="en-US"/>
           </a:p>
@@ -9433,7 +9429,7 @@
           <a:p>
             <a:fld id="{08005D9D-62EF-4746-8D1B-B40A5A9BDCBD}" type="datetime1">
               <a:rPr kumimoji="1" lang="en-US" altLang="ja-JP" smtClean="0"/>
-              <a:t>11/20/2017</a:t>
+              <a:t>11/22/2017</a:t>
             </a:fld>
             <a:endParaRPr kumimoji="1" lang="ja-JP" altLang="en-US"/>
           </a:p>
@@ -9768,7 +9764,7 @@
           <a:p>
             <a:fld id="{0DB942B6-B4D9-4495-B974-EBCB4AFDE5F6}" type="datetime1">
               <a:rPr kumimoji="1" lang="en-US" altLang="ja-JP" smtClean="0"/>
-              <a:t>11/20/2017</a:t>
+              <a:t>11/22/2017</a:t>
             </a:fld>
             <a:endParaRPr kumimoji="1" lang="ja-JP" altLang="en-US"/>
           </a:p>
@@ -10925,7 +10921,7 @@
           <a:p>
             <a:fld id="{B6AFDA5B-177A-4B3A-AA1F-6527474C0159}" type="datetime1">
               <a:rPr kumimoji="1" lang="en-US" altLang="ja-JP" smtClean="0"/>
-              <a:t>11/20/2017</a:t>
+              <a:t>11/22/2017</a:t>
             </a:fld>
             <a:endParaRPr kumimoji="1" lang="ja-JP" altLang="en-US"/>
           </a:p>
@@ -11837,7 +11833,7 @@
           <a:p>
             <a:fld id="{B6AFDA5B-177A-4B3A-AA1F-6527474C0159}" type="datetime1">
               <a:rPr kumimoji="1" lang="en-US" altLang="ja-JP" smtClean="0"/>
-              <a:t>11/20/2017</a:t>
+              <a:t>11/22/2017</a:t>
             </a:fld>
             <a:endParaRPr kumimoji="1" lang="ja-JP" altLang="en-US"/>
           </a:p>
@@ -12050,97 +12046,6 @@
             <a:endParaRPr kumimoji="1" lang="en-US" altLang="ja-JP" dirty="0"/>
           </a:p>
           <a:p>
-            <a:pPr lvl="1"/>
-            <a:r>
-              <a:rPr lang="en-US" altLang="ja-JP" dirty="0" err="1"/>
-              <a:t>Vẽ</a:t>
-            </a:r>
-            <a:r>
-              <a:rPr lang="en-US" altLang="ja-JP" dirty="0"/>
-              <a:t> </a:t>
-            </a:r>
-            <a:r>
-              <a:rPr lang="en-US" altLang="ja-JP" dirty="0" err="1"/>
-              <a:t>giản</a:t>
-            </a:r>
-            <a:r>
-              <a:rPr lang="en-US" altLang="ja-JP" dirty="0"/>
-              <a:t> </a:t>
-            </a:r>
-            <a:r>
-              <a:rPr lang="en-US" altLang="ja-JP" dirty="0" err="1"/>
-              <a:t>đồ</a:t>
-            </a:r>
-            <a:r>
-              <a:rPr lang="en-US" altLang="ja-JP" dirty="0"/>
-              <a:t> </a:t>
-            </a:r>
-            <a:r>
-              <a:rPr lang="en-US" altLang="ja-JP" dirty="0" err="1"/>
-              <a:t>kế</a:t>
-            </a:r>
-            <a:r>
-              <a:rPr lang="en-US" altLang="ja-JP" dirty="0"/>
-              <a:t> </a:t>
-            </a:r>
-            <a:r>
-              <a:rPr lang="en-US" altLang="ja-JP" dirty="0" err="1"/>
-              <a:t>hoạch</a:t>
-            </a:r>
-            <a:r>
-              <a:rPr lang="en-US" altLang="ja-JP" dirty="0"/>
-              <a:t> </a:t>
-            </a:r>
-            <a:r>
-              <a:rPr lang="en-US" altLang="ja-JP" dirty="0" err="1"/>
-              <a:t>theo</a:t>
-            </a:r>
-            <a:r>
-              <a:rPr lang="en-US" altLang="ja-JP" dirty="0"/>
-              <a:t> </a:t>
-            </a:r>
-            <a:r>
-              <a:rPr lang="en-US" altLang="ja-JP" dirty="0" err="1"/>
-              <a:t>thời</a:t>
-            </a:r>
-            <a:r>
-              <a:rPr lang="en-US" altLang="ja-JP" dirty="0"/>
-              <a:t> </a:t>
-            </a:r>
-            <a:r>
-              <a:rPr lang="en-US" altLang="ja-JP" dirty="0" err="1"/>
-              <a:t>gian</a:t>
-            </a:r>
-            <a:r>
-              <a:rPr lang="en-US" altLang="ja-JP" dirty="0"/>
-              <a:t> (</a:t>
-            </a:r>
-            <a:r>
-              <a:rPr lang="en-US" altLang="ja-JP" dirty="0" err="1"/>
-              <a:t>dùng</a:t>
-            </a:r>
-            <a:r>
-              <a:rPr lang="en-US" altLang="ja-JP" dirty="0"/>
-              <a:t> excel). </a:t>
-            </a:r>
-            <a:r>
-              <a:rPr lang="en-US" altLang="ja-JP" dirty="0" err="1"/>
-              <a:t>Ví</a:t>
-            </a:r>
-            <a:r>
-              <a:rPr lang="en-US" altLang="ja-JP" dirty="0"/>
-              <a:t> </a:t>
-            </a:r>
-            <a:r>
-              <a:rPr lang="en-US" altLang="ja-JP" dirty="0" err="1"/>
-              <a:t>dụ</a:t>
-            </a:r>
-            <a:r>
-              <a:rPr lang="en-US" altLang="ja-JP" dirty="0"/>
-              <a:t>:</a:t>
-            </a:r>
-          </a:p>
-          <a:p>
             <a:endParaRPr kumimoji="1" lang="en-US" altLang="ja-JP" dirty="0"/>
           </a:p>
           <a:p>
@@ -12168,7 +12073,7 @@
           <a:p>
             <a:fld id="{2EA8B268-5139-4E23-9EFA-DCDBB496E24C}" type="datetime1">
               <a:rPr kumimoji="1" lang="en-US" altLang="ja-JP" smtClean="0"/>
-              <a:t>11/20/2017</a:t>
+              <a:t>11/22/2017</a:t>
             </a:fld>
             <a:endParaRPr kumimoji="1" lang="ja-JP" altLang="en-US"/>
           </a:p>
@@ -12228,43 +12133,26 @@
       </p:sp>
       <p:pic>
         <p:nvPicPr>
-          <p:cNvPr id="2050" name="Picture 2" descr="Image result for schedule plan excel"/>
+          <p:cNvPr id="7" name="Picture 6"/>
           <p:cNvPicPr>
-            <a:picLocks noChangeAspect="1" noChangeArrowheads="1"/>
+            <a:picLocks noChangeAspect="1"/>
           </p:cNvPicPr>
           <p:nvPr/>
         </p:nvPicPr>
         <p:blipFill>
-          <a:blip r:embed="rId2">
-            <a:extLst>
-              <a:ext uri="{28A0092B-C50C-407E-A947-70E740481C1C}">
-                <a14:useLocalDpi xmlns:a14="http://schemas.microsoft.com/office/drawing/2010/main" val="0"/>
-              </a:ext>
-            </a:extLst>
-          </a:blip>
-          <a:srcRect/>
+          <a:blip r:embed="rId2"/>
           <a:stretch>
             <a:fillRect/>
           </a:stretch>
         </p:blipFill>
-        <p:spPr bwMode="auto">
+        <p:spPr>
           <a:xfrm>
-            <a:off x="959396" y="2924944"/>
-            <a:ext cx="7056784" cy="1465199"/>
+            <a:off x="52959" y="2925373"/>
+            <a:ext cx="9036496" cy="1799341"/>
           </a:xfrm>
           <a:prstGeom prst="rect">
             <a:avLst/>
           </a:prstGeom>
-          <a:noFill/>
-          <a:extLst>
-            <a:ext uri="{909E8E84-426E-40DD-AFC4-6F175D3DCCD1}">
-              <a14:hiddenFill xmlns:a14="http://schemas.microsoft.com/office/drawing/2010/main">
-                <a:solidFill>
-                  <a:srgbClr val="FFFFFF"/>
-                </a:solidFill>
-              </a14:hiddenFill>
-            </a:ext>
-          </a:extLst>
         </p:spPr>
       </p:pic>
     </p:spTree>
@@ -13072,7 +12960,7 @@
           <a:p>
             <a:fld id="{0DB942B6-B4D9-4495-B974-EBCB4AFDE5F6}" type="datetime1">
               <a:rPr kumimoji="1" lang="en-US" altLang="ja-JP" smtClean="0"/>
-              <a:t>11/20/2017</a:t>
+              <a:t>11/22/2017</a:t>
             </a:fld>
             <a:endParaRPr kumimoji="1" lang="ja-JP" altLang="en-US"/>
           </a:p>
@@ -13657,7 +13545,7 @@
           <a:p>
             <a:fld id="{0DB942B6-B4D9-4495-B974-EBCB4AFDE5F6}" type="datetime1">
               <a:rPr kumimoji="1" lang="en-US" altLang="ja-JP" smtClean="0"/>
-              <a:t>11/20/2017</a:t>
+              <a:t>11/22/2017</a:t>
             </a:fld>
             <a:endParaRPr kumimoji="1" lang="ja-JP" altLang="en-US"/>
           </a:p>
@@ -14406,7 +14294,6 @@
               <a:rPr lang="en-US" altLang="ja-JP" dirty="0" smtClean="0"/>
               <a:t> (Histogram Equalization)</a:t>
             </a:r>
-            <a:endParaRPr lang="en-US" altLang="ja-JP" dirty="0" smtClean="0"/>
           </a:p>
           <a:p>
             <a:pPr lvl="2"/>
@@ -14530,7 +14417,7 @@
           <a:p>
             <a:fld id="{0DB942B6-B4D9-4495-B974-EBCB4AFDE5F6}" type="datetime1">
               <a:rPr kumimoji="1" lang="en-US" altLang="ja-JP" smtClean="0"/>
-              <a:t>11/20/2017</a:t>
+              <a:t>11/22/2017</a:t>
             </a:fld>
             <a:endParaRPr kumimoji="1" lang="ja-JP" altLang="en-US"/>
           </a:p>
@@ -15322,7 +15209,7 @@
           <a:p>
             <a:fld id="{0DB942B6-B4D9-4495-B974-EBCB4AFDE5F6}" type="datetime1">
               <a:rPr kumimoji="1" lang="en-US" altLang="ja-JP" smtClean="0"/>
-              <a:t>11/20/2017</a:t>
+              <a:t>11/22/2017</a:t>
             </a:fld>
             <a:endParaRPr kumimoji="1" lang="ja-JP" altLang="en-US"/>
           </a:p>

--- a/paper/Mau_BaoCao_LVTN_Trinhbay.pptx
+++ b/paper/Mau_BaoCao_LVTN_Trinhbay.pptx
@@ -5,10 +5,10 @@
     <p:sldMasterId id="2147483660" r:id="rId1"/>
   </p:sldMasterIdLst>
   <p:notesMasterIdLst>
-    <p:notesMasterId r:id="rId18"/>
+    <p:notesMasterId r:id="rId19"/>
   </p:notesMasterIdLst>
   <p:handoutMasterIdLst>
-    <p:handoutMasterId r:id="rId19"/>
+    <p:handoutMasterId r:id="rId20"/>
   </p:handoutMasterIdLst>
   <p:sldIdLst>
     <p:sldId id="262" r:id="rId2"/>
@@ -22,11 +22,12 @@
     <p:sldId id="306" r:id="rId10"/>
     <p:sldId id="308" r:id="rId11"/>
     <p:sldId id="288" r:id="rId12"/>
-    <p:sldId id="297" r:id="rId13"/>
-    <p:sldId id="291" r:id="rId14"/>
-    <p:sldId id="309" r:id="rId15"/>
-    <p:sldId id="292" r:id="rId16"/>
-    <p:sldId id="303" r:id="rId17"/>
+    <p:sldId id="310" r:id="rId13"/>
+    <p:sldId id="297" r:id="rId14"/>
+    <p:sldId id="291" r:id="rId15"/>
+    <p:sldId id="309" r:id="rId16"/>
+    <p:sldId id="292" r:id="rId17"/>
+    <p:sldId id="303" r:id="rId18"/>
   </p:sldIdLst>
   <p:sldSz cx="9144000" cy="6858000" type="screen4x3"/>
   <p:notesSz cx="6858000" cy="9144000"/>
@@ -141,6 +142,7 @@
             <p14:sldId id="306"/>
             <p14:sldId id="308"/>
             <p14:sldId id="288"/>
+            <p14:sldId id="310"/>
             <p14:sldId id="297"/>
             <p14:sldId id="291"/>
             <p14:sldId id="309"/>
@@ -4288,7 +4290,7 @@
             <a:fld id="{269D7235-7D46-4FEA-A007-68D1C591E286}" type="slidenum">
               <a:rPr kumimoji="1" lang="ja-JP" altLang="en-US" smtClean="0"/>
               <a:pPr/>
-              <a:t>13</a:t>
+              <a:t>14</a:t>
             </a:fld>
             <a:endParaRPr kumimoji="1" lang="ja-JP" altLang="en-US"/>
           </a:p>
@@ -4370,7 +4372,7 @@
             <a:fld id="{269D7235-7D46-4FEA-A007-68D1C591E286}" type="slidenum">
               <a:rPr kumimoji="1" lang="ja-JP" altLang="en-US" smtClean="0"/>
               <a:pPr/>
-              <a:t>14</a:t>
+              <a:t>15</a:t>
             </a:fld>
             <a:endParaRPr kumimoji="1" lang="ja-JP" altLang="en-US"/>
           </a:p>
@@ -7471,7 +7473,11 @@
             </a:r>
             <a:r>
               <a:rPr lang="en-US" altLang="ja-JP" dirty="0" smtClean="0"/>
-              <a:t> 1000 </a:t>
+              <a:t> </a:t>
+            </a:r>
+            <a:r>
+              <a:rPr lang="en-US" altLang="ja-JP" dirty="0" smtClean="0"/>
+              <a:t>2500 </a:t>
             </a:r>
             <a:r>
               <a:rPr lang="en-US" altLang="ja-JP" dirty="0" err="1" smtClean="0"/>
@@ -7479,11 +7485,31 @@
             </a:r>
             <a:r>
               <a:rPr lang="en-US" altLang="ja-JP" dirty="0" smtClean="0"/>
-              <a:t> (subset </a:t>
-            </a:r>
-            <a:r>
-              <a:rPr lang="en-US" altLang="ja-JP" dirty="0" err="1" smtClean="0"/>
-              <a:t>của</a:t>
+              <a:t> </a:t>
+            </a:r>
+            <a:r>
+              <a:rPr lang="en-US" altLang="ja-JP" dirty="0" smtClean="0"/>
+              <a:t>(cross-validation set – </a:t>
+            </a:r>
+            <a:r>
+              <a:rPr lang="en-US" altLang="ja-JP" dirty="0" err="1" smtClean="0"/>
+              <a:t>không</a:t>
+            </a:r>
+            <a:r>
+              <a:rPr lang="en-US" altLang="ja-JP" dirty="0" smtClean="0"/>
+              <a:t> </a:t>
+            </a:r>
+            <a:r>
+              <a:rPr lang="en-US" altLang="ja-JP" dirty="0" err="1" smtClean="0"/>
+              <a:t>nằm</a:t>
+            </a:r>
+            <a:r>
+              <a:rPr lang="en-US" altLang="ja-JP" dirty="0" smtClean="0"/>
+              <a:t> </a:t>
+            </a:r>
+            <a:r>
+              <a:rPr lang="en-US" altLang="ja-JP" dirty="0" err="1" smtClean="0"/>
+              <a:t>trong</a:t>
             </a:r>
             <a:r>
               <a:rPr lang="en-US" altLang="ja-JP" dirty="0" smtClean="0"/>
@@ -7499,28 +7525,21 @@
             </a:r>
             <a:r>
               <a:rPr lang="en-US" altLang="ja-JP" dirty="0" err="1" smtClean="0"/>
-              <a:t>ảnh</a:t>
-            </a:r>
-            <a:r>
-              <a:rPr lang="en-US" altLang="ja-JP" dirty="0" smtClean="0"/>
-              <a:t> </a:t>
-            </a:r>
-            <a:r>
-              <a:rPr lang="en-US" altLang="ja-JP" dirty="0" err="1" smtClean="0"/>
-              <a:t>kiểm</a:t>
-            </a:r>
-            <a:r>
-              <a:rPr lang="en-US" altLang="ja-JP" dirty="0" smtClean="0"/>
-              <a:t> </a:t>
-            </a:r>
-            <a:r>
-              <a:rPr lang="en-US" altLang="ja-JP" dirty="0" err="1" smtClean="0"/>
-              <a:t>thử</a:t>
+              <a:t>huấn</a:t>
+            </a:r>
+            <a:r>
+              <a:rPr lang="en-US" altLang="ja-JP" dirty="0" smtClean="0"/>
+              <a:t> </a:t>
+            </a:r>
+            <a:r>
+              <a:rPr lang="en-US" altLang="ja-JP" dirty="0" err="1" smtClean="0"/>
+              <a:t>luyện</a:t>
             </a:r>
             <a:r>
               <a:rPr lang="en-US" altLang="ja-JP" dirty="0" smtClean="0"/>
               <a:t>)</a:t>
             </a:r>
+            <a:endParaRPr lang="en-US" altLang="ja-JP" dirty="0" smtClean="0"/>
           </a:p>
           <a:p>
             <a:pPr lvl="2"/>
@@ -7546,7 +7565,19 @@
             </a:r>
             <a:r>
               <a:rPr lang="en-US" altLang="ja-JP" dirty="0" smtClean="0"/>
-              <a:t> 60% (</a:t>
+              <a:t> </a:t>
+            </a:r>
+            <a:r>
+              <a:rPr lang="en-US" altLang="ja-JP" dirty="0" err="1" smtClean="0"/>
+              <a:t>đạt</a:t>
+            </a:r>
+            <a:r>
+              <a:rPr lang="en-US" altLang="ja-JP" dirty="0" smtClean="0"/>
+              <a:t> 68% </a:t>
+            </a:r>
+            <a:r>
+              <a:rPr lang="en-US" altLang="ja-JP" dirty="0" smtClean="0"/>
+              <a:t>(</a:t>
             </a:r>
             <a:r>
               <a:rPr lang="en-US" altLang="ja-JP" dirty="0" err="1" smtClean="0"/>
@@ -7570,20 +7601,21 @@
                   <a:srgbClr val="FF0000"/>
                 </a:solidFill>
               </a:rPr>
-              <a:t>70%</a:t>
+              <a:t>70</a:t>
+            </a:r>
+            <a:r>
+              <a:rPr lang="en-US" altLang="ja-JP" dirty="0" smtClean="0">
+                <a:solidFill>
+                  <a:srgbClr val="FF0000"/>
+                </a:solidFill>
+              </a:rPr>
+              <a:t>%</a:t>
             </a:r>
             <a:r>
               <a:rPr lang="en-US" altLang="ja-JP" dirty="0" smtClean="0"/>
               <a:t>)</a:t>
             </a:r>
-          </a:p>
-          <a:p>
-            <a:pPr lvl="2"/>
-            <a:r>
-              <a:rPr kumimoji="1" lang="en-US" altLang="ja-JP" dirty="0" smtClean="0"/>
-              <a:t>F1 Score</a:t>
-            </a:r>
-            <a:endParaRPr kumimoji="1" lang="ja-JP" altLang="en-US" baseline="30000" dirty="0"/>
+            <a:endParaRPr lang="en-US" altLang="ja-JP" dirty="0" smtClean="0"/>
           </a:p>
         </p:txBody>
       </p:sp>
@@ -7662,6 +7694,54 @@
           </a:p>
         </p:txBody>
       </p:sp>
+      <p:pic>
+        <p:nvPicPr>
+          <p:cNvPr id="7" name="Picture 6"/>
+          <p:cNvPicPr>
+            <a:picLocks noChangeAspect="1"/>
+          </p:cNvPicPr>
+          <p:nvPr/>
+        </p:nvPicPr>
+        <p:blipFill>
+          <a:blip r:embed="rId2"/>
+          <a:stretch>
+            <a:fillRect/>
+          </a:stretch>
+        </p:blipFill>
+        <p:spPr>
+          <a:xfrm>
+            <a:off x="647335" y="3039079"/>
+            <a:ext cx="7813098" cy="1758073"/>
+          </a:xfrm>
+          <a:prstGeom prst="rect">
+            <a:avLst/>
+          </a:prstGeom>
+        </p:spPr>
+      </p:pic>
+      <p:pic>
+        <p:nvPicPr>
+          <p:cNvPr id="8" name="Picture 7"/>
+          <p:cNvPicPr>
+            <a:picLocks noChangeAspect="1"/>
+          </p:cNvPicPr>
+          <p:nvPr/>
+        </p:nvPicPr>
+        <p:blipFill>
+          <a:blip r:embed="rId3"/>
+          <a:stretch>
+            <a:fillRect/>
+          </a:stretch>
+        </p:blipFill>
+        <p:spPr>
+          <a:xfrm>
+            <a:off x="647333" y="4869160"/>
+            <a:ext cx="7813099" cy="1684982"/>
+          </a:xfrm>
+          <a:prstGeom prst="rect">
+            <a:avLst/>
+          </a:prstGeom>
+        </p:spPr>
+      </p:pic>
     </p:spTree>
     <p:extLst>
       <p:ext uri="{BB962C8B-B14F-4D97-AF65-F5344CB8AC3E}">
@@ -7717,7 +7797,7 @@
             </a:r>
             <a:r>
               <a:rPr lang="en-US" altLang="ja-JP" dirty="0" err="1"/>
-              <a:t>luận</a:t>
+              <a:t>quả</a:t>
             </a:r>
             <a:r>
               <a:rPr lang="en-US" altLang="ja-JP" dirty="0"/>
@@ -7725,7 +7805,7 @@
             </a:r>
             <a:r>
               <a:rPr lang="en-US" altLang="ja-JP" dirty="0" err="1"/>
-              <a:t>và</a:t>
+              <a:t>của</a:t>
             </a:r>
             <a:r>
               <a:rPr lang="en-US" altLang="ja-JP" dirty="0"/>
@@ -7733,7 +7813,7 @@
             </a:r>
             <a:r>
               <a:rPr lang="en-US" altLang="ja-JP" dirty="0" err="1"/>
-              <a:t>hướng</a:t>
+              <a:t>giải</a:t>
             </a:r>
             <a:r>
               <a:rPr lang="en-US" altLang="ja-JP" dirty="0"/>
@@ -7741,15 +7821,7 @@
             </a:r>
             <a:r>
               <a:rPr lang="en-US" altLang="ja-JP" dirty="0" err="1"/>
-              <a:t>phát</a:t>
-            </a:r>
-            <a:r>
-              <a:rPr lang="en-US" altLang="ja-JP" dirty="0"/>
-              <a:t> </a:t>
-            </a:r>
-            <a:r>
-              <a:rPr lang="en-US" altLang="ja-JP" dirty="0" err="1"/>
-              <a:t>triển</a:t>
+              <a:t>pháp</a:t>
             </a:r>
             <a:r>
               <a:rPr lang="en-US" altLang="ja-JP" dirty="0"/>
@@ -7765,7 +7837,7 @@
             </a:r>
             <a:r>
               <a:rPr lang="en-US" altLang="ja-JP" dirty="0" err="1"/>
-              <a:t>tài</a:t>
+              <a:t>xuất</a:t>
             </a:r>
             <a:endParaRPr kumimoji="1" lang="ja-JP" altLang="en-US" dirty="0"/>
           </a:p>
@@ -7795,80 +7867,102 @@
               <a:t> </a:t>
             </a:r>
             <a:r>
-              <a:rPr kumimoji="1" lang="en-US" altLang="ja-JP" dirty="0" err="1"/>
-              <a:t>luận</a:t>
-            </a:r>
-            <a:endParaRPr kumimoji="1" lang="en-US" altLang="ja-JP" dirty="0"/>
+              <a:rPr kumimoji="1" lang="en-US" altLang="ja-JP" dirty="0" err="1" smtClean="0"/>
+              <a:t>quả</a:t>
+            </a:r>
+            <a:r>
+              <a:rPr kumimoji="1" lang="en-US" altLang="ja-JP" dirty="0" smtClean="0"/>
+              <a:t>:</a:t>
+            </a:r>
           </a:p>
           <a:p>
             <a:pPr lvl="1"/>
             <a:r>
               <a:rPr lang="en-US" altLang="ja-JP" dirty="0" err="1" smtClean="0"/>
-              <a:t>Hệ</a:t>
-            </a:r>
-            <a:r>
-              <a:rPr lang="en-US" altLang="ja-JP" dirty="0" smtClean="0"/>
-              <a:t> </a:t>
-            </a:r>
-            <a:r>
-              <a:rPr lang="en-US" altLang="ja-JP" dirty="0" err="1" smtClean="0"/>
-              <a:t>thống</a:t>
-            </a:r>
-            <a:r>
-              <a:rPr lang="en-US" altLang="ja-JP" dirty="0" smtClean="0"/>
-              <a:t> </a:t>
-            </a:r>
-            <a:r>
-              <a:rPr lang="en-US" altLang="ja-JP" dirty="0" err="1" smtClean="0"/>
-              <a:t>vẫn</a:t>
-            </a:r>
-            <a:r>
-              <a:rPr lang="en-US" altLang="ja-JP" dirty="0" smtClean="0"/>
-              <a:t> </a:t>
-            </a:r>
-            <a:r>
-              <a:rPr lang="en-US" altLang="ja-JP" dirty="0" err="1" smtClean="0"/>
-              <a:t>còn</a:t>
-            </a:r>
-            <a:r>
-              <a:rPr lang="en-US" altLang="ja-JP" dirty="0" smtClean="0"/>
-              <a:t> </a:t>
-            </a:r>
-            <a:r>
-              <a:rPr lang="en-US" altLang="ja-JP" dirty="0" err="1" smtClean="0"/>
-              <a:t>khả</a:t>
-            </a:r>
-            <a:r>
-              <a:rPr lang="en-US" altLang="ja-JP" dirty="0" smtClean="0"/>
-              <a:t> </a:t>
-            </a:r>
-            <a:r>
-              <a:rPr lang="en-US" altLang="ja-JP" dirty="0" err="1" smtClean="0"/>
-              <a:t>năng</a:t>
-            </a:r>
-            <a:r>
-              <a:rPr lang="en-US" altLang="ja-JP" dirty="0" smtClean="0"/>
-              <a:t> </a:t>
-            </a:r>
-            <a:r>
-              <a:rPr lang="en-US" altLang="ja-JP" dirty="0" err="1" smtClean="0"/>
-              <a:t>cải</a:t>
-            </a:r>
-            <a:r>
-              <a:rPr lang="en-US" altLang="ja-JP" dirty="0" smtClean="0"/>
-              <a:t> </a:t>
-            </a:r>
-            <a:r>
-              <a:rPr lang="en-US" altLang="ja-JP" dirty="0" err="1" smtClean="0"/>
-              <a:t>thiện</a:t>
-            </a:r>
-            <a:r>
-              <a:rPr lang="en-US" altLang="ja-JP" dirty="0" smtClean="0"/>
-              <a:t> </a:t>
-            </a:r>
-            <a:r>
-              <a:rPr lang="en-US" altLang="ja-JP" dirty="0" err="1" smtClean="0"/>
-              <a:t>độ</a:t>
+              <a:t>Đánh</a:t>
+            </a:r>
+            <a:r>
+              <a:rPr lang="en-US" altLang="ja-JP" dirty="0" smtClean="0"/>
+              <a:t> </a:t>
+            </a:r>
+            <a:r>
+              <a:rPr lang="en-US" altLang="ja-JP" dirty="0" err="1" smtClean="0"/>
+              <a:t>giá</a:t>
+            </a:r>
+            <a:r>
+              <a:rPr lang="en-US" altLang="ja-JP" dirty="0" smtClean="0"/>
+              <a:t> </a:t>
+            </a:r>
+            <a:r>
+              <a:rPr lang="en-US" altLang="ja-JP" dirty="0" err="1" smtClean="0"/>
+              <a:t>dựa</a:t>
+            </a:r>
+            <a:r>
+              <a:rPr lang="en-US" altLang="ja-JP" dirty="0" smtClean="0"/>
+              <a:t> </a:t>
+            </a:r>
+            <a:r>
+              <a:rPr lang="en-US" altLang="ja-JP" dirty="0" err="1" smtClean="0"/>
+              <a:t>trên</a:t>
+            </a:r>
+            <a:r>
+              <a:rPr lang="en-US" altLang="ja-JP" dirty="0" smtClean="0"/>
+              <a:t> 1000 </a:t>
+            </a:r>
+            <a:r>
+              <a:rPr lang="en-US" altLang="ja-JP" dirty="0" err="1" smtClean="0"/>
+              <a:t>ảnh</a:t>
+            </a:r>
+            <a:r>
+              <a:rPr lang="en-US" altLang="ja-JP" dirty="0" smtClean="0"/>
+              <a:t> (subset </a:t>
+            </a:r>
+            <a:r>
+              <a:rPr lang="en-US" altLang="ja-JP" dirty="0" err="1" smtClean="0"/>
+              <a:t>của</a:t>
+            </a:r>
+            <a:r>
+              <a:rPr lang="en-US" altLang="ja-JP" dirty="0" smtClean="0"/>
+              <a:t> </a:t>
+            </a:r>
+            <a:r>
+              <a:rPr lang="en-US" altLang="ja-JP" dirty="0" err="1" smtClean="0"/>
+              <a:t>tập</a:t>
+            </a:r>
+            <a:r>
+              <a:rPr lang="en-US" altLang="ja-JP" dirty="0" smtClean="0"/>
+              <a:t> </a:t>
+            </a:r>
+            <a:r>
+              <a:rPr lang="en-US" altLang="ja-JP" dirty="0" err="1" smtClean="0"/>
+              <a:t>ảnh</a:t>
+            </a:r>
+            <a:r>
+              <a:rPr lang="en-US" altLang="ja-JP" dirty="0" smtClean="0"/>
+              <a:t> </a:t>
+            </a:r>
+            <a:r>
+              <a:rPr lang="en-US" altLang="ja-JP" dirty="0" err="1" smtClean="0"/>
+              <a:t>kiểm</a:t>
+            </a:r>
+            <a:r>
+              <a:rPr lang="en-US" altLang="ja-JP" dirty="0" smtClean="0"/>
+              <a:t> </a:t>
+            </a:r>
+            <a:r>
+              <a:rPr lang="en-US" altLang="ja-JP" dirty="0" err="1" smtClean="0"/>
+              <a:t>thử</a:t>
+            </a:r>
+            <a:r>
+              <a:rPr lang="en-US" altLang="ja-JP" dirty="0" smtClean="0"/>
+              <a:t>)</a:t>
+            </a:r>
+          </a:p>
+          <a:p>
+            <a:pPr lvl="2"/>
+            <a:r>
+              <a:rPr lang="en-US" altLang="ja-JP" dirty="0" err="1" smtClean="0"/>
+              <a:t>Độ</a:t>
             </a:r>
             <a:r>
               <a:rPr lang="en-US" altLang="ja-JP" dirty="0" smtClean="0"/>
@@ -7886,384 +7980,47 @@
               <a:rPr lang="en-US" altLang="ja-JP" dirty="0" err="1" smtClean="0"/>
               <a:t>xác</a:t>
             </a:r>
-            <a:endParaRPr lang="en-US" altLang="ja-JP" dirty="0"/>
-          </a:p>
-          <a:p>
-            <a:r>
-              <a:rPr kumimoji="1" lang="en-US" altLang="ja-JP" dirty="0" err="1"/>
-              <a:t>Hướng</a:t>
-            </a:r>
-            <a:r>
-              <a:rPr kumimoji="1" lang="en-US" altLang="ja-JP" dirty="0"/>
-              <a:t> </a:t>
-            </a:r>
-            <a:r>
-              <a:rPr kumimoji="1" lang="en-US" altLang="ja-JP" dirty="0" err="1"/>
-              <a:t>phát</a:t>
-            </a:r>
-            <a:r>
-              <a:rPr kumimoji="1" lang="en-US" altLang="ja-JP" dirty="0"/>
-              <a:t> </a:t>
-            </a:r>
-            <a:r>
-              <a:rPr kumimoji="1" lang="en-US" altLang="ja-JP" dirty="0" err="1" smtClean="0"/>
-              <a:t>triển</a:t>
-            </a:r>
-            <a:r>
-              <a:rPr kumimoji="1" lang="en-US" altLang="ja-JP" dirty="0" smtClean="0"/>
-              <a:t> </a:t>
-            </a:r>
-            <a:r>
-              <a:rPr kumimoji="1" lang="en-US" altLang="ja-JP" dirty="0" err="1"/>
-              <a:t>và</a:t>
-            </a:r>
-            <a:r>
-              <a:rPr kumimoji="1" lang="en-US" altLang="ja-JP" dirty="0"/>
-              <a:t> </a:t>
-            </a:r>
-            <a:r>
-              <a:rPr kumimoji="1" lang="en-US" altLang="ja-JP" dirty="0" err="1"/>
-              <a:t>công</a:t>
-            </a:r>
-            <a:r>
-              <a:rPr kumimoji="1" lang="en-US" altLang="ja-JP" dirty="0"/>
-              <a:t> </a:t>
-            </a:r>
-            <a:r>
-              <a:rPr kumimoji="1" lang="en-US" altLang="ja-JP" dirty="0" err="1"/>
-              <a:t>việc</a:t>
-            </a:r>
-            <a:r>
-              <a:rPr kumimoji="1" lang="en-US" altLang="ja-JP" dirty="0"/>
-              <a:t> </a:t>
-            </a:r>
-            <a:r>
-              <a:rPr kumimoji="1" lang="en-US" altLang="ja-JP" dirty="0" err="1"/>
-              <a:t>tiếp</a:t>
-            </a:r>
-            <a:r>
-              <a:rPr kumimoji="1" lang="en-US" altLang="ja-JP" dirty="0"/>
-              <a:t> </a:t>
-            </a:r>
-            <a:r>
-              <a:rPr kumimoji="1" lang="en-US" altLang="ja-JP" dirty="0" err="1" smtClean="0"/>
-              <a:t>theo</a:t>
-            </a:r>
-            <a:endParaRPr kumimoji="1" lang="en-US" altLang="ja-JP" dirty="0" smtClean="0"/>
-          </a:p>
-          <a:p>
-            <a:pPr lvl="1"/>
-            <a:r>
-              <a:rPr lang="en-US" altLang="ja-JP" dirty="0" err="1" smtClean="0"/>
-              <a:t>Phân</a:t>
-            </a:r>
-            <a:r>
-              <a:rPr lang="en-US" altLang="ja-JP" dirty="0" smtClean="0"/>
-              <a:t> </a:t>
-            </a:r>
-            <a:r>
-              <a:rPr lang="en-US" altLang="ja-JP" dirty="0" err="1" smtClean="0"/>
-              <a:t>loại</a:t>
-            </a:r>
-            <a:r>
-              <a:rPr lang="en-US" altLang="ja-JP" dirty="0" smtClean="0"/>
-              <a:t> </a:t>
-            </a:r>
-            <a:r>
-              <a:rPr lang="en-US" altLang="ja-JP" dirty="0" err="1" smtClean="0"/>
-              <a:t>giai</a:t>
-            </a:r>
-            <a:r>
-              <a:rPr lang="en-US" altLang="ja-JP" dirty="0" smtClean="0"/>
-              <a:t> </a:t>
-            </a:r>
-            <a:r>
-              <a:rPr lang="en-US" altLang="ja-JP" dirty="0" err="1" smtClean="0"/>
-              <a:t>đoạn</a:t>
-            </a:r>
-            <a:r>
-              <a:rPr lang="en-US" altLang="ja-JP" dirty="0" smtClean="0"/>
-              <a:t> </a:t>
-            </a:r>
-            <a:r>
-              <a:rPr lang="en-US" altLang="ja-JP" dirty="0" err="1" smtClean="0"/>
-              <a:t>bệnh</a:t>
-            </a:r>
-            <a:r>
-              <a:rPr lang="en-US" altLang="ja-JP" dirty="0" smtClean="0"/>
-              <a:t> </a:t>
-            </a:r>
-            <a:r>
-              <a:rPr lang="en-US" altLang="ja-JP" dirty="0" err="1" smtClean="0"/>
-              <a:t>dựa</a:t>
-            </a:r>
-            <a:r>
-              <a:rPr lang="en-US" altLang="ja-JP" dirty="0" smtClean="0"/>
-              <a:t> </a:t>
-            </a:r>
-            <a:r>
-              <a:rPr lang="en-US" altLang="ja-JP" dirty="0" err="1" smtClean="0"/>
-              <a:t>trên</a:t>
-            </a:r>
-            <a:r>
-              <a:rPr lang="en-US" altLang="ja-JP" dirty="0" smtClean="0"/>
-              <a:t> </a:t>
-            </a:r>
-            <a:r>
-              <a:rPr lang="en-US" altLang="ja-JP" dirty="0" err="1" smtClean="0"/>
-              <a:t>từng</a:t>
-            </a:r>
-            <a:r>
-              <a:rPr lang="en-US" altLang="ja-JP" dirty="0" smtClean="0"/>
-              <a:t> </a:t>
-            </a:r>
-            <a:r>
-              <a:rPr lang="en-US" altLang="ja-JP" dirty="0" err="1" smtClean="0"/>
-              <a:t>cặp</a:t>
-            </a:r>
-            <a:r>
-              <a:rPr lang="en-US" altLang="ja-JP" dirty="0" smtClean="0"/>
-              <a:t> </a:t>
-            </a:r>
-            <a:r>
-              <a:rPr lang="en-US" altLang="ja-JP" dirty="0" err="1" smtClean="0"/>
-              <a:t>mắt</a:t>
-            </a:r>
-            <a:r>
-              <a:rPr lang="en-US" altLang="ja-JP" dirty="0" smtClean="0"/>
-              <a:t> </a:t>
-            </a:r>
-            <a:r>
-              <a:rPr lang="en-US" altLang="ja-JP" dirty="0" err="1" smtClean="0"/>
-              <a:t>trái</a:t>
-            </a:r>
-            <a:r>
-              <a:rPr lang="en-US" altLang="ja-JP" dirty="0" smtClean="0"/>
-              <a:t> </a:t>
-            </a:r>
-            <a:r>
-              <a:rPr lang="en-US" altLang="ja-JP" dirty="0" err="1" smtClean="0"/>
-              <a:t>phải</a:t>
-            </a:r>
-            <a:r>
-              <a:rPr lang="en-US" altLang="ja-JP" dirty="0" smtClean="0"/>
-              <a:t> (</a:t>
-            </a:r>
-            <a:r>
-              <a:rPr lang="en-US" altLang="ja-JP" dirty="0" err="1" smtClean="0"/>
-              <a:t>hiện</a:t>
-            </a:r>
-            <a:r>
-              <a:rPr lang="en-US" altLang="ja-JP" dirty="0" smtClean="0"/>
-              <a:t> </a:t>
-            </a:r>
-            <a:r>
-              <a:rPr lang="en-US" altLang="ja-JP" dirty="0" err="1" smtClean="0"/>
-              <a:t>tại</a:t>
-            </a:r>
-            <a:r>
-              <a:rPr lang="en-US" altLang="ja-JP" dirty="0" smtClean="0"/>
-              <a:t> </a:t>
-            </a:r>
-            <a:r>
-              <a:rPr lang="en-US" altLang="ja-JP" dirty="0" err="1" smtClean="0"/>
-              <a:t>đánh</a:t>
-            </a:r>
-            <a:r>
-              <a:rPr lang="en-US" altLang="ja-JP" dirty="0" smtClean="0"/>
-              <a:t> </a:t>
-            </a:r>
-            <a:r>
-              <a:rPr lang="en-US" altLang="ja-JP" dirty="0" err="1" smtClean="0"/>
-              <a:t>giá</a:t>
-            </a:r>
-            <a:r>
-              <a:rPr lang="en-US" altLang="ja-JP" dirty="0" smtClean="0"/>
-              <a:t> </a:t>
-            </a:r>
-            <a:r>
-              <a:rPr lang="en-US" altLang="ja-JP" dirty="0" err="1" smtClean="0"/>
-              <a:t>độc</a:t>
-            </a:r>
-            <a:r>
-              <a:rPr lang="en-US" altLang="ja-JP" dirty="0" smtClean="0"/>
-              <a:t> </a:t>
-            </a:r>
-            <a:r>
-              <a:rPr lang="en-US" altLang="ja-JP" dirty="0" err="1" smtClean="0"/>
-              <a:t>lập</a:t>
-            </a:r>
-            <a:r>
-              <a:rPr lang="en-US" altLang="ja-JP" dirty="0" smtClean="0"/>
-              <a:t> 2 </a:t>
-            </a:r>
-            <a:r>
-              <a:rPr lang="en-US" altLang="ja-JP" dirty="0" err="1" smtClean="0"/>
-              <a:t>mắt</a:t>
+            <a:r>
+              <a:rPr lang="en-US" altLang="ja-JP" dirty="0" smtClean="0"/>
+              <a:t> 60% (</a:t>
+            </a:r>
+            <a:r>
+              <a:rPr lang="en-US" altLang="ja-JP" dirty="0" err="1" smtClean="0"/>
+              <a:t>Mục</a:t>
+            </a:r>
+            <a:r>
+              <a:rPr lang="en-US" altLang="ja-JP" dirty="0" smtClean="0"/>
+              <a:t> </a:t>
+            </a:r>
+            <a:r>
+              <a:rPr lang="en-US" altLang="ja-JP" dirty="0" err="1" smtClean="0"/>
+              <a:t>tiêu</a:t>
+            </a:r>
+            <a:r>
+              <a:rPr lang="en-US" altLang="ja-JP" dirty="0" smtClean="0"/>
+              <a:t> </a:t>
+            </a:r>
+            <a:r>
+              <a:rPr lang="en-US" altLang="ja-JP" dirty="0" smtClean="0">
+                <a:solidFill>
+                  <a:srgbClr val="FF0000"/>
+                </a:solidFill>
+              </a:rPr>
+              <a:t>70</a:t>
+            </a:r>
+            <a:r>
+              <a:rPr lang="en-US" altLang="ja-JP" dirty="0" smtClean="0">
+                <a:solidFill>
+                  <a:srgbClr val="FF0000"/>
+                </a:solidFill>
+              </a:rPr>
+              <a:t>%</a:t>
             </a:r>
             <a:r>
               <a:rPr lang="en-US" altLang="ja-JP" dirty="0" smtClean="0"/>
               <a:t>)</a:t>
             </a:r>
-          </a:p>
-          <a:p>
-            <a:pPr lvl="1"/>
-            <a:r>
-              <a:rPr kumimoji="1" lang="en-US" altLang="ja-JP" dirty="0" err="1" smtClean="0"/>
-              <a:t>Loại</a:t>
-            </a:r>
-            <a:r>
-              <a:rPr kumimoji="1" lang="en-US" altLang="ja-JP" dirty="0" smtClean="0"/>
-              <a:t> </a:t>
-            </a:r>
-            <a:r>
-              <a:rPr kumimoji="1" lang="en-US" altLang="ja-JP" dirty="0" err="1" smtClean="0"/>
-              <a:t>bỏ</a:t>
-            </a:r>
-            <a:r>
-              <a:rPr kumimoji="1" lang="en-US" altLang="ja-JP" dirty="0" smtClean="0"/>
-              <a:t> </a:t>
-            </a:r>
-            <a:r>
-              <a:rPr kumimoji="1" lang="en-US" altLang="ja-JP" dirty="0" err="1" smtClean="0"/>
-              <a:t>những</a:t>
-            </a:r>
-            <a:r>
-              <a:rPr kumimoji="1" lang="en-US" altLang="ja-JP" dirty="0" smtClean="0"/>
-              <a:t> </a:t>
-            </a:r>
-            <a:r>
-              <a:rPr kumimoji="1" lang="en-US" altLang="ja-JP" dirty="0" err="1" smtClean="0"/>
-              <a:t>ảnh</a:t>
-            </a:r>
-            <a:r>
-              <a:rPr kumimoji="1" lang="en-US" altLang="ja-JP" dirty="0" smtClean="0"/>
-              <a:t> </a:t>
-            </a:r>
-            <a:r>
-              <a:rPr kumimoji="1" lang="en-US" altLang="ja-JP" dirty="0" err="1" smtClean="0"/>
-              <a:t>bị</a:t>
-            </a:r>
-            <a:r>
-              <a:rPr kumimoji="1" lang="en-US" altLang="ja-JP" dirty="0" smtClean="0"/>
-              <a:t> </a:t>
-            </a:r>
-            <a:r>
-              <a:rPr kumimoji="1" lang="en-US" altLang="ja-JP" dirty="0" err="1" smtClean="0"/>
-              <a:t>hỏng</a:t>
-            </a:r>
-            <a:r>
-              <a:rPr kumimoji="1" lang="en-US" altLang="ja-JP" dirty="0" smtClean="0"/>
-              <a:t> (</a:t>
-            </a:r>
-            <a:r>
-              <a:rPr kumimoji="1" lang="en-US" altLang="ja-JP" dirty="0" err="1" smtClean="0"/>
-              <a:t>hoàn</a:t>
-            </a:r>
-            <a:r>
-              <a:rPr kumimoji="1" lang="en-US" altLang="ja-JP" dirty="0" smtClean="0"/>
-              <a:t> </a:t>
-            </a:r>
-            <a:r>
-              <a:rPr kumimoji="1" lang="en-US" altLang="ja-JP" dirty="0" err="1" smtClean="0"/>
-              <a:t>toàn</a:t>
-            </a:r>
-            <a:r>
-              <a:rPr kumimoji="1" lang="en-US" altLang="ja-JP" dirty="0" smtClean="0"/>
-              <a:t> </a:t>
-            </a:r>
-            <a:r>
-              <a:rPr kumimoji="1" lang="en-US" altLang="ja-JP" dirty="0" err="1" smtClean="0"/>
-              <a:t>trắng</a:t>
-            </a:r>
-            <a:r>
-              <a:rPr kumimoji="1" lang="en-US" altLang="ja-JP" dirty="0" smtClean="0"/>
-              <a:t> </a:t>
-            </a:r>
-            <a:r>
-              <a:rPr kumimoji="1" lang="en-US" altLang="ja-JP" dirty="0" err="1" smtClean="0"/>
-              <a:t>hoặc</a:t>
-            </a:r>
-            <a:r>
-              <a:rPr kumimoji="1" lang="en-US" altLang="ja-JP" dirty="0" smtClean="0"/>
-              <a:t> </a:t>
-            </a:r>
-            <a:r>
-              <a:rPr kumimoji="1" lang="en-US" altLang="ja-JP" dirty="0" err="1" smtClean="0"/>
-              <a:t>đen</a:t>
-            </a:r>
-            <a:r>
-              <a:rPr kumimoji="1" lang="en-US" altLang="ja-JP" dirty="0" smtClean="0"/>
-              <a:t>…)</a:t>
-            </a:r>
-          </a:p>
-          <a:p>
-            <a:pPr lvl="1"/>
-            <a:r>
-              <a:rPr lang="en-US" altLang="ja-JP" dirty="0" err="1" smtClean="0"/>
-              <a:t>Tăng</a:t>
-            </a:r>
-            <a:r>
-              <a:rPr lang="en-US" altLang="ja-JP" dirty="0" smtClean="0"/>
-              <a:t> </a:t>
-            </a:r>
-            <a:r>
-              <a:rPr lang="en-US" altLang="ja-JP" dirty="0" err="1" smtClean="0"/>
-              <a:t>cường</a:t>
-            </a:r>
-            <a:r>
-              <a:rPr lang="en-US" altLang="ja-JP" dirty="0" smtClean="0"/>
-              <a:t> </a:t>
-            </a:r>
-            <a:r>
-              <a:rPr lang="en-US" altLang="ja-JP" dirty="0" err="1" smtClean="0"/>
-              <a:t>thêm</a:t>
-            </a:r>
-            <a:r>
-              <a:rPr lang="en-US" altLang="ja-JP" dirty="0" smtClean="0"/>
-              <a:t> </a:t>
-            </a:r>
-            <a:r>
-              <a:rPr lang="en-US" altLang="ja-JP" dirty="0" err="1" smtClean="0"/>
-              <a:t>số</a:t>
-            </a:r>
-            <a:r>
-              <a:rPr lang="en-US" altLang="ja-JP" dirty="0" smtClean="0"/>
-              <a:t> </a:t>
-            </a:r>
-            <a:r>
-              <a:rPr lang="en-US" altLang="ja-JP" dirty="0" err="1" smtClean="0"/>
-              <a:t>lượng</a:t>
-            </a:r>
-            <a:r>
-              <a:rPr lang="en-US" altLang="ja-JP" dirty="0" smtClean="0"/>
-              <a:t> </a:t>
-            </a:r>
-            <a:r>
-              <a:rPr lang="en-US" altLang="ja-JP" dirty="0" err="1" smtClean="0"/>
-              <a:t>ảnh</a:t>
-            </a:r>
-            <a:r>
-              <a:rPr lang="en-US" altLang="ja-JP" dirty="0" smtClean="0"/>
-              <a:t> </a:t>
-            </a:r>
-            <a:r>
-              <a:rPr lang="en-US" altLang="ja-JP" dirty="0" err="1" smtClean="0"/>
-              <a:t>huấn</a:t>
-            </a:r>
-            <a:r>
-              <a:rPr lang="en-US" altLang="ja-JP" dirty="0" smtClean="0"/>
-              <a:t> </a:t>
-            </a:r>
-            <a:r>
-              <a:rPr lang="en-US" altLang="ja-JP" dirty="0" err="1" smtClean="0"/>
-              <a:t>luyện</a:t>
-            </a:r>
-            <a:endParaRPr kumimoji="1" lang="en-US" altLang="ja-JP" dirty="0" smtClean="0"/>
-          </a:p>
-          <a:p>
-            <a:pPr lvl="1"/>
-            <a:endParaRPr kumimoji="1" lang="ja-JP" altLang="en-US" dirty="0"/>
+            <a:endParaRPr lang="en-US" altLang="ja-JP" dirty="0" smtClean="0"/>
           </a:p>
         </p:txBody>
       </p:sp>
@@ -8282,7 +8039,7 @@
           <a:bodyPr/>
           <a:lstStyle/>
           <a:p>
-            <a:fld id="{F3E3AC63-30EC-4F79-8593-B4A9E85D12C5}" type="datetime1">
+            <a:fld id="{050317AE-C5B1-45BB-9249-90F7C348BD58}" type="datetime1">
               <a:rPr kumimoji="1" lang="en-US" altLang="ja-JP" smtClean="0"/>
               <a:t>11/22/2017</a:t>
             </a:fld>
@@ -8345,7 +8102,7 @@
     </p:spTree>
     <p:extLst>
       <p:ext uri="{BB962C8B-B14F-4D97-AF65-F5344CB8AC3E}">
-        <p14:creationId xmlns:p14="http://schemas.microsoft.com/office/powerpoint/2010/main" val="249349299"/>
+        <p14:creationId xmlns:p14="http://schemas.microsoft.com/office/powerpoint/2010/main" val="1581247958"/>
       </p:ext>
     </p:extLst>
   </p:cSld>
@@ -8389,7 +8146,7 @@
           <a:p>
             <a:r>
               <a:rPr lang="en-US" altLang="ja-JP" dirty="0" err="1"/>
-              <a:t>Tài</a:t>
+              <a:t>Kết</a:t>
             </a:r>
             <a:r>
               <a:rPr lang="en-US" altLang="ja-JP" dirty="0"/>
@@ -8397,7 +8154,7 @@
             </a:r>
             <a:r>
               <a:rPr lang="en-US" altLang="ja-JP" dirty="0" err="1"/>
-              <a:t>liệu</a:t>
+              <a:t>luận</a:t>
             </a:r>
             <a:r>
               <a:rPr lang="en-US" altLang="ja-JP" dirty="0"/>
@@ -8405,7 +8162,7 @@
             </a:r>
             <a:r>
               <a:rPr lang="en-US" altLang="ja-JP" dirty="0" err="1"/>
-              <a:t>tham</a:t>
+              <a:t>và</a:t>
             </a:r>
             <a:r>
               <a:rPr lang="en-US" altLang="ja-JP" dirty="0"/>
@@ -8413,7 +8170,39 @@
             </a:r>
             <a:r>
               <a:rPr lang="en-US" altLang="ja-JP" dirty="0" err="1"/>
-              <a:t>khảo</a:t>
+              <a:t>hướng</a:t>
+            </a:r>
+            <a:r>
+              <a:rPr lang="en-US" altLang="ja-JP" dirty="0"/>
+              <a:t> </a:t>
+            </a:r>
+            <a:r>
+              <a:rPr lang="en-US" altLang="ja-JP" dirty="0" err="1"/>
+              <a:t>phát</a:t>
+            </a:r>
+            <a:r>
+              <a:rPr lang="en-US" altLang="ja-JP" dirty="0"/>
+              <a:t> </a:t>
+            </a:r>
+            <a:r>
+              <a:rPr lang="en-US" altLang="ja-JP" dirty="0" err="1"/>
+              <a:t>triển</a:t>
+            </a:r>
+            <a:r>
+              <a:rPr lang="en-US" altLang="ja-JP" dirty="0"/>
+              <a:t> </a:t>
+            </a:r>
+            <a:r>
+              <a:rPr lang="en-US" altLang="ja-JP" dirty="0" err="1"/>
+              <a:t>đề</a:t>
+            </a:r>
+            <a:r>
+              <a:rPr lang="en-US" altLang="ja-JP" dirty="0"/>
+              <a:t> </a:t>
+            </a:r>
+            <a:r>
+              <a:rPr lang="en-US" altLang="ja-JP" dirty="0" err="1"/>
+              <a:t>tài</a:t>
             </a:r>
             <a:endParaRPr kumimoji="1" lang="ja-JP" altLang="en-US" dirty="0"/>
           </a:p>
@@ -8421,7 +8210,7 @@
       </p:sp>
       <p:sp>
         <p:nvSpPr>
-          <p:cNvPr id="3" name="コンテンツ プレースホルダ 2"/>
+          <p:cNvPr id="3" name="コンテンツ プレースホルダー 2"/>
           <p:cNvSpPr>
             <a:spLocks noGrp="1"/>
           </p:cNvSpPr>
@@ -8435,161 +8224,555 @@
           <a:lstStyle/>
           <a:p>
             <a:r>
-              <a:rPr lang="en-US" altLang="ja-JP" baseline="30000" dirty="0" smtClean="0"/>
-              <a:t>[1]</a:t>
-            </a:r>
-            <a:r>
-              <a:rPr lang="en-US" altLang="ja-JP" baseline="-25000" dirty="0" smtClean="0"/>
-              <a:t> </a:t>
-            </a:r>
-            <a:r>
-              <a:rPr lang="en-US" altLang="ja-JP" dirty="0" smtClean="0"/>
-              <a:t>Andrew G. Howard, </a:t>
-            </a:r>
-            <a:r>
-              <a:rPr lang="en-US" altLang="ja-JP" dirty="0" err="1" smtClean="0"/>
-              <a:t>Menglong</a:t>
-            </a:r>
-            <a:r>
-              <a:rPr lang="en-US" altLang="ja-JP" dirty="0" smtClean="0"/>
-              <a:t> Zhu et al. </a:t>
-            </a:r>
-            <a:r>
-              <a:rPr lang="en-US" altLang="ja-JP" dirty="0" err="1" smtClean="0"/>
-              <a:t>MobileNets</a:t>
-            </a:r>
-            <a:r>
-              <a:rPr lang="en-US" altLang="ja-JP" dirty="0" smtClean="0"/>
-              <a:t>: Efficient Convolutional Neural Networks for Mobile Vision Applications, 2017, </a:t>
-            </a:r>
-            <a:r>
-              <a:rPr lang="en-US" altLang="ja-JP" dirty="0" smtClean="0">
-                <a:hlinkClick r:id="rId3"/>
-              </a:rPr>
-              <a:t>arXiv</a:t>
+              <a:rPr kumimoji="1" lang="en-US" altLang="ja-JP" dirty="0" err="1"/>
+              <a:t>Kết</a:t>
+            </a:r>
+            <a:r>
+              <a:rPr kumimoji="1" lang="en-US" altLang="ja-JP" dirty="0"/>
+              <a:t> </a:t>
+            </a:r>
+            <a:r>
+              <a:rPr kumimoji="1" lang="en-US" altLang="ja-JP" dirty="0" err="1"/>
+              <a:t>luận</a:t>
+            </a:r>
+            <a:endParaRPr kumimoji="1" lang="en-US" altLang="ja-JP" dirty="0"/>
+          </a:p>
+          <a:p>
+            <a:pPr lvl="1"/>
+            <a:r>
+              <a:rPr lang="en-US" altLang="ja-JP" dirty="0" err="1" smtClean="0"/>
+              <a:t>Hệ</a:t>
+            </a:r>
+            <a:r>
+              <a:rPr lang="en-US" altLang="ja-JP" dirty="0" smtClean="0"/>
+              <a:t> </a:t>
+            </a:r>
+            <a:r>
+              <a:rPr lang="en-US" altLang="ja-JP" dirty="0" err="1" smtClean="0"/>
+              <a:t>thống</a:t>
+            </a:r>
+            <a:r>
+              <a:rPr lang="en-US" altLang="ja-JP" dirty="0" smtClean="0"/>
+              <a:t> </a:t>
+            </a:r>
+            <a:r>
+              <a:rPr lang="en-US" altLang="ja-JP" dirty="0" err="1" smtClean="0"/>
+              <a:t>vẫn</a:t>
+            </a:r>
+            <a:r>
+              <a:rPr lang="en-US" altLang="ja-JP" dirty="0" smtClean="0"/>
+              <a:t> </a:t>
+            </a:r>
+            <a:r>
+              <a:rPr lang="en-US" altLang="ja-JP" dirty="0" err="1" smtClean="0"/>
+              <a:t>còn</a:t>
+            </a:r>
+            <a:r>
+              <a:rPr lang="en-US" altLang="ja-JP" dirty="0" smtClean="0"/>
+              <a:t> </a:t>
+            </a:r>
+            <a:r>
+              <a:rPr lang="en-US" altLang="ja-JP" dirty="0" err="1" smtClean="0"/>
+              <a:t>khả</a:t>
+            </a:r>
+            <a:r>
+              <a:rPr lang="en-US" altLang="ja-JP" dirty="0" smtClean="0"/>
+              <a:t> </a:t>
+            </a:r>
+            <a:r>
+              <a:rPr lang="en-US" altLang="ja-JP" dirty="0" err="1" smtClean="0"/>
+              <a:t>năng</a:t>
+            </a:r>
+            <a:r>
+              <a:rPr lang="en-US" altLang="ja-JP" dirty="0" smtClean="0"/>
+              <a:t> </a:t>
+            </a:r>
+            <a:r>
+              <a:rPr lang="en-US" altLang="ja-JP" dirty="0" err="1" smtClean="0"/>
+              <a:t>cải</a:t>
+            </a:r>
+            <a:r>
+              <a:rPr lang="en-US" altLang="ja-JP" dirty="0" smtClean="0"/>
+              <a:t> </a:t>
+            </a:r>
+            <a:r>
+              <a:rPr lang="en-US" altLang="ja-JP" dirty="0" err="1" smtClean="0"/>
+              <a:t>thiện</a:t>
+            </a:r>
+            <a:r>
+              <a:rPr lang="en-US" altLang="ja-JP" dirty="0" smtClean="0"/>
+              <a:t> </a:t>
+            </a:r>
+            <a:r>
+              <a:rPr lang="en-US" altLang="ja-JP" dirty="0" err="1" smtClean="0"/>
+              <a:t>độ</a:t>
+            </a:r>
+            <a:r>
+              <a:rPr lang="en-US" altLang="ja-JP" dirty="0" smtClean="0"/>
+              <a:t> </a:t>
+            </a:r>
+            <a:r>
+              <a:rPr lang="en-US" altLang="ja-JP" dirty="0" err="1" smtClean="0"/>
+              <a:t>chính</a:t>
+            </a:r>
+            <a:r>
+              <a:rPr lang="en-US" altLang="ja-JP" dirty="0" smtClean="0"/>
+              <a:t> </a:t>
+            </a:r>
+            <a:r>
+              <a:rPr lang="en-US" altLang="ja-JP" dirty="0" err="1" smtClean="0"/>
+              <a:t>xác</a:t>
+            </a:r>
+            <a:endParaRPr lang="en-US" altLang="ja-JP" dirty="0"/>
+          </a:p>
+          <a:p>
+            <a:r>
+              <a:rPr kumimoji="1" lang="en-US" altLang="ja-JP" dirty="0" err="1"/>
+              <a:t>Hướng</a:t>
+            </a:r>
+            <a:r>
+              <a:rPr kumimoji="1" lang="en-US" altLang="ja-JP" dirty="0"/>
+              <a:t> </a:t>
+            </a:r>
+            <a:r>
+              <a:rPr kumimoji="1" lang="en-US" altLang="ja-JP" dirty="0" err="1"/>
+              <a:t>phát</a:t>
+            </a:r>
+            <a:r>
+              <a:rPr kumimoji="1" lang="en-US" altLang="ja-JP" dirty="0"/>
+              <a:t> </a:t>
+            </a:r>
+            <a:r>
+              <a:rPr kumimoji="1" lang="en-US" altLang="ja-JP" dirty="0" err="1" smtClean="0"/>
+              <a:t>triển</a:t>
+            </a:r>
+            <a:r>
+              <a:rPr kumimoji="1" lang="en-US" altLang="ja-JP" dirty="0" smtClean="0"/>
+              <a:t> </a:t>
+            </a:r>
+            <a:r>
+              <a:rPr kumimoji="1" lang="en-US" altLang="ja-JP" dirty="0" err="1"/>
+              <a:t>và</a:t>
+            </a:r>
+            <a:r>
+              <a:rPr kumimoji="1" lang="en-US" altLang="ja-JP" dirty="0"/>
+              <a:t> </a:t>
+            </a:r>
+            <a:r>
+              <a:rPr kumimoji="1" lang="en-US" altLang="ja-JP" dirty="0" err="1"/>
+              <a:t>công</a:t>
+            </a:r>
+            <a:r>
+              <a:rPr kumimoji="1" lang="en-US" altLang="ja-JP" dirty="0"/>
+              <a:t> </a:t>
+            </a:r>
+            <a:r>
+              <a:rPr kumimoji="1" lang="en-US" altLang="ja-JP" dirty="0" err="1"/>
+              <a:t>việc</a:t>
+            </a:r>
+            <a:r>
+              <a:rPr kumimoji="1" lang="en-US" altLang="ja-JP" dirty="0"/>
+              <a:t> </a:t>
+            </a:r>
+            <a:r>
+              <a:rPr kumimoji="1" lang="en-US" altLang="ja-JP" dirty="0" err="1"/>
+              <a:t>tiếp</a:t>
+            </a:r>
+            <a:r>
+              <a:rPr kumimoji="1" lang="en-US" altLang="ja-JP" dirty="0"/>
+              <a:t> </a:t>
+            </a:r>
+            <a:r>
+              <a:rPr kumimoji="1" lang="en-US" altLang="ja-JP" dirty="0" err="1" smtClean="0"/>
+              <a:t>theo</a:t>
+            </a:r>
+            <a:endParaRPr kumimoji="1" lang="en-US" altLang="ja-JP" dirty="0" smtClean="0"/>
+          </a:p>
+          <a:p>
+            <a:pPr lvl="1"/>
+            <a:r>
+              <a:rPr lang="en-US" altLang="ja-JP" dirty="0" err="1" smtClean="0"/>
+              <a:t>Phân</a:t>
+            </a:r>
+            <a:r>
+              <a:rPr lang="en-US" altLang="ja-JP" dirty="0" smtClean="0"/>
+              <a:t> </a:t>
+            </a:r>
+            <a:r>
+              <a:rPr lang="en-US" altLang="ja-JP" dirty="0" err="1" smtClean="0"/>
+              <a:t>loại</a:t>
+            </a:r>
+            <a:r>
+              <a:rPr lang="en-US" altLang="ja-JP" dirty="0" smtClean="0"/>
+              <a:t> </a:t>
+            </a:r>
+            <a:r>
+              <a:rPr lang="en-US" altLang="ja-JP" dirty="0" err="1" smtClean="0"/>
+              <a:t>giai</a:t>
+            </a:r>
+            <a:r>
+              <a:rPr lang="en-US" altLang="ja-JP" dirty="0" smtClean="0"/>
+              <a:t> </a:t>
+            </a:r>
+            <a:r>
+              <a:rPr lang="en-US" altLang="ja-JP" dirty="0" err="1" smtClean="0"/>
+              <a:t>đoạn</a:t>
+            </a:r>
+            <a:r>
+              <a:rPr lang="en-US" altLang="ja-JP" dirty="0" smtClean="0"/>
+              <a:t> </a:t>
+            </a:r>
+            <a:r>
+              <a:rPr lang="en-US" altLang="ja-JP" dirty="0" err="1" smtClean="0"/>
+              <a:t>bệnh</a:t>
+            </a:r>
+            <a:r>
+              <a:rPr lang="en-US" altLang="ja-JP" dirty="0" smtClean="0"/>
+              <a:t> </a:t>
+            </a:r>
+            <a:r>
+              <a:rPr lang="en-US" altLang="ja-JP" dirty="0" err="1" smtClean="0"/>
+              <a:t>dựa</a:t>
+            </a:r>
+            <a:r>
+              <a:rPr lang="en-US" altLang="ja-JP" dirty="0" smtClean="0"/>
+              <a:t> </a:t>
+            </a:r>
+            <a:r>
+              <a:rPr lang="en-US" altLang="ja-JP" dirty="0" err="1" smtClean="0"/>
+              <a:t>trên</a:t>
+            </a:r>
+            <a:r>
+              <a:rPr lang="en-US" altLang="ja-JP" dirty="0" smtClean="0"/>
+              <a:t> </a:t>
+            </a:r>
+            <a:r>
+              <a:rPr lang="en-US" altLang="ja-JP" dirty="0" err="1" smtClean="0"/>
+              <a:t>từng</a:t>
+            </a:r>
+            <a:r>
+              <a:rPr lang="en-US" altLang="ja-JP" dirty="0" smtClean="0"/>
+              <a:t> </a:t>
+            </a:r>
+            <a:r>
+              <a:rPr lang="en-US" altLang="ja-JP" dirty="0" err="1" smtClean="0"/>
+              <a:t>cặp</a:t>
+            </a:r>
+            <a:r>
+              <a:rPr lang="en-US" altLang="ja-JP" dirty="0" smtClean="0"/>
+              <a:t> </a:t>
+            </a:r>
+            <a:r>
+              <a:rPr lang="en-US" altLang="ja-JP" dirty="0" err="1" smtClean="0"/>
+              <a:t>mắt</a:t>
+            </a:r>
+            <a:r>
+              <a:rPr lang="en-US" altLang="ja-JP" dirty="0" smtClean="0"/>
+              <a:t> </a:t>
+            </a:r>
+            <a:r>
+              <a:rPr lang="en-US" altLang="ja-JP" dirty="0" err="1" smtClean="0"/>
+              <a:t>trái</a:t>
+            </a:r>
+            <a:r>
+              <a:rPr lang="en-US" altLang="ja-JP" dirty="0" smtClean="0"/>
+              <a:t> </a:t>
+            </a:r>
+            <a:r>
+              <a:rPr lang="en-US" altLang="ja-JP" dirty="0" err="1" smtClean="0"/>
+              <a:t>phải</a:t>
+            </a:r>
+            <a:r>
+              <a:rPr lang="en-US" altLang="ja-JP" dirty="0" smtClean="0"/>
+              <a:t> (</a:t>
+            </a:r>
+            <a:r>
+              <a:rPr lang="en-US" altLang="ja-JP" dirty="0" err="1" smtClean="0"/>
+              <a:t>hiện</a:t>
+            </a:r>
+            <a:r>
+              <a:rPr lang="en-US" altLang="ja-JP" dirty="0" smtClean="0"/>
+              <a:t> </a:t>
+            </a:r>
+            <a:r>
+              <a:rPr lang="en-US" altLang="ja-JP" dirty="0" err="1" smtClean="0"/>
+              <a:t>tại</a:t>
+            </a:r>
+            <a:r>
+              <a:rPr lang="en-US" altLang="ja-JP" dirty="0" smtClean="0"/>
+              <a:t> </a:t>
+            </a:r>
+            <a:r>
+              <a:rPr lang="en-US" altLang="ja-JP" dirty="0" err="1" smtClean="0"/>
+              <a:t>đánh</a:t>
+            </a:r>
+            <a:r>
+              <a:rPr lang="en-US" altLang="ja-JP" dirty="0" smtClean="0"/>
+              <a:t> </a:t>
+            </a:r>
+            <a:r>
+              <a:rPr lang="en-US" altLang="ja-JP" dirty="0" err="1" smtClean="0"/>
+              <a:t>giá</a:t>
+            </a:r>
+            <a:r>
+              <a:rPr lang="en-US" altLang="ja-JP" dirty="0" smtClean="0"/>
+              <a:t> </a:t>
+            </a:r>
+            <a:r>
+              <a:rPr lang="en-US" altLang="ja-JP" dirty="0" err="1" smtClean="0"/>
+              <a:t>độc</a:t>
+            </a:r>
+            <a:r>
+              <a:rPr lang="en-US" altLang="ja-JP" dirty="0" smtClean="0"/>
+              <a:t> </a:t>
+            </a:r>
+            <a:r>
+              <a:rPr lang="en-US" altLang="ja-JP" dirty="0" err="1" smtClean="0"/>
+              <a:t>lập</a:t>
+            </a:r>
+            <a:r>
+              <a:rPr lang="en-US" altLang="ja-JP" dirty="0" smtClean="0"/>
+              <a:t> 2 </a:t>
+            </a:r>
+            <a:r>
+              <a:rPr lang="en-US" altLang="ja-JP" dirty="0" err="1" smtClean="0"/>
+              <a:t>mắt</a:t>
+            </a:r>
+            <a:r>
+              <a:rPr lang="en-US" altLang="ja-JP" dirty="0" smtClean="0"/>
+              <a:t>)</a:t>
+            </a:r>
+          </a:p>
+          <a:p>
+            <a:pPr lvl="1"/>
+            <a:r>
+              <a:rPr kumimoji="1" lang="en-US" altLang="ja-JP" dirty="0" err="1" smtClean="0"/>
+              <a:t>Loại</a:t>
+            </a:r>
+            <a:r>
+              <a:rPr kumimoji="1" lang="en-US" altLang="ja-JP" dirty="0" smtClean="0"/>
+              <a:t> </a:t>
+            </a:r>
+            <a:r>
+              <a:rPr kumimoji="1" lang="en-US" altLang="ja-JP" dirty="0" err="1" smtClean="0"/>
+              <a:t>bỏ</a:t>
+            </a:r>
+            <a:r>
+              <a:rPr kumimoji="1" lang="en-US" altLang="ja-JP" dirty="0" smtClean="0"/>
+              <a:t> </a:t>
+            </a:r>
+            <a:r>
+              <a:rPr kumimoji="1" lang="en-US" altLang="ja-JP" dirty="0" err="1" smtClean="0"/>
+              <a:t>những</a:t>
+            </a:r>
+            <a:r>
+              <a:rPr kumimoji="1" lang="en-US" altLang="ja-JP" dirty="0" smtClean="0"/>
+              <a:t> </a:t>
+            </a:r>
+            <a:r>
+              <a:rPr kumimoji="1" lang="en-US" altLang="ja-JP" dirty="0" err="1" smtClean="0"/>
+              <a:t>ảnh</a:t>
+            </a:r>
+            <a:r>
+              <a:rPr kumimoji="1" lang="en-US" altLang="ja-JP" dirty="0" smtClean="0"/>
+              <a:t> </a:t>
+            </a:r>
+            <a:r>
+              <a:rPr kumimoji="1" lang="en-US" altLang="ja-JP" dirty="0" err="1" smtClean="0"/>
+              <a:t>bị</a:t>
+            </a:r>
+            <a:r>
+              <a:rPr kumimoji="1" lang="en-US" altLang="ja-JP" dirty="0" smtClean="0"/>
+              <a:t> </a:t>
+            </a:r>
+            <a:r>
+              <a:rPr kumimoji="1" lang="en-US" altLang="ja-JP" dirty="0" err="1" smtClean="0"/>
+              <a:t>hỏng</a:t>
+            </a:r>
+            <a:r>
+              <a:rPr kumimoji="1" lang="en-US" altLang="ja-JP" dirty="0" smtClean="0"/>
+              <a:t> (</a:t>
+            </a:r>
+            <a:r>
+              <a:rPr kumimoji="1" lang="en-US" altLang="ja-JP" dirty="0" err="1" smtClean="0"/>
+              <a:t>hoàn</a:t>
+            </a:r>
+            <a:r>
+              <a:rPr kumimoji="1" lang="en-US" altLang="ja-JP" dirty="0" smtClean="0"/>
+              <a:t> </a:t>
+            </a:r>
+            <a:r>
+              <a:rPr kumimoji="1" lang="en-US" altLang="ja-JP" dirty="0" err="1" smtClean="0"/>
+              <a:t>toàn</a:t>
+            </a:r>
+            <a:r>
+              <a:rPr kumimoji="1" lang="en-US" altLang="ja-JP" dirty="0" smtClean="0"/>
+              <a:t> </a:t>
+            </a:r>
+            <a:r>
+              <a:rPr kumimoji="1" lang="en-US" altLang="ja-JP" dirty="0" err="1" smtClean="0"/>
+              <a:t>trắng</a:t>
+            </a:r>
+            <a:r>
+              <a:rPr kumimoji="1" lang="en-US" altLang="ja-JP" dirty="0" smtClean="0"/>
+              <a:t> </a:t>
+            </a:r>
+            <a:r>
+              <a:rPr kumimoji="1" lang="en-US" altLang="ja-JP" dirty="0" err="1" smtClean="0"/>
+              <a:t>hoặc</a:t>
+            </a:r>
+            <a:r>
+              <a:rPr kumimoji="1" lang="en-US" altLang="ja-JP" dirty="0" smtClean="0"/>
+              <a:t> </a:t>
+            </a:r>
+            <a:r>
+              <a:rPr kumimoji="1" lang="en-US" altLang="ja-JP" dirty="0" err="1" smtClean="0"/>
+              <a:t>đen</a:t>
+            </a:r>
+            <a:r>
+              <a:rPr kumimoji="1" lang="en-US" altLang="ja-JP" dirty="0" smtClean="0"/>
+              <a:t>…)</a:t>
+            </a:r>
+          </a:p>
+          <a:p>
+            <a:pPr lvl="1"/>
+            <a:r>
+              <a:rPr lang="en-US" altLang="ja-JP" dirty="0" err="1" smtClean="0"/>
+              <a:t>Tăng</a:t>
+            </a:r>
+            <a:r>
+              <a:rPr lang="en-US" altLang="ja-JP" dirty="0" smtClean="0"/>
+              <a:t> </a:t>
+            </a:r>
+            <a:r>
+              <a:rPr lang="en-US" altLang="ja-JP" dirty="0" err="1" smtClean="0"/>
+              <a:t>cường</a:t>
+            </a:r>
+            <a:r>
+              <a:rPr lang="en-US" altLang="ja-JP" dirty="0" smtClean="0"/>
+              <a:t> </a:t>
+            </a:r>
+            <a:r>
+              <a:rPr lang="en-US" altLang="ja-JP" dirty="0" err="1" smtClean="0"/>
+              <a:t>thêm</a:t>
+            </a:r>
+            <a:r>
+              <a:rPr lang="en-US" altLang="ja-JP" dirty="0" smtClean="0"/>
+              <a:t> </a:t>
+            </a:r>
+            <a:r>
+              <a:rPr lang="en-US" altLang="ja-JP" dirty="0" err="1" smtClean="0"/>
+              <a:t>số</a:t>
+            </a:r>
+            <a:r>
+              <a:rPr lang="en-US" altLang="ja-JP" dirty="0" smtClean="0"/>
+              <a:t> </a:t>
+            </a:r>
+            <a:r>
+              <a:rPr lang="en-US" altLang="ja-JP" dirty="0" err="1" smtClean="0"/>
+              <a:t>lượng</a:t>
+            </a:r>
+            <a:r>
+              <a:rPr lang="en-US" altLang="ja-JP" dirty="0" smtClean="0"/>
+              <a:t> </a:t>
+            </a:r>
+            <a:r>
+              <a:rPr lang="en-US" altLang="ja-JP" dirty="0" err="1" smtClean="0"/>
+              <a:t>ảnh</a:t>
+            </a:r>
+            <a:r>
+              <a:rPr lang="en-US" altLang="ja-JP" dirty="0" smtClean="0"/>
+              <a:t> </a:t>
+            </a:r>
+            <a:r>
+              <a:rPr lang="en-US" altLang="ja-JP" dirty="0" err="1" smtClean="0"/>
+              <a:t>huấn</a:t>
+            </a:r>
+            <a:r>
+              <a:rPr lang="en-US" altLang="ja-JP" dirty="0" smtClean="0"/>
+              <a:t> </a:t>
+            </a:r>
+            <a:r>
+              <a:rPr lang="en-US" altLang="ja-JP" dirty="0" err="1" smtClean="0"/>
+              <a:t>luyện</a:t>
             </a:r>
             <a:endParaRPr lang="en-US" altLang="ja-JP" dirty="0" smtClean="0"/>
           </a:p>
           <a:p>
-            <a:r>
-              <a:rPr lang="en-US" altLang="ja-JP" baseline="30000" dirty="0" smtClean="0"/>
-              <a:t>[2]</a:t>
-            </a:r>
-            <a:r>
-              <a:rPr lang="en-US" dirty="0" smtClean="0"/>
-              <a:t> </a:t>
-            </a:r>
-            <a:r>
-              <a:rPr lang="en-US" dirty="0"/>
-              <a:t>Christian </a:t>
-            </a:r>
-            <a:r>
-              <a:rPr lang="en-US" dirty="0" err="1"/>
-              <a:t>Szegedy</a:t>
-            </a:r>
-            <a:r>
-              <a:rPr lang="en-US" dirty="0"/>
-              <a:t>, Vincent </a:t>
-            </a:r>
-            <a:r>
-              <a:rPr lang="en-US" dirty="0" err="1"/>
-              <a:t>Vanhoucke</a:t>
-            </a:r>
-            <a:r>
-              <a:rPr lang="en-US" dirty="0"/>
-              <a:t> et al. Rethinking the Inception Architecture for Computer Vision, 2015, </a:t>
-            </a:r>
-            <a:r>
-              <a:rPr lang="en-US" dirty="0" smtClean="0">
-                <a:hlinkClick r:id="rId4"/>
-              </a:rPr>
-              <a:t>arXiv</a:t>
-            </a:r>
-            <a:endParaRPr lang="en-US" altLang="ja-JP" baseline="30000" dirty="0" smtClean="0"/>
-          </a:p>
-          <a:p>
-            <a:r>
-              <a:rPr lang="en-US" altLang="ja-JP" baseline="30000" dirty="0" smtClean="0"/>
-              <a:t>[3]</a:t>
-            </a:r>
-            <a:r>
-              <a:rPr lang="en-US" altLang="ja-JP" dirty="0" smtClean="0"/>
-              <a:t> Christian </a:t>
-            </a:r>
-            <a:r>
-              <a:rPr lang="en-US" altLang="ja-JP" dirty="0" err="1" smtClean="0"/>
-              <a:t>Szegedy</a:t>
-            </a:r>
-            <a:r>
-              <a:rPr lang="en-US" altLang="ja-JP" dirty="0" smtClean="0"/>
-              <a:t>, Sergey </a:t>
-            </a:r>
-            <a:r>
-              <a:rPr lang="en-US" altLang="ja-JP" dirty="0" err="1" smtClean="0"/>
-              <a:t>Ioffe</a:t>
-            </a:r>
-            <a:r>
-              <a:rPr lang="en-US" altLang="ja-JP" dirty="0" smtClean="0"/>
-              <a:t> et al</a:t>
-            </a:r>
-            <a:r>
-              <a:rPr lang="en-US" altLang="ja-JP" dirty="0"/>
-              <a:t>. Inception-v4, Inception-</a:t>
-            </a:r>
-            <a:r>
-              <a:rPr lang="en-US" altLang="ja-JP" dirty="0" err="1"/>
-              <a:t>ResNet</a:t>
-            </a:r>
-            <a:r>
-              <a:rPr lang="en-US" altLang="ja-JP" dirty="0"/>
-              <a:t> and the Impact of Residual Connections on </a:t>
-            </a:r>
-            <a:r>
-              <a:rPr lang="en-US" altLang="ja-JP" dirty="0" smtClean="0"/>
-              <a:t>Learning, 2016, </a:t>
-            </a:r>
-            <a:r>
-              <a:rPr lang="en-US" altLang="ja-JP" dirty="0" smtClean="0">
-                <a:hlinkClick r:id="rId5"/>
-              </a:rPr>
-              <a:t>arXiv</a:t>
-            </a:r>
-            <a:endParaRPr lang="en-US" altLang="ja-JP" baseline="30000" dirty="0" smtClean="0"/>
-          </a:p>
-          <a:p>
-            <a:r>
-              <a:rPr kumimoji="1" lang="en-US" altLang="ja-JP" baseline="30000" dirty="0" smtClean="0"/>
-              <a:t>[4]</a:t>
-            </a:r>
-            <a:r>
-              <a:rPr lang="en-US" altLang="ja-JP" dirty="0"/>
-              <a:t> </a:t>
-            </a:r>
-            <a:r>
-              <a:rPr lang="en-US" altLang="ja-JP" dirty="0" smtClean="0"/>
-              <a:t>Diabetic </a:t>
-            </a:r>
-            <a:r>
-              <a:rPr lang="en-US" altLang="ja-JP" dirty="0"/>
-              <a:t>Retinopathy </a:t>
-            </a:r>
-            <a:r>
-              <a:rPr lang="en-US" altLang="ja-JP" dirty="0" smtClean="0"/>
-              <a:t>Detection dataset, 2015, </a:t>
-            </a:r>
-            <a:r>
-              <a:rPr kumimoji="1" lang="en-US" altLang="ja-JP" dirty="0" smtClean="0">
-                <a:hlinkClick r:id="rId6"/>
-              </a:rPr>
-              <a:t>Kaggle</a:t>
-            </a:r>
-            <a:endParaRPr kumimoji="1" lang="en-US" altLang="ja-JP" baseline="30000" dirty="0" smtClean="0"/>
+            <a:pPr lvl="1"/>
+            <a:r>
+              <a:rPr lang="en-US" dirty="0" err="1"/>
+              <a:t>Đánh</a:t>
+            </a:r>
+            <a:r>
+              <a:rPr lang="en-US" dirty="0"/>
+              <a:t> </a:t>
+            </a:r>
+            <a:r>
+              <a:rPr lang="en-US" dirty="0" err="1"/>
+              <a:t>giá</a:t>
+            </a:r>
+            <a:r>
+              <a:rPr lang="en-US" dirty="0"/>
+              <a:t> </a:t>
+            </a:r>
+            <a:r>
+              <a:rPr lang="en-US" dirty="0" err="1"/>
+              <a:t>trên</a:t>
+            </a:r>
+            <a:r>
+              <a:rPr lang="en-US" dirty="0"/>
+              <a:t> </a:t>
+            </a:r>
+            <a:r>
+              <a:rPr lang="en-US" dirty="0" err="1"/>
+              <a:t>toàn</a:t>
+            </a:r>
+            <a:r>
+              <a:rPr lang="en-US" dirty="0"/>
+              <a:t> </a:t>
+            </a:r>
+            <a:r>
+              <a:rPr lang="en-US" dirty="0" err="1"/>
+              <a:t>bộ</a:t>
+            </a:r>
+            <a:r>
+              <a:rPr lang="en-US" dirty="0"/>
+              <a:t> </a:t>
+            </a:r>
+            <a:r>
+              <a:rPr lang="en-US" dirty="0" err="1"/>
+              <a:t>tập</a:t>
+            </a:r>
+            <a:r>
+              <a:rPr lang="en-US" dirty="0"/>
+              <a:t> </a:t>
+            </a:r>
+            <a:r>
+              <a:rPr lang="en-US" dirty="0" err="1"/>
+              <a:t>kiểm</a:t>
+            </a:r>
+            <a:r>
+              <a:rPr lang="en-US" dirty="0"/>
+              <a:t> </a:t>
+            </a:r>
+            <a:r>
+              <a:rPr lang="en-US" dirty="0" err="1"/>
+              <a:t>thử</a:t>
+            </a:r>
+            <a:endParaRPr lang="en-US"/>
+          </a:p>
+          <a:p>
+            <a:pPr marL="457200" lvl="1" indent="0">
+              <a:buNone/>
+            </a:pPr>
+            <a:endParaRPr kumimoji="1" lang="en-US" altLang="ja-JP" dirty="0" smtClean="0"/>
           </a:p>
         </p:txBody>
       </p:sp>
       <p:sp>
         <p:nvSpPr>
-          <p:cNvPr id="4" name="日付プレースホルダ 3"/>
+          <p:cNvPr id="4" name="日付プレースホルダー 3"/>
           <p:cNvSpPr>
             <a:spLocks noGrp="1"/>
           </p:cNvSpPr>
@@ -8602,7 +8785,7 @@
           <a:bodyPr/>
           <a:lstStyle/>
           <a:p>
-            <a:fld id="{AAB39387-C149-4A87-BF4F-B3D7615E794A}" type="datetime1">
+            <a:fld id="{F3E3AC63-30EC-4F79-8593-B4A9E85D12C5}" type="datetime1">
               <a:rPr kumimoji="1" lang="en-US" altLang="ja-JP" smtClean="0"/>
               <a:t>11/22/2017</a:t>
             </a:fld>
@@ -8612,7 +8795,7 @@
       </p:sp>
       <p:sp>
         <p:nvSpPr>
-          <p:cNvPr id="5" name="フッター プレースホルダ 4"/>
+          <p:cNvPr id="5" name="フッター プレースホルダー 4"/>
           <p:cNvSpPr>
             <a:spLocks noGrp="1"/>
           </p:cNvSpPr>
@@ -8640,7 +8823,7 @@
       </p:sp>
       <p:sp>
         <p:nvSpPr>
-          <p:cNvPr id="6" name="スライド番号プレースホルダ 5"/>
+          <p:cNvPr id="6" name="スライド番号プレースホルダー 5"/>
           <p:cNvSpPr>
             <a:spLocks noGrp="1"/>
           </p:cNvSpPr>
@@ -8665,7 +8848,7 @@
     </p:spTree>
     <p:extLst>
       <p:ext uri="{BB962C8B-B14F-4D97-AF65-F5344CB8AC3E}">
-        <p14:creationId xmlns:p14="http://schemas.microsoft.com/office/powerpoint/2010/main" val="1360947424"/>
+        <p14:creationId xmlns:p14="http://schemas.microsoft.com/office/powerpoint/2010/main" val="249349299"/>
       </p:ext>
     </p:extLst>
   </p:cSld>
@@ -8756,85 +8939,154 @@
           <a:p>
             <a:r>
               <a:rPr lang="en-US" altLang="ja-JP" baseline="30000" dirty="0" smtClean="0"/>
-              <a:t>[5]</a:t>
-            </a:r>
-            <a:r>
-              <a:rPr lang="en-US" altLang="ja-JP" dirty="0" smtClean="0"/>
-              <a:t> </a:t>
-            </a:r>
-            <a:r>
-              <a:rPr lang="en-US" dirty="0"/>
-              <a:t>Rosenblatt F. The perceptron: A probabilistic model for information storage and organization in the brain. Psychological review. 1958 Nov;65(6):386.</a:t>
+              <a:t>[1]</a:t>
+            </a:r>
+            <a:r>
+              <a:rPr lang="en-US" altLang="ja-JP" baseline="-25000" dirty="0" smtClean="0"/>
+              <a:t> </a:t>
+            </a:r>
+            <a:r>
+              <a:rPr lang="en-US" altLang="ja-JP" dirty="0" smtClean="0"/>
+              <a:t>Andrew G. Howard, </a:t>
+            </a:r>
+            <a:r>
+              <a:rPr lang="en-US" altLang="ja-JP" dirty="0" err="1" smtClean="0"/>
+              <a:t>Menglong</a:t>
+            </a:r>
+            <a:r>
+              <a:rPr lang="en-US" altLang="ja-JP" dirty="0" smtClean="0"/>
+              <a:t> Zhu et al. </a:t>
+            </a:r>
+            <a:r>
+              <a:rPr lang="en-US" altLang="ja-JP" dirty="0" err="1" smtClean="0"/>
+              <a:t>MobileNets</a:t>
+            </a:r>
+            <a:r>
+              <a:rPr lang="en-US" altLang="ja-JP" dirty="0" smtClean="0"/>
+              <a:t>: Efficient Convolutional Neural Networks for Mobile Vision Applications, 2017, </a:t>
+            </a:r>
+            <a:r>
+              <a:rPr lang="en-US" altLang="ja-JP" dirty="0" smtClean="0">
+                <a:hlinkClick r:id="rId3"/>
+              </a:rPr>
+              <a:t>arXiv</a:t>
+            </a:r>
+            <a:endParaRPr lang="en-US" altLang="ja-JP" dirty="0" smtClean="0"/>
+          </a:p>
+          <a:p>
+            <a:r>
+              <a:rPr lang="en-US" altLang="ja-JP" baseline="30000" dirty="0" smtClean="0"/>
+              <a:t>[2]</a:t>
+            </a:r>
+            <a:r>
+              <a:rPr lang="en-US" dirty="0" smtClean="0"/>
+              <a:t> </a:t>
+            </a:r>
+            <a:r>
+              <a:rPr lang="en-US" dirty="0"/>
+              <a:t>Christian </a:t>
+            </a:r>
+            <a:r>
+              <a:rPr lang="en-US" dirty="0" err="1"/>
+              <a:t>Szegedy</a:t>
+            </a:r>
+            <a:r>
+              <a:rPr lang="en-US" dirty="0"/>
+              <a:t>, Vincent </a:t>
+            </a:r>
+            <a:r>
+              <a:rPr lang="en-US" dirty="0" err="1"/>
+              <a:t>Vanhoucke</a:t>
+            </a:r>
+            <a:r>
+              <a:rPr lang="en-US" dirty="0"/>
+              <a:t> et al. Rethinking the Inception Architecture for Computer Vision, 2015, </a:t>
+            </a:r>
+            <a:r>
+              <a:rPr lang="en-US" dirty="0" smtClean="0">
+                <a:hlinkClick r:id="rId4"/>
+              </a:rPr>
+              <a:t>arXiv</a:t>
             </a:r>
             <a:endParaRPr lang="en-US" altLang="ja-JP" baseline="30000" dirty="0" smtClean="0"/>
           </a:p>
           <a:p>
             <a:r>
+              <a:rPr lang="en-US" altLang="ja-JP" baseline="30000" dirty="0" smtClean="0"/>
+              <a:t>[3]</a:t>
+            </a:r>
+            <a:r>
+              <a:rPr lang="en-US" altLang="ja-JP" dirty="0" smtClean="0"/>
+              <a:t> Christian </a:t>
+            </a:r>
+            <a:r>
+              <a:rPr lang="en-US" altLang="ja-JP" dirty="0" err="1" smtClean="0"/>
+              <a:t>Szegedy</a:t>
+            </a:r>
+            <a:r>
+              <a:rPr lang="en-US" altLang="ja-JP" dirty="0" smtClean="0"/>
+              <a:t>, Sergey </a:t>
+            </a:r>
+            <a:r>
+              <a:rPr lang="en-US" altLang="ja-JP" dirty="0" err="1" smtClean="0"/>
+              <a:t>Ioffe</a:t>
+            </a:r>
+            <a:r>
+              <a:rPr lang="en-US" altLang="ja-JP" dirty="0" smtClean="0"/>
+              <a:t> et al</a:t>
+            </a:r>
+            <a:r>
+              <a:rPr lang="en-US" altLang="ja-JP" dirty="0"/>
+              <a:t>. Inception-v4, Inception-</a:t>
+            </a:r>
+            <a:r>
+              <a:rPr lang="en-US" altLang="ja-JP" dirty="0" err="1"/>
+              <a:t>ResNet</a:t>
+            </a:r>
+            <a:r>
+              <a:rPr lang="en-US" altLang="ja-JP" dirty="0"/>
+              <a:t> and the Impact of Residual Connections on </a:t>
+            </a:r>
+            <a:r>
+              <a:rPr lang="en-US" altLang="ja-JP" dirty="0" smtClean="0"/>
+              <a:t>Learning, 2016, </a:t>
+            </a:r>
+            <a:r>
+              <a:rPr lang="en-US" altLang="ja-JP" dirty="0" smtClean="0">
+                <a:hlinkClick r:id="rId5"/>
+              </a:rPr>
+              <a:t>arXiv</a:t>
+            </a:r>
+            <a:endParaRPr lang="en-US" altLang="ja-JP" baseline="30000" dirty="0" smtClean="0"/>
+          </a:p>
+          <a:p>
+            <a:r>
               <a:rPr kumimoji="1" lang="en-US" altLang="ja-JP" baseline="30000" dirty="0" smtClean="0"/>
-              <a:t>[6]</a:t>
-            </a:r>
-            <a:r>
-              <a:rPr lang="en-US" dirty="0"/>
-              <a:t> Zell, Andreas (1994). </a:t>
-            </a:r>
-            <a:r>
-              <a:rPr lang="en-US" i="1" dirty="0"/>
-              <a:t>Simulation </a:t>
-            </a:r>
-            <a:r>
-              <a:rPr lang="en-US" i="1" dirty="0" err="1"/>
-              <a:t>Neuronaler</a:t>
-            </a:r>
-            <a:r>
-              <a:rPr lang="en-US" i="1" dirty="0"/>
-              <a:t> </a:t>
-            </a:r>
-            <a:r>
-              <a:rPr lang="en-US" i="1" dirty="0" err="1"/>
-              <a:t>Netze</a:t>
-            </a:r>
-            <a:r>
-              <a:rPr lang="en-US" dirty="0"/>
-              <a:t> [</a:t>
-            </a:r>
-            <a:r>
-              <a:rPr lang="en-US" i="1" dirty="0"/>
-              <a:t>Simulation of Neural Networks</a:t>
-            </a:r>
-            <a:r>
-              <a:rPr lang="en-US" dirty="0"/>
-              <a:t>] (in German) (1st ed.). Addison-Wesley. p. 73. </a:t>
-            </a:r>
-            <a:r>
-              <a:rPr lang="en-US" dirty="0">
-                <a:hlinkClick r:id="rId3" tooltip="International Standard Book Number"/>
+              <a:t>[4]</a:t>
+            </a:r>
+            <a:r>
+              <a:rPr lang="en-US" altLang="ja-JP" dirty="0"/>
+              <a:t> </a:t>
+            </a:r>
+            <a:r>
+              <a:rPr lang="en-US" altLang="ja-JP" dirty="0" smtClean="0"/>
+              <a:t>Diabetic </a:t>
+            </a:r>
+            <a:r>
+              <a:rPr lang="en-US" altLang="ja-JP" dirty="0"/>
+              <a:t>Retinopathy </a:t>
+            </a:r>
+            <a:r>
+              <a:rPr lang="en-US" altLang="ja-JP" dirty="0" smtClean="0"/>
+              <a:t>Detection dataset, 2015, </a:t>
+            </a:r>
+            <a:r>
+              <a:rPr kumimoji="1" lang="en-US" altLang="ja-JP" dirty="0" smtClean="0">
+                <a:hlinkClick r:id="rId6"/>
               </a:rPr>
-              <a:t>ISBN</a:t>
-            </a:r>
-            <a:r>
-              <a:rPr lang="en-US" dirty="0"/>
-              <a:t> </a:t>
-            </a:r>
-            <a:r>
-              <a:rPr lang="en-US" dirty="0">
-                <a:hlinkClick r:id="rId4" tooltip="Special:BookSources/3-89319-554-8"/>
-              </a:rPr>
-              <a:t>3-89319-554-8</a:t>
-            </a:r>
-            <a:r>
-              <a:rPr lang="en-US" dirty="0"/>
-              <a:t>.</a:t>
+              <a:t>Kaggle</a:t>
             </a:r>
             <a:endParaRPr kumimoji="1" lang="en-US" altLang="ja-JP" baseline="30000" dirty="0" smtClean="0"/>
-          </a:p>
-          <a:p>
-            <a:pPr marL="0" indent="0">
-              <a:buNone/>
-            </a:pPr>
-            <a:endParaRPr lang="en-US" altLang="ja-JP" baseline="30000" dirty="0" smtClean="0"/>
-          </a:p>
-          <a:p>
-            <a:endParaRPr kumimoji="1" lang="ja-JP" altLang="en-US" dirty="0"/>
           </a:p>
         </p:txBody>
       </p:sp>
@@ -8916,7 +9168,7 @@
     </p:spTree>
     <p:extLst>
       <p:ext uri="{BB962C8B-B14F-4D97-AF65-F5344CB8AC3E}">
-        <p14:creationId xmlns:p14="http://schemas.microsoft.com/office/powerpoint/2010/main" val="2954656212"/>
+        <p14:creationId xmlns:p14="http://schemas.microsoft.com/office/powerpoint/2010/main" val="1360947424"/>
       </p:ext>
     </p:extLst>
   </p:cSld>
@@ -8960,7 +9212,7 @@
           <a:p>
             <a:r>
               <a:rPr lang="en-US" altLang="ja-JP" dirty="0" err="1"/>
-              <a:t>Hỏi</a:t>
+              <a:t>Tài</a:t>
             </a:r>
             <a:r>
               <a:rPr lang="en-US" altLang="ja-JP" dirty="0"/>
@@ -8968,7 +9220,7 @@
             </a:r>
             <a:r>
               <a:rPr lang="en-US" altLang="ja-JP" dirty="0" err="1"/>
-              <a:t>và</a:t>
+              <a:t>liệu</a:t>
             </a:r>
             <a:r>
               <a:rPr lang="en-US" altLang="ja-JP" dirty="0"/>
@@ -8976,7 +9228,7 @@
             </a:r>
             <a:r>
               <a:rPr lang="en-US" altLang="ja-JP" dirty="0" err="1"/>
-              <a:t>Trả</a:t>
+              <a:t>tham</a:t>
             </a:r>
             <a:r>
               <a:rPr lang="en-US" altLang="ja-JP" dirty="0"/>
@@ -8984,7 +9236,7 @@
             </a:r>
             <a:r>
               <a:rPr lang="en-US" altLang="ja-JP" dirty="0" err="1"/>
-              <a:t>lời</a:t>
+              <a:t>khảo</a:t>
             </a:r>
             <a:endParaRPr kumimoji="1" lang="ja-JP" altLang="en-US" dirty="0"/>
           </a:p>
@@ -9005,6 +9257,86 @@
           <a:bodyPr/>
           <a:lstStyle/>
           <a:p>
+            <a:r>
+              <a:rPr lang="en-US" altLang="ja-JP" baseline="30000" dirty="0" smtClean="0"/>
+              <a:t>[5]</a:t>
+            </a:r>
+            <a:r>
+              <a:rPr lang="en-US" altLang="ja-JP" dirty="0" smtClean="0"/>
+              <a:t> </a:t>
+            </a:r>
+            <a:r>
+              <a:rPr lang="en-US" dirty="0"/>
+              <a:t>Rosenblatt F. The perceptron: A probabilistic model for information storage and organization in the brain. Psychological review. 1958 Nov;65(6):386.</a:t>
+            </a:r>
+            <a:endParaRPr lang="en-US" altLang="ja-JP" baseline="30000" dirty="0" smtClean="0"/>
+          </a:p>
+          <a:p>
+            <a:r>
+              <a:rPr kumimoji="1" lang="en-US" altLang="ja-JP" baseline="30000" dirty="0" smtClean="0"/>
+              <a:t>[6]</a:t>
+            </a:r>
+            <a:r>
+              <a:rPr lang="en-US" dirty="0"/>
+              <a:t> Zell, Andreas (1994). </a:t>
+            </a:r>
+            <a:r>
+              <a:rPr lang="en-US" i="1" dirty="0"/>
+              <a:t>Simulation </a:t>
+            </a:r>
+            <a:r>
+              <a:rPr lang="en-US" i="1" dirty="0" err="1"/>
+              <a:t>Neuronaler</a:t>
+            </a:r>
+            <a:r>
+              <a:rPr lang="en-US" i="1" dirty="0"/>
+              <a:t> </a:t>
+            </a:r>
+            <a:r>
+              <a:rPr lang="en-US" i="1" dirty="0" err="1"/>
+              <a:t>Netze</a:t>
+            </a:r>
+            <a:r>
+              <a:rPr lang="en-US" dirty="0"/>
+              <a:t> [</a:t>
+            </a:r>
+            <a:r>
+              <a:rPr lang="en-US" i="1" dirty="0"/>
+              <a:t>Simulation of Neural Networks</a:t>
+            </a:r>
+            <a:r>
+              <a:rPr lang="en-US" dirty="0"/>
+              <a:t>] (in German) (1st ed.). Addison-Wesley. p. 73. </a:t>
+            </a:r>
+            <a:r>
+              <a:rPr lang="en-US" dirty="0">
+                <a:hlinkClick r:id="rId3" tooltip="International Standard Book Number"/>
+              </a:rPr>
+              <a:t>ISBN</a:t>
+            </a:r>
+            <a:r>
+              <a:rPr lang="en-US" dirty="0"/>
+              <a:t> </a:t>
+            </a:r>
+            <a:r>
+              <a:rPr lang="en-US" dirty="0">
+                <a:hlinkClick r:id="rId4" tooltip="Special:BookSources/3-89319-554-8"/>
+              </a:rPr>
+              <a:t>3-89319-554-8</a:t>
+            </a:r>
+            <a:r>
+              <a:rPr lang="en-US" dirty="0"/>
+              <a:t>.</a:t>
+            </a:r>
+            <a:endParaRPr kumimoji="1" lang="en-US" altLang="ja-JP" baseline="30000" dirty="0" smtClean="0"/>
+          </a:p>
+          <a:p>
+            <a:pPr marL="0" indent="0">
+              <a:buNone/>
+            </a:pPr>
+            <a:endParaRPr lang="en-US" altLang="ja-JP" baseline="30000" dirty="0" smtClean="0"/>
+          </a:p>
+          <a:p>
             <a:endParaRPr kumimoji="1" lang="ja-JP" altLang="en-US" dirty="0"/>
           </a:p>
         </p:txBody>
@@ -9024,7 +9356,7 @@
           <a:bodyPr/>
           <a:lstStyle/>
           <a:p>
-            <a:fld id="{08005D9D-62EF-4746-8D1B-B40A5A9BDCBD}" type="datetime1">
+            <a:fld id="{AAB39387-C149-4A87-BF4F-B3D7615E794A}" type="datetime1">
               <a:rPr kumimoji="1" lang="en-US" altLang="ja-JP" smtClean="0"/>
               <a:t>11/22/2017</a:t>
             </a:fld>
@@ -9087,7 +9419,7 @@
     </p:spTree>
     <p:extLst>
       <p:ext uri="{BB962C8B-B14F-4D97-AF65-F5344CB8AC3E}">
-        <p14:creationId xmlns:p14="http://schemas.microsoft.com/office/powerpoint/2010/main" val="1990425585"/>
+        <p14:creationId xmlns:p14="http://schemas.microsoft.com/office/powerpoint/2010/main" val="2954656212"/>
       </p:ext>
     </p:extLst>
   </p:cSld>
@@ -9131,7 +9463,7 @@
           <a:p>
             <a:r>
               <a:rPr lang="en-US" altLang="ja-JP" dirty="0" err="1"/>
-              <a:t>Phụ</a:t>
+              <a:t>Hỏi</a:t>
             </a:r>
             <a:r>
               <a:rPr lang="en-US" altLang="ja-JP" dirty="0"/>
@@ -9139,15 +9471,15 @@
             </a:r>
             <a:r>
               <a:rPr lang="en-US" altLang="ja-JP" dirty="0" err="1"/>
-              <a:t>lục</a:t>
+              <a:t>và</a:t>
             </a:r>
             <a:r>
               <a:rPr lang="en-US" altLang="ja-JP" dirty="0"/>
-              <a:t> (</a:t>
+              <a:t> </a:t>
             </a:r>
             <a:r>
               <a:rPr lang="en-US" altLang="ja-JP" dirty="0" err="1"/>
-              <a:t>nếu</a:t>
+              <a:t>Trả</a:t>
             </a:r>
             <a:r>
               <a:rPr lang="en-US" altLang="ja-JP" dirty="0"/>
@@ -9155,11 +9487,7 @@
             </a:r>
             <a:r>
               <a:rPr lang="en-US" altLang="ja-JP" dirty="0" err="1"/>
-              <a:t>có</a:t>
-            </a:r>
-            <a:r>
-              <a:rPr lang="en-US" altLang="ja-JP" dirty="0"/>
-              <a:t>)</a:t>
+              <a:t>lời</a:t>
             </a:r>
             <a:endParaRPr kumimoji="1" lang="ja-JP" altLang="en-US" dirty="0"/>
           </a:p>
@@ -9180,234 +9508,6 @@
           <a:bodyPr/>
           <a:lstStyle/>
           <a:p>
-            <a:r>
-              <a:rPr lang="en-US" altLang="ja-JP" dirty="0" err="1"/>
-              <a:t>Phần</a:t>
-            </a:r>
-            <a:r>
-              <a:rPr lang="en-US" altLang="ja-JP" dirty="0"/>
-              <a:t> </a:t>
-            </a:r>
-            <a:r>
-              <a:rPr lang="en-US" altLang="ja-JP" dirty="0" err="1"/>
-              <a:t>phụ</a:t>
-            </a:r>
-            <a:r>
-              <a:rPr lang="en-US" altLang="ja-JP" dirty="0"/>
-              <a:t> </a:t>
-            </a:r>
-            <a:r>
-              <a:rPr lang="en-US" altLang="ja-JP" dirty="0" err="1"/>
-              <a:t>lục</a:t>
-            </a:r>
-            <a:r>
-              <a:rPr lang="en-US" altLang="ja-JP" dirty="0"/>
-              <a:t> </a:t>
-            </a:r>
-            <a:r>
-              <a:rPr lang="en-US" altLang="ja-JP" dirty="0" err="1"/>
-              <a:t>này</a:t>
-            </a:r>
-            <a:r>
-              <a:rPr lang="en-US" altLang="ja-JP" dirty="0"/>
-              <a:t> </a:t>
-            </a:r>
-            <a:r>
-              <a:rPr lang="en-US" altLang="ja-JP" dirty="0" err="1"/>
-              <a:t>đặt</a:t>
-            </a:r>
-            <a:r>
-              <a:rPr lang="en-US" altLang="ja-JP" dirty="0"/>
-              <a:t> </a:t>
-            </a:r>
-            <a:r>
-              <a:rPr lang="en-US" altLang="ja-JP" dirty="0" err="1"/>
-              <a:t>những</a:t>
-            </a:r>
-            <a:r>
-              <a:rPr lang="en-US" altLang="ja-JP" dirty="0"/>
-              <a:t> </a:t>
-            </a:r>
-            <a:r>
-              <a:rPr lang="en-US" altLang="ja-JP" dirty="0" err="1"/>
-              <a:t>nội</a:t>
-            </a:r>
-            <a:r>
-              <a:rPr lang="en-US" altLang="ja-JP" dirty="0"/>
-              <a:t> dung </a:t>
-            </a:r>
-            <a:r>
-              <a:rPr lang="en-US" altLang="ja-JP" dirty="0" err="1"/>
-              <a:t>cần</a:t>
-            </a:r>
-            <a:r>
-              <a:rPr lang="en-US" altLang="ja-JP" dirty="0"/>
-              <a:t> </a:t>
-            </a:r>
-            <a:r>
-              <a:rPr lang="en-US" altLang="ja-JP" dirty="0" err="1"/>
-              <a:t>giải</a:t>
-            </a:r>
-            <a:r>
-              <a:rPr lang="en-US" altLang="ja-JP" dirty="0"/>
-              <a:t> </a:t>
-            </a:r>
-            <a:r>
-              <a:rPr lang="en-US" altLang="ja-JP" dirty="0" err="1"/>
-              <a:t>thích</a:t>
-            </a:r>
-            <a:r>
-              <a:rPr lang="en-US" altLang="ja-JP" dirty="0"/>
-              <a:t> chi </a:t>
-            </a:r>
-            <a:r>
-              <a:rPr lang="en-US" altLang="ja-JP" dirty="0" err="1"/>
-              <a:t>tiết</a:t>
-            </a:r>
-            <a:r>
-              <a:rPr lang="en-US" altLang="ja-JP" dirty="0"/>
-              <a:t> </a:t>
-            </a:r>
-            <a:r>
-              <a:rPr lang="en-US" altLang="ja-JP" dirty="0" err="1"/>
-              <a:t>cho</a:t>
-            </a:r>
-            <a:r>
-              <a:rPr lang="en-US" altLang="ja-JP" dirty="0"/>
-              <a:t> </a:t>
-            </a:r>
-            <a:r>
-              <a:rPr lang="en-US" altLang="ja-JP" dirty="0" err="1"/>
-              <a:t>các</a:t>
-            </a:r>
-            <a:r>
-              <a:rPr lang="en-US" altLang="ja-JP" dirty="0"/>
-              <a:t> Slide </a:t>
-            </a:r>
-            <a:r>
-              <a:rPr lang="en-US" altLang="ja-JP" dirty="0" err="1"/>
-              <a:t>trong</a:t>
-            </a:r>
-            <a:r>
-              <a:rPr lang="en-US" altLang="ja-JP" dirty="0"/>
-              <a:t> </a:t>
-            </a:r>
-            <a:r>
-              <a:rPr lang="en-US" altLang="ja-JP" dirty="0" err="1"/>
-              <a:t>phần</a:t>
-            </a:r>
-            <a:r>
-              <a:rPr lang="en-US" altLang="ja-JP" dirty="0"/>
-              <a:t> </a:t>
-            </a:r>
-            <a:r>
-              <a:rPr lang="en-US" altLang="ja-JP" dirty="0" err="1"/>
-              <a:t>báo</a:t>
-            </a:r>
-            <a:r>
-              <a:rPr lang="en-US" altLang="ja-JP" dirty="0"/>
-              <a:t> </a:t>
-            </a:r>
-            <a:r>
-              <a:rPr lang="en-US" altLang="ja-JP" dirty="0" err="1"/>
-              <a:t>cáo</a:t>
-            </a:r>
-            <a:r>
-              <a:rPr lang="en-US" altLang="ja-JP" dirty="0"/>
-              <a:t> </a:t>
-            </a:r>
-            <a:r>
-              <a:rPr lang="en-US" altLang="ja-JP" dirty="0" err="1"/>
-              <a:t>chính</a:t>
-            </a:r>
-            <a:r>
-              <a:rPr lang="en-US" altLang="ja-JP" dirty="0"/>
-              <a:t> </a:t>
-            </a:r>
-            <a:r>
-              <a:rPr lang="en-US" altLang="ja-JP" dirty="0" err="1"/>
-              <a:t>trong</a:t>
-            </a:r>
-            <a:r>
-              <a:rPr lang="en-US" altLang="ja-JP" dirty="0"/>
-              <a:t> </a:t>
-            </a:r>
-            <a:r>
-              <a:rPr lang="en-US" altLang="ja-JP" dirty="0" err="1"/>
-              <a:t>trường</a:t>
-            </a:r>
-            <a:r>
-              <a:rPr lang="en-US" altLang="ja-JP" dirty="0"/>
-              <a:t> </a:t>
-            </a:r>
-            <a:r>
-              <a:rPr lang="en-US" altLang="ja-JP" dirty="0" err="1"/>
-              <a:t>hợp</a:t>
-            </a:r>
-            <a:r>
-              <a:rPr lang="en-US" altLang="ja-JP" dirty="0"/>
-              <a:t> </a:t>
-            </a:r>
-            <a:r>
-              <a:rPr lang="en-US" altLang="ja-JP" dirty="0" err="1"/>
-              <a:t>giải</a:t>
-            </a:r>
-            <a:r>
-              <a:rPr lang="en-US" altLang="ja-JP" dirty="0"/>
-              <a:t> </a:t>
-            </a:r>
-            <a:r>
-              <a:rPr lang="en-US" altLang="ja-JP" dirty="0" err="1"/>
-              <a:t>thích</a:t>
-            </a:r>
-            <a:r>
-              <a:rPr lang="en-US" altLang="ja-JP" dirty="0"/>
-              <a:t> </a:t>
-            </a:r>
-            <a:r>
-              <a:rPr lang="en-US" altLang="ja-JP" dirty="0" err="1"/>
-              <a:t>các</a:t>
-            </a:r>
-            <a:r>
-              <a:rPr lang="en-US" altLang="ja-JP" dirty="0"/>
-              <a:t> </a:t>
-            </a:r>
-            <a:r>
-              <a:rPr lang="en-US" altLang="ja-JP" dirty="0" err="1"/>
-              <a:t>câu</a:t>
-            </a:r>
-            <a:r>
-              <a:rPr lang="en-US" altLang="ja-JP" dirty="0"/>
-              <a:t> </a:t>
-            </a:r>
-            <a:r>
-              <a:rPr lang="en-US" altLang="ja-JP" dirty="0" err="1"/>
-              <a:t>hỏi</a:t>
-            </a:r>
-            <a:r>
-              <a:rPr lang="en-US" altLang="ja-JP" dirty="0"/>
-              <a:t> </a:t>
-            </a:r>
-            <a:r>
-              <a:rPr lang="en-US" altLang="ja-JP" dirty="0" err="1"/>
-              <a:t>từ</a:t>
-            </a:r>
-            <a:r>
-              <a:rPr lang="en-US" altLang="ja-JP" dirty="0"/>
-              <a:t> </a:t>
-            </a:r>
-            <a:r>
-              <a:rPr lang="en-US" altLang="ja-JP" dirty="0" err="1"/>
-              <a:t>người</a:t>
-            </a:r>
-            <a:r>
-              <a:rPr lang="en-US" altLang="ja-JP" dirty="0"/>
-              <a:t> </a:t>
-            </a:r>
-            <a:r>
-              <a:rPr lang="en-US" altLang="ja-JP" dirty="0" err="1"/>
-              <a:t>nghe</a:t>
-            </a:r>
             <a:endParaRPr kumimoji="1" lang="ja-JP" altLang="en-US" dirty="0"/>
           </a:p>
         </p:txBody>
@@ -9482,6 +9582,409 @@
               <a:rPr kumimoji="1" lang="ja-JP" altLang="en-US" smtClean="0"/>
               <a:pPr/>
               <a:t>16</a:t>
+            </a:fld>
+            <a:endParaRPr kumimoji="1" lang="ja-JP" altLang="en-US"/>
+          </a:p>
+        </p:txBody>
+      </p:sp>
+    </p:spTree>
+    <p:extLst>
+      <p:ext uri="{BB962C8B-B14F-4D97-AF65-F5344CB8AC3E}">
+        <p14:creationId xmlns:p14="http://schemas.microsoft.com/office/powerpoint/2010/main" val="1990425585"/>
+      </p:ext>
+    </p:extLst>
+  </p:cSld>
+  <p:clrMapOvr>
+    <a:masterClrMapping/>
+  </p:clrMapOvr>
+</p:sld>
+</file>
+
+<file path=ppt/slides/slide17.xml><?xml version="1.0" encoding="utf-8"?>
+<p:sld xmlns:a="http://schemas.openxmlformats.org/drawingml/2006/main" xmlns:r="http://schemas.openxmlformats.org/officeDocument/2006/relationships" xmlns:p="http://schemas.openxmlformats.org/presentationml/2006/main">
+  <p:cSld>
+    <p:spTree>
+      <p:nvGrpSpPr>
+        <p:cNvPr id="1" name=""/>
+        <p:cNvGrpSpPr/>
+        <p:nvPr/>
+      </p:nvGrpSpPr>
+      <p:grpSpPr>
+        <a:xfrm>
+          <a:off x="0" y="0"/>
+          <a:ext cx="0" cy="0"/>
+          <a:chOff x="0" y="0"/>
+          <a:chExt cx="0" cy="0"/>
+        </a:xfrm>
+      </p:grpSpPr>
+      <p:sp>
+        <p:nvSpPr>
+          <p:cNvPr id="2" name="タイトル 1"/>
+          <p:cNvSpPr>
+            <a:spLocks noGrp="1"/>
+          </p:cNvSpPr>
+          <p:nvPr>
+            <p:ph type="title"/>
+          </p:nvPr>
+        </p:nvSpPr>
+        <p:spPr/>
+        <p:txBody>
+          <a:bodyPr/>
+          <a:lstStyle/>
+          <a:p>
+            <a:r>
+              <a:rPr lang="en-US" altLang="ja-JP" dirty="0" err="1"/>
+              <a:t>Phụ</a:t>
+            </a:r>
+            <a:r>
+              <a:rPr lang="en-US" altLang="ja-JP" dirty="0"/>
+              <a:t> </a:t>
+            </a:r>
+            <a:r>
+              <a:rPr lang="en-US" altLang="ja-JP" dirty="0" err="1"/>
+              <a:t>lục</a:t>
+            </a:r>
+            <a:r>
+              <a:rPr lang="en-US" altLang="ja-JP" dirty="0"/>
+              <a:t> (</a:t>
+            </a:r>
+            <a:r>
+              <a:rPr lang="en-US" altLang="ja-JP" dirty="0" err="1"/>
+              <a:t>nếu</a:t>
+            </a:r>
+            <a:r>
+              <a:rPr lang="en-US" altLang="ja-JP" dirty="0"/>
+              <a:t> </a:t>
+            </a:r>
+            <a:r>
+              <a:rPr lang="en-US" altLang="ja-JP" dirty="0" err="1"/>
+              <a:t>có</a:t>
+            </a:r>
+            <a:r>
+              <a:rPr lang="en-US" altLang="ja-JP" dirty="0"/>
+              <a:t>)</a:t>
+            </a:r>
+            <a:endParaRPr kumimoji="1" lang="ja-JP" altLang="en-US" dirty="0"/>
+          </a:p>
+        </p:txBody>
+      </p:sp>
+      <p:sp>
+        <p:nvSpPr>
+          <p:cNvPr id="3" name="コンテンツ プレースホルダ 2"/>
+          <p:cNvSpPr>
+            <a:spLocks noGrp="1"/>
+          </p:cNvSpPr>
+          <p:nvPr>
+            <p:ph idx="1"/>
+          </p:nvPr>
+        </p:nvSpPr>
+        <p:spPr/>
+        <p:txBody>
+          <a:bodyPr/>
+          <a:lstStyle/>
+          <a:p>
+            <a:r>
+              <a:rPr lang="en-US" altLang="ja-JP" dirty="0" err="1"/>
+              <a:t>Phần</a:t>
+            </a:r>
+            <a:r>
+              <a:rPr lang="en-US" altLang="ja-JP" dirty="0"/>
+              <a:t> </a:t>
+            </a:r>
+            <a:r>
+              <a:rPr lang="en-US" altLang="ja-JP" dirty="0" err="1"/>
+              <a:t>phụ</a:t>
+            </a:r>
+            <a:r>
+              <a:rPr lang="en-US" altLang="ja-JP" dirty="0"/>
+              <a:t> </a:t>
+            </a:r>
+            <a:r>
+              <a:rPr lang="en-US" altLang="ja-JP" dirty="0" err="1"/>
+              <a:t>lục</a:t>
+            </a:r>
+            <a:r>
+              <a:rPr lang="en-US" altLang="ja-JP" dirty="0"/>
+              <a:t> </a:t>
+            </a:r>
+            <a:r>
+              <a:rPr lang="en-US" altLang="ja-JP" dirty="0" err="1"/>
+              <a:t>này</a:t>
+            </a:r>
+            <a:r>
+              <a:rPr lang="en-US" altLang="ja-JP" dirty="0"/>
+              <a:t> </a:t>
+            </a:r>
+            <a:r>
+              <a:rPr lang="en-US" altLang="ja-JP" dirty="0" err="1"/>
+              <a:t>đặt</a:t>
+            </a:r>
+            <a:r>
+              <a:rPr lang="en-US" altLang="ja-JP" dirty="0"/>
+              <a:t> </a:t>
+            </a:r>
+            <a:r>
+              <a:rPr lang="en-US" altLang="ja-JP" dirty="0" err="1"/>
+              <a:t>những</a:t>
+            </a:r>
+            <a:r>
+              <a:rPr lang="en-US" altLang="ja-JP" dirty="0"/>
+              <a:t> </a:t>
+            </a:r>
+            <a:r>
+              <a:rPr lang="en-US" altLang="ja-JP" dirty="0" err="1"/>
+              <a:t>nội</a:t>
+            </a:r>
+            <a:r>
+              <a:rPr lang="en-US" altLang="ja-JP" dirty="0"/>
+              <a:t> dung </a:t>
+            </a:r>
+            <a:r>
+              <a:rPr lang="en-US" altLang="ja-JP" dirty="0" err="1"/>
+              <a:t>cần</a:t>
+            </a:r>
+            <a:r>
+              <a:rPr lang="en-US" altLang="ja-JP" dirty="0"/>
+              <a:t> </a:t>
+            </a:r>
+            <a:r>
+              <a:rPr lang="en-US" altLang="ja-JP" dirty="0" err="1"/>
+              <a:t>giải</a:t>
+            </a:r>
+            <a:r>
+              <a:rPr lang="en-US" altLang="ja-JP" dirty="0"/>
+              <a:t> </a:t>
+            </a:r>
+            <a:r>
+              <a:rPr lang="en-US" altLang="ja-JP" dirty="0" err="1"/>
+              <a:t>thích</a:t>
+            </a:r>
+            <a:r>
+              <a:rPr lang="en-US" altLang="ja-JP" dirty="0"/>
+              <a:t> chi </a:t>
+            </a:r>
+            <a:r>
+              <a:rPr lang="en-US" altLang="ja-JP" dirty="0" err="1"/>
+              <a:t>tiết</a:t>
+            </a:r>
+            <a:r>
+              <a:rPr lang="en-US" altLang="ja-JP" dirty="0"/>
+              <a:t> </a:t>
+            </a:r>
+            <a:r>
+              <a:rPr lang="en-US" altLang="ja-JP" dirty="0" err="1"/>
+              <a:t>cho</a:t>
+            </a:r>
+            <a:r>
+              <a:rPr lang="en-US" altLang="ja-JP" dirty="0"/>
+              <a:t> </a:t>
+            </a:r>
+            <a:r>
+              <a:rPr lang="en-US" altLang="ja-JP" dirty="0" err="1"/>
+              <a:t>các</a:t>
+            </a:r>
+            <a:r>
+              <a:rPr lang="en-US" altLang="ja-JP" dirty="0"/>
+              <a:t> Slide </a:t>
+            </a:r>
+            <a:r>
+              <a:rPr lang="en-US" altLang="ja-JP" dirty="0" err="1"/>
+              <a:t>trong</a:t>
+            </a:r>
+            <a:r>
+              <a:rPr lang="en-US" altLang="ja-JP" dirty="0"/>
+              <a:t> </a:t>
+            </a:r>
+            <a:r>
+              <a:rPr lang="en-US" altLang="ja-JP" dirty="0" err="1"/>
+              <a:t>phần</a:t>
+            </a:r>
+            <a:r>
+              <a:rPr lang="en-US" altLang="ja-JP" dirty="0"/>
+              <a:t> </a:t>
+            </a:r>
+            <a:r>
+              <a:rPr lang="en-US" altLang="ja-JP" dirty="0" err="1"/>
+              <a:t>báo</a:t>
+            </a:r>
+            <a:r>
+              <a:rPr lang="en-US" altLang="ja-JP" dirty="0"/>
+              <a:t> </a:t>
+            </a:r>
+            <a:r>
+              <a:rPr lang="en-US" altLang="ja-JP" dirty="0" err="1"/>
+              <a:t>cáo</a:t>
+            </a:r>
+            <a:r>
+              <a:rPr lang="en-US" altLang="ja-JP" dirty="0"/>
+              <a:t> </a:t>
+            </a:r>
+            <a:r>
+              <a:rPr lang="en-US" altLang="ja-JP" dirty="0" err="1"/>
+              <a:t>chính</a:t>
+            </a:r>
+            <a:r>
+              <a:rPr lang="en-US" altLang="ja-JP" dirty="0"/>
+              <a:t> </a:t>
+            </a:r>
+            <a:r>
+              <a:rPr lang="en-US" altLang="ja-JP" dirty="0" err="1"/>
+              <a:t>trong</a:t>
+            </a:r>
+            <a:r>
+              <a:rPr lang="en-US" altLang="ja-JP" dirty="0"/>
+              <a:t> </a:t>
+            </a:r>
+            <a:r>
+              <a:rPr lang="en-US" altLang="ja-JP" dirty="0" err="1"/>
+              <a:t>trường</a:t>
+            </a:r>
+            <a:r>
+              <a:rPr lang="en-US" altLang="ja-JP" dirty="0"/>
+              <a:t> </a:t>
+            </a:r>
+            <a:r>
+              <a:rPr lang="en-US" altLang="ja-JP" dirty="0" err="1"/>
+              <a:t>hợp</a:t>
+            </a:r>
+            <a:r>
+              <a:rPr lang="en-US" altLang="ja-JP" dirty="0"/>
+              <a:t> </a:t>
+            </a:r>
+            <a:r>
+              <a:rPr lang="en-US" altLang="ja-JP" dirty="0" err="1"/>
+              <a:t>giải</a:t>
+            </a:r>
+            <a:r>
+              <a:rPr lang="en-US" altLang="ja-JP" dirty="0"/>
+              <a:t> </a:t>
+            </a:r>
+            <a:r>
+              <a:rPr lang="en-US" altLang="ja-JP" dirty="0" err="1"/>
+              <a:t>thích</a:t>
+            </a:r>
+            <a:r>
+              <a:rPr lang="en-US" altLang="ja-JP" dirty="0"/>
+              <a:t> </a:t>
+            </a:r>
+            <a:r>
+              <a:rPr lang="en-US" altLang="ja-JP" dirty="0" err="1"/>
+              <a:t>các</a:t>
+            </a:r>
+            <a:r>
+              <a:rPr lang="en-US" altLang="ja-JP" dirty="0"/>
+              <a:t> </a:t>
+            </a:r>
+            <a:r>
+              <a:rPr lang="en-US" altLang="ja-JP" dirty="0" err="1"/>
+              <a:t>câu</a:t>
+            </a:r>
+            <a:r>
+              <a:rPr lang="en-US" altLang="ja-JP" dirty="0"/>
+              <a:t> </a:t>
+            </a:r>
+            <a:r>
+              <a:rPr lang="en-US" altLang="ja-JP" dirty="0" err="1"/>
+              <a:t>hỏi</a:t>
+            </a:r>
+            <a:r>
+              <a:rPr lang="en-US" altLang="ja-JP" dirty="0"/>
+              <a:t> </a:t>
+            </a:r>
+            <a:r>
+              <a:rPr lang="en-US" altLang="ja-JP" dirty="0" err="1"/>
+              <a:t>từ</a:t>
+            </a:r>
+            <a:r>
+              <a:rPr lang="en-US" altLang="ja-JP" dirty="0"/>
+              <a:t> </a:t>
+            </a:r>
+            <a:r>
+              <a:rPr lang="en-US" altLang="ja-JP" dirty="0" err="1"/>
+              <a:t>người</a:t>
+            </a:r>
+            <a:r>
+              <a:rPr lang="en-US" altLang="ja-JP" dirty="0"/>
+              <a:t> </a:t>
+            </a:r>
+            <a:r>
+              <a:rPr lang="en-US" altLang="ja-JP" dirty="0" err="1"/>
+              <a:t>nghe</a:t>
+            </a:r>
+            <a:endParaRPr kumimoji="1" lang="ja-JP" altLang="en-US" dirty="0"/>
+          </a:p>
+        </p:txBody>
+      </p:sp>
+      <p:sp>
+        <p:nvSpPr>
+          <p:cNvPr id="4" name="日付プレースホルダ 3"/>
+          <p:cNvSpPr>
+            <a:spLocks noGrp="1"/>
+          </p:cNvSpPr>
+          <p:nvPr>
+            <p:ph type="dt" sz="half" idx="10"/>
+          </p:nvPr>
+        </p:nvSpPr>
+        <p:spPr/>
+        <p:txBody>
+          <a:bodyPr/>
+          <a:lstStyle/>
+          <a:p>
+            <a:fld id="{08005D9D-62EF-4746-8D1B-B40A5A9BDCBD}" type="datetime1">
+              <a:rPr kumimoji="1" lang="en-US" altLang="ja-JP" smtClean="0"/>
+              <a:t>11/22/2017</a:t>
+            </a:fld>
+            <a:endParaRPr kumimoji="1" lang="ja-JP" altLang="en-US"/>
+          </a:p>
+        </p:txBody>
+      </p:sp>
+      <p:sp>
+        <p:nvSpPr>
+          <p:cNvPr id="5" name="フッター プレースホルダ 4"/>
+          <p:cNvSpPr>
+            <a:spLocks noGrp="1"/>
+          </p:cNvSpPr>
+          <p:nvPr>
+            <p:ph type="ftr" sz="quarter" idx="11"/>
+          </p:nvPr>
+        </p:nvSpPr>
+        <p:spPr>
+          <a:xfrm>
+            <a:off x="1762101" y="6524625"/>
+            <a:ext cx="5618212" cy="288925"/>
+          </a:xfrm>
+        </p:spPr>
+        <p:txBody>
+          <a:bodyPr/>
+          <a:lstStyle/>
+          <a:p>
+            <a:r>
+              <a:rPr kumimoji="1" lang="en-US" altLang="ja-JP"/>
+              <a:t>Copyrights 2016 UIT-Khoa KTMT . All Rights Reserved.</a:t>
+            </a:r>
+            <a:endParaRPr kumimoji="1" lang="ja-JP" altLang="en-US" dirty="0"/>
+          </a:p>
+        </p:txBody>
+      </p:sp>
+      <p:sp>
+        <p:nvSpPr>
+          <p:cNvPr id="6" name="スライド番号プレースホルダ 5"/>
+          <p:cNvSpPr>
+            <a:spLocks noGrp="1"/>
+          </p:cNvSpPr>
+          <p:nvPr>
+            <p:ph type="sldNum" sz="quarter" idx="12"/>
+          </p:nvPr>
+        </p:nvSpPr>
+        <p:spPr/>
+        <p:txBody>
+          <a:bodyPr/>
+          <a:lstStyle/>
+          <a:p>
+            <a:fld id="{800C8475-47C1-49C9-BEE5-594F8CF4D71F}" type="slidenum">
+              <a:rPr kumimoji="1" lang="ja-JP" altLang="en-US" smtClean="0"/>
+              <a:pPr/>
+              <a:t>17</a:t>
             </a:fld>
             <a:endParaRPr kumimoji="1" lang="ja-JP" altLang="en-US"/>
           </a:p>

--- a/paper/Mau_BaoCao_LVTN_Trinhbay.pptx
+++ b/paper/Mau_BaoCao_LVTN_Trinhbay.pptx
@@ -5,10 +5,10 @@
     <p:sldMasterId id="2147483660" r:id="rId1"/>
   </p:sldMasterIdLst>
   <p:notesMasterIdLst>
-    <p:notesMasterId r:id="rId19"/>
+    <p:notesMasterId r:id="rId18"/>
   </p:notesMasterIdLst>
   <p:handoutMasterIdLst>
-    <p:handoutMasterId r:id="rId20"/>
+    <p:handoutMasterId r:id="rId19"/>
   </p:handoutMasterIdLst>
   <p:sldIdLst>
     <p:sldId id="262" r:id="rId2"/>
@@ -22,12 +22,11 @@
     <p:sldId id="306" r:id="rId10"/>
     <p:sldId id="308" r:id="rId11"/>
     <p:sldId id="288" r:id="rId12"/>
-    <p:sldId id="310" r:id="rId13"/>
-    <p:sldId id="297" r:id="rId14"/>
-    <p:sldId id="291" r:id="rId15"/>
-    <p:sldId id="309" r:id="rId16"/>
-    <p:sldId id="292" r:id="rId17"/>
-    <p:sldId id="303" r:id="rId18"/>
+    <p:sldId id="297" r:id="rId13"/>
+    <p:sldId id="291" r:id="rId14"/>
+    <p:sldId id="309" r:id="rId15"/>
+    <p:sldId id="292" r:id="rId16"/>
+    <p:sldId id="303" r:id="rId17"/>
   </p:sldIdLst>
   <p:sldSz cx="9144000" cy="6858000" type="screen4x3"/>
   <p:notesSz cx="6858000" cy="9144000"/>
@@ -142,7 +141,6 @@
             <p14:sldId id="306"/>
             <p14:sldId id="308"/>
             <p14:sldId id="288"/>
-            <p14:sldId id="310"/>
             <p14:sldId id="297"/>
             <p14:sldId id="291"/>
             <p14:sldId id="309"/>
@@ -3756,7 +3754,7 @@
           <a:p>
             <a:fld id="{DB41815E-765A-40A8-99C6-F127D7A12C4B}" type="datetimeFigureOut">
               <a:rPr kumimoji="1" lang="ja-JP" altLang="en-US" smtClean="0"/>
-              <a:t>2017/11/22</a:t>
+              <a:t>2017/11/23</a:t>
             </a:fld>
             <a:endParaRPr kumimoji="1" lang="ja-JP" altLang="en-US"/>
           </a:p>
@@ -3922,7 +3920,7 @@
             <a:fld id="{12DC1322-60E5-4FB1-AE3F-C5810C4969C1}" type="datetimeFigureOut">
               <a:rPr kumimoji="1" lang="ja-JP" altLang="en-US" smtClean="0"/>
               <a:pPr/>
-              <a:t>2017/11/22</a:t>
+              <a:t>2017/11/23</a:t>
             </a:fld>
             <a:endParaRPr kumimoji="1" lang="ja-JP" altLang="en-US"/>
           </a:p>
@@ -4290,7 +4288,7 @@
             <a:fld id="{269D7235-7D46-4FEA-A007-68D1C591E286}" type="slidenum">
               <a:rPr kumimoji="1" lang="ja-JP" altLang="en-US" smtClean="0"/>
               <a:pPr/>
-              <a:t>14</a:t>
+              <a:t>13</a:t>
             </a:fld>
             <a:endParaRPr kumimoji="1" lang="ja-JP" altLang="en-US"/>
           </a:p>
@@ -4372,7 +4370,7 @@
             <a:fld id="{269D7235-7D46-4FEA-A007-68D1C591E286}" type="slidenum">
               <a:rPr kumimoji="1" lang="ja-JP" altLang="en-US" smtClean="0"/>
               <a:pPr/>
-              <a:t>15</a:t>
+              <a:t>14</a:t>
             </a:fld>
             <a:endParaRPr kumimoji="1" lang="ja-JP" altLang="en-US"/>
           </a:p>
@@ -4554,7 +4552,7 @@
           <a:p>
             <a:fld id="{6F52207E-8A09-4FC6-83E9-3D1773E47D00}" type="datetime1">
               <a:rPr kumimoji="1" lang="en-US" altLang="ja-JP" smtClean="0"/>
-              <a:t>11/22/2017</a:t>
+              <a:t>11/23/2017</a:t>
             </a:fld>
             <a:endParaRPr kumimoji="1" lang="ja-JP" altLang="en-US"/>
           </a:p>
@@ -4812,7 +4810,7 @@
           <a:p>
             <a:fld id="{F7681EE8-9FE2-425D-8FB4-74C399BDEDA0}" type="datetime1">
               <a:rPr kumimoji="1" lang="en-US" altLang="ja-JP" smtClean="0"/>
-              <a:t>11/22/2017</a:t>
+              <a:t>11/23/2017</a:t>
             </a:fld>
             <a:endParaRPr kumimoji="1" lang="ja-JP" altLang="en-US"/>
           </a:p>
@@ -4938,7 +4936,7 @@
           <a:p>
             <a:fld id="{23BAD0F7-3350-4E06-B588-1E0EA9C9F1FB}" type="datetime1">
               <a:rPr kumimoji="1" lang="en-US" altLang="ja-JP" smtClean="0"/>
-              <a:t>11/22/2017</a:t>
+              <a:t>11/23/2017</a:t>
             </a:fld>
             <a:endParaRPr kumimoji="1" lang="ja-JP" altLang="en-US"/>
           </a:p>
@@ -5145,7 +5143,7 @@
           <a:p>
             <a:fld id="{E47B8097-A83C-4868-B5B8-F5134B7BBCC6}" type="datetime1">
               <a:rPr kumimoji="1" lang="en-US" altLang="ja-JP" smtClean="0"/>
-              <a:t>11/22/2017</a:t>
+              <a:t>11/23/2017</a:t>
             </a:fld>
             <a:endParaRPr kumimoji="1" lang="ja-JP" altLang="en-US"/>
           </a:p>
@@ -5369,7 +5367,7 @@
           <a:p>
             <a:fld id="{BA136E8E-48A6-4CCA-8C49-35959C36CF6D}" type="datetime1">
               <a:rPr kumimoji="1" lang="en-US" altLang="ja-JP" smtClean="0"/>
-              <a:t>11/22/2017</a:t>
+              <a:t>11/23/2017</a:t>
             </a:fld>
             <a:endParaRPr kumimoji="1" lang="ja-JP" altLang="en-US"/>
           </a:p>
@@ -5783,7 +5781,7 @@
           <a:p>
             <a:fld id="{547C34CA-7153-4941-88F2-C5EB28E4F17F}" type="datetime1">
               <a:rPr kumimoji="1" lang="en-US" altLang="ja-JP" smtClean="0"/>
-              <a:t>11/22/2017</a:t>
+              <a:t>11/23/2017</a:t>
             </a:fld>
             <a:endParaRPr kumimoji="1" lang="ja-JP" altLang="en-US"/>
           </a:p>
@@ -6576,7 +6574,7 @@
           <a:p>
             <a:fld id="{0DA31E94-D226-4D30-9A93-5BB7AC33FD00}" type="datetime1">
               <a:rPr kumimoji="1" lang="en-US" altLang="ja-JP" smtClean="0"/>
-              <a:t>11/22/2017</a:t>
+              <a:t>11/23/2017</a:t>
             </a:fld>
             <a:endParaRPr kumimoji="1" lang="ja-JP" altLang="en-US" dirty="0"/>
           </a:p>
@@ -6752,7 +6750,7 @@
           <a:p>
             <a:fld id="{0DB942B6-B4D9-4495-B974-EBCB4AFDE5F6}" type="datetime1">
               <a:rPr kumimoji="1" lang="en-US" altLang="ja-JP" smtClean="0"/>
-              <a:t>11/22/2017</a:t>
+              <a:t>11/23/2017</a:t>
             </a:fld>
             <a:endParaRPr kumimoji="1" lang="ja-JP" altLang="en-US"/>
           </a:p>
@@ -7473,11 +7471,7 @@
             </a:r>
             <a:r>
               <a:rPr lang="en-US" altLang="ja-JP" dirty="0" smtClean="0"/>
-              <a:t> </a:t>
-            </a:r>
-            <a:r>
-              <a:rPr lang="en-US" altLang="ja-JP" dirty="0" smtClean="0"/>
-              <a:t>2500 </a:t>
+              <a:t> 2500 </a:t>
             </a:r>
             <a:r>
               <a:rPr lang="en-US" altLang="ja-JP" dirty="0" err="1" smtClean="0"/>
@@ -7485,11 +7479,7 @@
             </a:r>
             <a:r>
               <a:rPr lang="en-US" altLang="ja-JP" dirty="0" smtClean="0"/>
-              <a:t> </a:t>
-            </a:r>
-            <a:r>
-              <a:rPr lang="en-US" altLang="ja-JP" dirty="0" smtClean="0"/>
-              <a:t>(cross-validation set – </a:t>
+              <a:t> (cross-validation set – </a:t>
             </a:r>
             <a:r>
               <a:rPr lang="en-US" altLang="ja-JP" dirty="0" err="1" smtClean="0"/>
@@ -7539,7 +7529,6 @@
               <a:rPr lang="en-US" altLang="ja-JP" dirty="0" smtClean="0"/>
               <a:t>)</a:t>
             </a:r>
-            <a:endParaRPr lang="en-US" altLang="ja-JP" dirty="0" smtClean="0"/>
           </a:p>
           <a:p>
             <a:pPr lvl="2"/>
@@ -7573,11 +7562,7 @@
             </a:r>
             <a:r>
               <a:rPr lang="en-US" altLang="ja-JP" dirty="0" smtClean="0"/>
-              <a:t> 68% </a:t>
-            </a:r>
-            <a:r>
-              <a:rPr lang="en-US" altLang="ja-JP" dirty="0" smtClean="0"/>
-              <a:t>(</a:t>
+              <a:t> 68% (</a:t>
             </a:r>
             <a:r>
               <a:rPr lang="en-US" altLang="ja-JP" dirty="0" err="1" smtClean="0"/>
@@ -7601,21 +7586,12 @@
                   <a:srgbClr val="FF0000"/>
                 </a:solidFill>
               </a:rPr>
-              <a:t>70</a:t>
-            </a:r>
-            <a:r>
-              <a:rPr lang="en-US" altLang="ja-JP" dirty="0" smtClean="0">
-                <a:solidFill>
-                  <a:srgbClr val="FF0000"/>
-                </a:solidFill>
-              </a:rPr>
-              <a:t>%</a:t>
+              <a:t>70%</a:t>
             </a:r>
             <a:r>
               <a:rPr lang="en-US" altLang="ja-JP" dirty="0" smtClean="0"/>
               <a:t>)</a:t>
             </a:r>
-            <a:endParaRPr lang="en-US" altLang="ja-JP" dirty="0" smtClean="0"/>
           </a:p>
         </p:txBody>
       </p:sp>
@@ -7636,7 +7612,7 @@
           <a:p>
             <a:fld id="{050317AE-C5B1-45BB-9249-90F7C348BD58}" type="datetime1">
               <a:rPr kumimoji="1" lang="en-US" altLang="ja-JP" smtClean="0"/>
-              <a:t>11/22/2017</a:t>
+              <a:t>11/23/2017</a:t>
             </a:fld>
             <a:endParaRPr kumimoji="1" lang="ja-JP" altLang="en-US"/>
           </a:p>
@@ -7797,7 +7773,7 @@
             </a:r>
             <a:r>
               <a:rPr lang="en-US" altLang="ja-JP" dirty="0" err="1"/>
-              <a:t>quả</a:t>
+              <a:t>luận</a:t>
             </a:r>
             <a:r>
               <a:rPr lang="en-US" altLang="ja-JP" dirty="0"/>
@@ -7805,7 +7781,7 @@
             </a:r>
             <a:r>
               <a:rPr lang="en-US" altLang="ja-JP" dirty="0" err="1"/>
-              <a:t>của</a:t>
+              <a:t>và</a:t>
             </a:r>
             <a:r>
               <a:rPr lang="en-US" altLang="ja-JP" dirty="0"/>
@@ -7813,7 +7789,7 @@
             </a:r>
             <a:r>
               <a:rPr lang="en-US" altLang="ja-JP" dirty="0" err="1"/>
-              <a:t>giải</a:t>
+              <a:t>hướng</a:t>
             </a:r>
             <a:r>
               <a:rPr lang="en-US" altLang="ja-JP" dirty="0"/>
@@ -7821,7 +7797,15 @@
             </a:r>
             <a:r>
               <a:rPr lang="en-US" altLang="ja-JP" dirty="0" err="1"/>
-              <a:t>pháp</a:t>
+              <a:t>phát</a:t>
+            </a:r>
+            <a:r>
+              <a:rPr lang="en-US" altLang="ja-JP" dirty="0"/>
+              <a:t> </a:t>
+            </a:r>
+            <a:r>
+              <a:rPr lang="en-US" altLang="ja-JP" dirty="0" err="1"/>
+              <a:t>triển</a:t>
             </a:r>
             <a:r>
               <a:rPr lang="en-US" altLang="ja-JP" dirty="0"/>
@@ -7837,7 +7821,7 @@
             </a:r>
             <a:r>
               <a:rPr lang="en-US" altLang="ja-JP" dirty="0" err="1"/>
-              <a:t>xuất</a:t>
+              <a:t>tài</a:t>
             </a:r>
             <a:endParaRPr kumimoji="1" lang="ja-JP" altLang="en-US" dirty="0"/>
           </a:p>
@@ -7867,160 +7851,525 @@
               <a:t> </a:t>
             </a:r>
             <a:r>
+              <a:rPr kumimoji="1" lang="en-US" altLang="ja-JP" dirty="0" err="1"/>
+              <a:t>luận</a:t>
+            </a:r>
+            <a:endParaRPr kumimoji="1" lang="en-US" altLang="ja-JP" dirty="0"/>
+          </a:p>
+          <a:p>
+            <a:pPr lvl="1"/>
+            <a:r>
+              <a:rPr lang="en-US" altLang="ja-JP" dirty="0" err="1" smtClean="0"/>
+              <a:t>Hệ</a:t>
+            </a:r>
+            <a:r>
+              <a:rPr lang="en-US" altLang="ja-JP" dirty="0" smtClean="0"/>
+              <a:t> </a:t>
+            </a:r>
+            <a:r>
+              <a:rPr lang="en-US" altLang="ja-JP" dirty="0" err="1" smtClean="0"/>
+              <a:t>thống</a:t>
+            </a:r>
+            <a:r>
+              <a:rPr lang="en-US" altLang="ja-JP" dirty="0" smtClean="0"/>
+              <a:t> </a:t>
+            </a:r>
+            <a:r>
+              <a:rPr lang="en-US" altLang="ja-JP" dirty="0" err="1" smtClean="0"/>
+              <a:t>vẫn</a:t>
+            </a:r>
+            <a:r>
+              <a:rPr lang="en-US" altLang="ja-JP" dirty="0" smtClean="0"/>
+              <a:t> </a:t>
+            </a:r>
+            <a:r>
+              <a:rPr lang="en-US" altLang="ja-JP" dirty="0" err="1" smtClean="0"/>
+              <a:t>còn</a:t>
+            </a:r>
+            <a:r>
+              <a:rPr lang="en-US" altLang="ja-JP" dirty="0" smtClean="0"/>
+              <a:t> </a:t>
+            </a:r>
+            <a:r>
+              <a:rPr lang="en-US" altLang="ja-JP" dirty="0" err="1" smtClean="0"/>
+              <a:t>khả</a:t>
+            </a:r>
+            <a:r>
+              <a:rPr lang="en-US" altLang="ja-JP" dirty="0" smtClean="0"/>
+              <a:t> </a:t>
+            </a:r>
+            <a:r>
+              <a:rPr lang="en-US" altLang="ja-JP" dirty="0" err="1" smtClean="0"/>
+              <a:t>năng</a:t>
+            </a:r>
+            <a:r>
+              <a:rPr lang="en-US" altLang="ja-JP" dirty="0" smtClean="0"/>
+              <a:t> </a:t>
+            </a:r>
+            <a:r>
+              <a:rPr lang="en-US" altLang="ja-JP" dirty="0" err="1" smtClean="0"/>
+              <a:t>cải</a:t>
+            </a:r>
+            <a:r>
+              <a:rPr lang="en-US" altLang="ja-JP" dirty="0" smtClean="0"/>
+              <a:t> </a:t>
+            </a:r>
+            <a:r>
+              <a:rPr lang="en-US" altLang="ja-JP" dirty="0" err="1" smtClean="0"/>
+              <a:t>thiện</a:t>
+            </a:r>
+            <a:r>
+              <a:rPr lang="en-US" altLang="ja-JP" dirty="0" smtClean="0"/>
+              <a:t> </a:t>
+            </a:r>
+            <a:r>
+              <a:rPr lang="en-US" altLang="ja-JP" dirty="0" err="1" smtClean="0"/>
+              <a:t>độ</a:t>
+            </a:r>
+            <a:r>
+              <a:rPr lang="en-US" altLang="ja-JP" dirty="0" smtClean="0"/>
+              <a:t> </a:t>
+            </a:r>
+            <a:r>
+              <a:rPr lang="en-US" altLang="ja-JP" dirty="0" err="1" smtClean="0"/>
+              <a:t>chính</a:t>
+            </a:r>
+            <a:r>
+              <a:rPr lang="en-US" altLang="ja-JP" dirty="0" smtClean="0"/>
+              <a:t> </a:t>
+            </a:r>
+            <a:r>
+              <a:rPr lang="en-US" altLang="ja-JP" dirty="0" err="1" smtClean="0"/>
+              <a:t>xác</a:t>
+            </a:r>
+            <a:endParaRPr lang="en-US" altLang="ja-JP" dirty="0"/>
+          </a:p>
+          <a:p>
+            <a:r>
+              <a:rPr kumimoji="1" lang="en-US" altLang="ja-JP" dirty="0" err="1"/>
+              <a:t>Hướng</a:t>
+            </a:r>
+            <a:r>
+              <a:rPr kumimoji="1" lang="en-US" altLang="ja-JP" dirty="0"/>
+              <a:t> </a:t>
+            </a:r>
+            <a:r>
+              <a:rPr kumimoji="1" lang="en-US" altLang="ja-JP" dirty="0" err="1"/>
+              <a:t>phát</a:t>
+            </a:r>
+            <a:r>
+              <a:rPr kumimoji="1" lang="en-US" altLang="ja-JP" dirty="0"/>
+              <a:t> </a:t>
+            </a:r>
+            <a:r>
               <a:rPr kumimoji="1" lang="en-US" altLang="ja-JP" dirty="0" err="1" smtClean="0"/>
-              <a:t>quả</a:t>
+              <a:t>triển</a:t>
             </a:r>
             <a:r>
               <a:rPr kumimoji="1" lang="en-US" altLang="ja-JP" dirty="0" smtClean="0"/>
-              <a:t>:</a:t>
-            </a:r>
+              <a:t> </a:t>
+            </a:r>
+            <a:r>
+              <a:rPr kumimoji="1" lang="en-US" altLang="ja-JP" dirty="0" err="1"/>
+              <a:t>và</a:t>
+            </a:r>
+            <a:r>
+              <a:rPr kumimoji="1" lang="en-US" altLang="ja-JP" dirty="0"/>
+              <a:t> </a:t>
+            </a:r>
+            <a:r>
+              <a:rPr kumimoji="1" lang="en-US" altLang="ja-JP" dirty="0" err="1"/>
+              <a:t>công</a:t>
+            </a:r>
+            <a:r>
+              <a:rPr kumimoji="1" lang="en-US" altLang="ja-JP" dirty="0"/>
+              <a:t> </a:t>
+            </a:r>
+            <a:r>
+              <a:rPr kumimoji="1" lang="en-US" altLang="ja-JP" dirty="0" err="1"/>
+              <a:t>việc</a:t>
+            </a:r>
+            <a:r>
+              <a:rPr kumimoji="1" lang="en-US" altLang="ja-JP" dirty="0"/>
+              <a:t> </a:t>
+            </a:r>
+            <a:r>
+              <a:rPr kumimoji="1" lang="en-US" altLang="ja-JP" dirty="0" err="1"/>
+              <a:t>tiếp</a:t>
+            </a:r>
+            <a:r>
+              <a:rPr kumimoji="1" lang="en-US" altLang="ja-JP" dirty="0"/>
+              <a:t> </a:t>
+            </a:r>
+            <a:r>
+              <a:rPr kumimoji="1" lang="en-US" altLang="ja-JP" dirty="0" err="1" smtClean="0"/>
+              <a:t>theo</a:t>
+            </a:r>
+            <a:endParaRPr kumimoji="1" lang="en-US" altLang="ja-JP" dirty="0" smtClean="0"/>
           </a:p>
           <a:p>
             <a:pPr lvl="1"/>
             <a:r>
               <a:rPr lang="en-US" altLang="ja-JP" dirty="0" err="1" smtClean="0"/>
+              <a:t>Phân</a:t>
+            </a:r>
+            <a:r>
+              <a:rPr lang="en-US" altLang="ja-JP" dirty="0" smtClean="0"/>
+              <a:t> </a:t>
+            </a:r>
+            <a:r>
+              <a:rPr lang="en-US" altLang="ja-JP" dirty="0" err="1" smtClean="0"/>
+              <a:t>loại</a:t>
+            </a:r>
+            <a:r>
+              <a:rPr lang="en-US" altLang="ja-JP" dirty="0" smtClean="0"/>
+              <a:t> </a:t>
+            </a:r>
+            <a:r>
+              <a:rPr lang="en-US" altLang="ja-JP" dirty="0" err="1" smtClean="0"/>
+              <a:t>giai</a:t>
+            </a:r>
+            <a:r>
+              <a:rPr lang="en-US" altLang="ja-JP" dirty="0" smtClean="0"/>
+              <a:t> </a:t>
+            </a:r>
+            <a:r>
+              <a:rPr lang="en-US" altLang="ja-JP" dirty="0" err="1" smtClean="0"/>
+              <a:t>đoạn</a:t>
+            </a:r>
+            <a:r>
+              <a:rPr lang="en-US" altLang="ja-JP" dirty="0" smtClean="0"/>
+              <a:t> </a:t>
+            </a:r>
+            <a:r>
+              <a:rPr lang="en-US" altLang="ja-JP" dirty="0" err="1" smtClean="0"/>
+              <a:t>bệnh</a:t>
+            </a:r>
+            <a:r>
+              <a:rPr lang="en-US" altLang="ja-JP" dirty="0" smtClean="0"/>
+              <a:t> </a:t>
+            </a:r>
+            <a:r>
+              <a:rPr lang="en-US" altLang="ja-JP" dirty="0" err="1" smtClean="0"/>
+              <a:t>dựa</a:t>
+            </a:r>
+            <a:r>
+              <a:rPr lang="en-US" altLang="ja-JP" dirty="0" smtClean="0"/>
+              <a:t> </a:t>
+            </a:r>
+            <a:r>
+              <a:rPr lang="en-US" altLang="ja-JP" dirty="0" err="1" smtClean="0"/>
+              <a:t>trên</a:t>
+            </a:r>
+            <a:r>
+              <a:rPr lang="en-US" altLang="ja-JP" dirty="0" smtClean="0"/>
+              <a:t> </a:t>
+            </a:r>
+            <a:r>
+              <a:rPr lang="en-US" altLang="ja-JP" dirty="0" err="1" smtClean="0"/>
+              <a:t>từng</a:t>
+            </a:r>
+            <a:r>
+              <a:rPr lang="en-US" altLang="ja-JP" dirty="0" smtClean="0"/>
+              <a:t> </a:t>
+            </a:r>
+            <a:r>
+              <a:rPr lang="en-US" altLang="ja-JP" dirty="0" err="1" smtClean="0"/>
+              <a:t>cặp</a:t>
+            </a:r>
+            <a:r>
+              <a:rPr lang="en-US" altLang="ja-JP" dirty="0" smtClean="0"/>
+              <a:t> </a:t>
+            </a:r>
+            <a:r>
+              <a:rPr lang="en-US" altLang="ja-JP" dirty="0" err="1" smtClean="0"/>
+              <a:t>mắt</a:t>
+            </a:r>
+            <a:r>
+              <a:rPr lang="en-US" altLang="ja-JP" dirty="0" smtClean="0"/>
+              <a:t> </a:t>
+            </a:r>
+            <a:r>
+              <a:rPr lang="en-US" altLang="ja-JP" dirty="0" err="1" smtClean="0"/>
+              <a:t>trái</a:t>
+            </a:r>
+            <a:r>
+              <a:rPr lang="en-US" altLang="ja-JP" dirty="0" smtClean="0"/>
+              <a:t> </a:t>
+            </a:r>
+            <a:r>
+              <a:rPr lang="en-US" altLang="ja-JP" dirty="0" err="1" smtClean="0"/>
+              <a:t>phải</a:t>
+            </a:r>
+            <a:r>
+              <a:rPr lang="en-US" altLang="ja-JP" dirty="0" smtClean="0"/>
+              <a:t> (</a:t>
+            </a:r>
+            <a:r>
+              <a:rPr lang="en-US" altLang="ja-JP" dirty="0" err="1" smtClean="0"/>
+              <a:t>hiện</a:t>
+            </a:r>
+            <a:r>
+              <a:rPr lang="en-US" altLang="ja-JP" dirty="0" smtClean="0"/>
+              <a:t> </a:t>
+            </a:r>
+            <a:r>
+              <a:rPr lang="en-US" altLang="ja-JP" dirty="0" err="1" smtClean="0"/>
+              <a:t>tại</a:t>
+            </a:r>
+            <a:r>
+              <a:rPr lang="en-US" altLang="ja-JP" dirty="0" smtClean="0"/>
+              <a:t> </a:t>
+            </a:r>
+            <a:r>
+              <a:rPr lang="en-US" altLang="ja-JP" dirty="0" err="1" smtClean="0"/>
+              <a:t>đánh</a:t>
+            </a:r>
+            <a:r>
+              <a:rPr lang="en-US" altLang="ja-JP" dirty="0" smtClean="0"/>
+              <a:t> </a:t>
+            </a:r>
+            <a:r>
+              <a:rPr lang="en-US" altLang="ja-JP" dirty="0" err="1" smtClean="0"/>
+              <a:t>giá</a:t>
+            </a:r>
+            <a:r>
+              <a:rPr lang="en-US" altLang="ja-JP" dirty="0" smtClean="0"/>
+              <a:t> </a:t>
+            </a:r>
+            <a:r>
+              <a:rPr lang="en-US" altLang="ja-JP" dirty="0" err="1" smtClean="0"/>
+              <a:t>độc</a:t>
+            </a:r>
+            <a:r>
+              <a:rPr lang="en-US" altLang="ja-JP" dirty="0" smtClean="0"/>
+              <a:t> </a:t>
+            </a:r>
+            <a:r>
+              <a:rPr lang="en-US" altLang="ja-JP" dirty="0" err="1" smtClean="0"/>
+              <a:t>lập</a:t>
+            </a:r>
+            <a:r>
+              <a:rPr lang="en-US" altLang="ja-JP" dirty="0" smtClean="0"/>
+              <a:t> 2 </a:t>
+            </a:r>
+            <a:r>
+              <a:rPr lang="en-US" altLang="ja-JP" dirty="0" err="1" smtClean="0"/>
+              <a:t>mắt</a:t>
+            </a:r>
+            <a:r>
+              <a:rPr lang="en-US" altLang="ja-JP" dirty="0" smtClean="0"/>
+              <a:t>)</a:t>
+            </a:r>
+          </a:p>
+          <a:p>
+            <a:pPr lvl="1"/>
+            <a:r>
+              <a:rPr kumimoji="1" lang="en-US" altLang="ja-JP" dirty="0" err="1" smtClean="0"/>
+              <a:t>Loại</a:t>
+            </a:r>
+            <a:r>
+              <a:rPr kumimoji="1" lang="en-US" altLang="ja-JP" dirty="0" smtClean="0"/>
+              <a:t> </a:t>
+            </a:r>
+            <a:r>
+              <a:rPr kumimoji="1" lang="en-US" altLang="ja-JP" dirty="0" err="1" smtClean="0"/>
+              <a:t>bỏ</a:t>
+            </a:r>
+            <a:r>
+              <a:rPr kumimoji="1" lang="en-US" altLang="ja-JP" dirty="0" smtClean="0"/>
+              <a:t> </a:t>
+            </a:r>
+            <a:r>
+              <a:rPr kumimoji="1" lang="en-US" altLang="ja-JP" dirty="0" err="1" smtClean="0"/>
+              <a:t>những</a:t>
+            </a:r>
+            <a:r>
+              <a:rPr kumimoji="1" lang="en-US" altLang="ja-JP" dirty="0" smtClean="0"/>
+              <a:t> </a:t>
+            </a:r>
+            <a:r>
+              <a:rPr kumimoji="1" lang="en-US" altLang="ja-JP" dirty="0" err="1" smtClean="0"/>
+              <a:t>ảnh</a:t>
+            </a:r>
+            <a:r>
+              <a:rPr kumimoji="1" lang="en-US" altLang="ja-JP" dirty="0" smtClean="0"/>
+              <a:t> </a:t>
+            </a:r>
+            <a:r>
+              <a:rPr kumimoji="1" lang="en-US" altLang="ja-JP" dirty="0" err="1" smtClean="0"/>
+              <a:t>bị</a:t>
+            </a:r>
+            <a:r>
+              <a:rPr kumimoji="1" lang="en-US" altLang="ja-JP" dirty="0" smtClean="0"/>
+              <a:t> </a:t>
+            </a:r>
+            <a:r>
+              <a:rPr kumimoji="1" lang="en-US" altLang="ja-JP" dirty="0" err="1" smtClean="0"/>
+              <a:t>hỏng</a:t>
+            </a:r>
+            <a:r>
+              <a:rPr kumimoji="1" lang="en-US" altLang="ja-JP" dirty="0" smtClean="0"/>
+              <a:t> (</a:t>
+            </a:r>
+            <a:r>
+              <a:rPr kumimoji="1" lang="en-US" altLang="ja-JP" dirty="0" err="1" smtClean="0"/>
+              <a:t>hoàn</a:t>
+            </a:r>
+            <a:r>
+              <a:rPr kumimoji="1" lang="en-US" altLang="ja-JP" dirty="0" smtClean="0"/>
+              <a:t> </a:t>
+            </a:r>
+            <a:r>
+              <a:rPr kumimoji="1" lang="en-US" altLang="ja-JP" dirty="0" err="1" smtClean="0"/>
+              <a:t>toàn</a:t>
+            </a:r>
+            <a:r>
+              <a:rPr kumimoji="1" lang="en-US" altLang="ja-JP" dirty="0" smtClean="0"/>
+              <a:t> </a:t>
+            </a:r>
+            <a:r>
+              <a:rPr kumimoji="1" lang="en-US" altLang="ja-JP" dirty="0" err="1" smtClean="0"/>
+              <a:t>trắng</a:t>
+            </a:r>
+            <a:r>
+              <a:rPr kumimoji="1" lang="en-US" altLang="ja-JP" dirty="0" smtClean="0"/>
+              <a:t> </a:t>
+            </a:r>
+            <a:r>
+              <a:rPr kumimoji="1" lang="en-US" altLang="ja-JP" dirty="0" err="1" smtClean="0"/>
+              <a:t>hoặc</a:t>
+            </a:r>
+            <a:r>
+              <a:rPr kumimoji="1" lang="en-US" altLang="ja-JP" dirty="0" smtClean="0"/>
+              <a:t> </a:t>
+            </a:r>
+            <a:r>
+              <a:rPr kumimoji="1" lang="en-US" altLang="ja-JP" dirty="0" err="1" smtClean="0"/>
+              <a:t>đen</a:t>
+            </a:r>
+            <a:r>
+              <a:rPr kumimoji="1" lang="en-US" altLang="ja-JP" dirty="0" smtClean="0"/>
+              <a:t>…)</a:t>
+            </a:r>
+          </a:p>
+          <a:p>
+            <a:pPr lvl="1"/>
+            <a:r>
+              <a:rPr lang="en-US" altLang="ja-JP" dirty="0" err="1" smtClean="0"/>
+              <a:t>Tăng</a:t>
+            </a:r>
+            <a:r>
+              <a:rPr lang="en-US" altLang="ja-JP" dirty="0" smtClean="0"/>
+              <a:t> </a:t>
+            </a:r>
+            <a:r>
+              <a:rPr lang="en-US" altLang="ja-JP" dirty="0" err="1" smtClean="0"/>
+              <a:t>cường</a:t>
+            </a:r>
+            <a:r>
+              <a:rPr lang="en-US" altLang="ja-JP" dirty="0" smtClean="0"/>
+              <a:t> </a:t>
+            </a:r>
+            <a:r>
+              <a:rPr lang="en-US" altLang="ja-JP" dirty="0" err="1" smtClean="0"/>
+              <a:t>thêm</a:t>
+            </a:r>
+            <a:r>
+              <a:rPr lang="en-US" altLang="ja-JP" dirty="0" smtClean="0"/>
+              <a:t> </a:t>
+            </a:r>
+            <a:r>
+              <a:rPr lang="en-US" altLang="ja-JP" dirty="0" err="1" smtClean="0"/>
+              <a:t>số</a:t>
+            </a:r>
+            <a:r>
+              <a:rPr lang="en-US" altLang="ja-JP" dirty="0" smtClean="0"/>
+              <a:t> </a:t>
+            </a:r>
+            <a:r>
+              <a:rPr lang="en-US" altLang="ja-JP" dirty="0" err="1" smtClean="0"/>
+              <a:t>lượng</a:t>
+            </a:r>
+            <a:r>
+              <a:rPr lang="en-US" altLang="ja-JP" dirty="0" smtClean="0"/>
+              <a:t> </a:t>
+            </a:r>
+            <a:r>
+              <a:rPr lang="en-US" altLang="ja-JP" dirty="0" err="1" smtClean="0"/>
+              <a:t>ảnh</a:t>
+            </a:r>
+            <a:r>
+              <a:rPr lang="en-US" altLang="ja-JP" dirty="0" smtClean="0"/>
+              <a:t> </a:t>
+            </a:r>
+            <a:r>
+              <a:rPr lang="en-US" altLang="ja-JP" dirty="0" err="1" smtClean="0"/>
+              <a:t>huấn</a:t>
+            </a:r>
+            <a:r>
+              <a:rPr lang="en-US" altLang="ja-JP" dirty="0" smtClean="0"/>
+              <a:t> </a:t>
+            </a:r>
+            <a:r>
+              <a:rPr lang="en-US" altLang="ja-JP" dirty="0" err="1" smtClean="0"/>
+              <a:t>luyện</a:t>
+            </a:r>
+            <a:endParaRPr lang="en-US" altLang="ja-JP" dirty="0" smtClean="0"/>
+          </a:p>
+          <a:p>
+            <a:pPr lvl="1"/>
+            <a:r>
+              <a:rPr lang="en-US" dirty="0" err="1"/>
               <a:t>Đánh</a:t>
             </a:r>
             <a:r>
-              <a:rPr lang="en-US" altLang="ja-JP" dirty="0" smtClean="0"/>
-              <a:t> </a:t>
-            </a:r>
-            <a:r>
-              <a:rPr lang="en-US" altLang="ja-JP" dirty="0" err="1" smtClean="0"/>
+              <a:rPr lang="en-US" dirty="0"/>
+              <a:t> </a:t>
+            </a:r>
+            <a:r>
+              <a:rPr lang="en-US" dirty="0" err="1"/>
               <a:t>giá</a:t>
             </a:r>
             <a:r>
-              <a:rPr lang="en-US" altLang="ja-JP" dirty="0" smtClean="0"/>
-              <a:t> </a:t>
-            </a:r>
-            <a:r>
-              <a:rPr lang="en-US" altLang="ja-JP" dirty="0" err="1" smtClean="0"/>
-              <a:t>dựa</a:t>
-            </a:r>
-            <a:r>
-              <a:rPr lang="en-US" altLang="ja-JP" dirty="0" smtClean="0"/>
-              <a:t> </a:t>
-            </a:r>
-            <a:r>
-              <a:rPr lang="en-US" altLang="ja-JP" dirty="0" err="1" smtClean="0"/>
+              <a:rPr lang="en-US" dirty="0"/>
+              <a:t> </a:t>
+            </a:r>
+            <a:r>
+              <a:rPr lang="en-US" dirty="0" err="1"/>
               <a:t>trên</a:t>
             </a:r>
             <a:r>
-              <a:rPr lang="en-US" altLang="ja-JP" dirty="0" smtClean="0"/>
-              <a:t> 1000 </a:t>
-            </a:r>
-            <a:r>
-              <a:rPr lang="en-US" altLang="ja-JP" dirty="0" err="1" smtClean="0"/>
-              <a:t>ảnh</a:t>
-            </a:r>
-            <a:r>
-              <a:rPr lang="en-US" altLang="ja-JP" dirty="0" smtClean="0"/>
-              <a:t> (subset </a:t>
-            </a:r>
-            <a:r>
-              <a:rPr lang="en-US" altLang="ja-JP" dirty="0" err="1" smtClean="0"/>
-              <a:t>của</a:t>
-            </a:r>
-            <a:r>
-              <a:rPr lang="en-US" altLang="ja-JP" dirty="0" smtClean="0"/>
-              <a:t> </a:t>
-            </a:r>
-            <a:r>
-              <a:rPr lang="en-US" altLang="ja-JP" dirty="0" err="1" smtClean="0"/>
+              <a:rPr lang="en-US" dirty="0"/>
+              <a:t> </a:t>
+            </a:r>
+            <a:r>
+              <a:rPr lang="en-US" dirty="0" err="1" smtClean="0"/>
               <a:t>tập</a:t>
             </a:r>
             <a:r>
-              <a:rPr lang="en-US" altLang="ja-JP" dirty="0" smtClean="0"/>
-              <a:t> </a:t>
-            </a:r>
-            <a:r>
-              <a:rPr lang="en-US" altLang="ja-JP" dirty="0" err="1" smtClean="0"/>
-              <a:t>ảnh</a:t>
-            </a:r>
-            <a:r>
-              <a:rPr lang="en-US" altLang="ja-JP" dirty="0" smtClean="0"/>
-              <a:t> </a:t>
-            </a:r>
-            <a:r>
-              <a:rPr lang="en-US" altLang="ja-JP" dirty="0" err="1" smtClean="0"/>
+              <a:rPr lang="en-US" dirty="0" smtClean="0"/>
+              <a:t> </a:t>
+            </a:r>
+            <a:r>
+              <a:rPr lang="en-US" dirty="0" err="1"/>
               <a:t>kiểm</a:t>
             </a:r>
             <a:r>
-              <a:rPr lang="en-US" altLang="ja-JP" dirty="0" smtClean="0"/>
-              <a:t> </a:t>
-            </a:r>
-            <a:r>
-              <a:rPr lang="en-US" altLang="ja-JP" dirty="0" err="1" smtClean="0"/>
+              <a:rPr lang="en-US" dirty="0"/>
+              <a:t> </a:t>
+            </a:r>
+            <a:r>
+              <a:rPr lang="en-US" dirty="0" err="1"/>
               <a:t>thử</a:t>
             </a:r>
-            <a:r>
-              <a:rPr lang="en-US" altLang="ja-JP" dirty="0" smtClean="0"/>
-              <a:t>)</a:t>
-            </a:r>
-          </a:p>
-          <a:p>
-            <a:pPr lvl="2"/>
-            <a:r>
-              <a:rPr lang="en-US" altLang="ja-JP" dirty="0" err="1" smtClean="0"/>
-              <a:t>Độ</a:t>
-            </a:r>
-            <a:r>
-              <a:rPr lang="en-US" altLang="ja-JP" dirty="0" smtClean="0"/>
-              <a:t> </a:t>
-            </a:r>
-            <a:r>
-              <a:rPr lang="en-US" altLang="ja-JP" dirty="0" err="1" smtClean="0"/>
-              <a:t>chính</a:t>
-            </a:r>
-            <a:r>
-              <a:rPr lang="en-US" altLang="ja-JP" dirty="0" smtClean="0"/>
-              <a:t> </a:t>
-            </a:r>
-            <a:r>
-              <a:rPr lang="en-US" altLang="ja-JP" dirty="0" err="1" smtClean="0"/>
-              <a:t>xác</a:t>
-            </a:r>
-            <a:r>
-              <a:rPr lang="en-US" altLang="ja-JP" dirty="0" smtClean="0"/>
-              <a:t> 60% (</a:t>
-            </a:r>
-            <a:r>
-              <a:rPr lang="en-US" altLang="ja-JP" dirty="0" err="1" smtClean="0"/>
-              <a:t>Mục</a:t>
-            </a:r>
-            <a:r>
-              <a:rPr lang="en-US" altLang="ja-JP" dirty="0" smtClean="0"/>
-              <a:t> </a:t>
-            </a:r>
-            <a:r>
-              <a:rPr lang="en-US" altLang="ja-JP" dirty="0" err="1" smtClean="0"/>
-              <a:t>tiêu</a:t>
-            </a:r>
-            <a:r>
-              <a:rPr lang="en-US" altLang="ja-JP" dirty="0" smtClean="0"/>
-              <a:t> </a:t>
-            </a:r>
-            <a:r>
-              <a:rPr lang="en-US" altLang="ja-JP" dirty="0" smtClean="0">
-                <a:solidFill>
-                  <a:srgbClr val="FF0000"/>
-                </a:solidFill>
-              </a:rPr>
-              <a:t>70</a:t>
-            </a:r>
-            <a:r>
-              <a:rPr lang="en-US" altLang="ja-JP" dirty="0" smtClean="0">
-                <a:solidFill>
-                  <a:srgbClr val="FF0000"/>
-                </a:solidFill>
-              </a:rPr>
-              <a:t>%</a:t>
-            </a:r>
-            <a:r>
-              <a:rPr lang="en-US" altLang="ja-JP" dirty="0" smtClean="0"/>
-              <a:t>)</a:t>
-            </a:r>
-            <a:endParaRPr lang="en-US" altLang="ja-JP" dirty="0" smtClean="0"/>
+            <a:endParaRPr lang="en-US" dirty="0"/>
+          </a:p>
+          <a:p>
+            <a:pPr marL="457200" lvl="1" indent="0">
+              <a:buNone/>
+            </a:pPr>
+            <a:endParaRPr kumimoji="1" lang="en-US" altLang="ja-JP" dirty="0" smtClean="0"/>
           </a:p>
         </p:txBody>
       </p:sp>
@@ -8039,9 +8388,9 @@
           <a:bodyPr/>
           <a:lstStyle/>
           <a:p>
-            <a:fld id="{050317AE-C5B1-45BB-9249-90F7C348BD58}" type="datetime1">
+            <a:fld id="{F3E3AC63-30EC-4F79-8593-B4A9E85D12C5}" type="datetime1">
               <a:rPr kumimoji="1" lang="en-US" altLang="ja-JP" smtClean="0"/>
-              <a:t>11/22/2017</a:t>
+              <a:t>11/23/2017</a:t>
             </a:fld>
             <a:endParaRPr kumimoji="1" lang="ja-JP" altLang="en-US"/>
           </a:p>
@@ -8102,7 +8451,7 @@
     </p:spTree>
     <p:extLst>
       <p:ext uri="{BB962C8B-B14F-4D97-AF65-F5344CB8AC3E}">
-        <p14:creationId xmlns:p14="http://schemas.microsoft.com/office/powerpoint/2010/main" val="1581247958"/>
+        <p14:creationId xmlns:p14="http://schemas.microsoft.com/office/powerpoint/2010/main" val="249349299"/>
       </p:ext>
     </p:extLst>
   </p:cSld>
@@ -8146,7 +8495,7 @@
           <a:p>
             <a:r>
               <a:rPr lang="en-US" altLang="ja-JP" dirty="0" err="1"/>
-              <a:t>Kết</a:t>
+              <a:t>Tài</a:t>
             </a:r>
             <a:r>
               <a:rPr lang="en-US" altLang="ja-JP" dirty="0"/>
@@ -8154,7 +8503,7 @@
             </a:r>
             <a:r>
               <a:rPr lang="en-US" altLang="ja-JP" dirty="0" err="1"/>
-              <a:t>luận</a:t>
+              <a:t>liệu</a:t>
             </a:r>
             <a:r>
               <a:rPr lang="en-US" altLang="ja-JP" dirty="0"/>
@@ -8162,7 +8511,7 @@
             </a:r>
             <a:r>
               <a:rPr lang="en-US" altLang="ja-JP" dirty="0" err="1"/>
-              <a:t>và</a:t>
+              <a:t>tham</a:t>
             </a:r>
             <a:r>
               <a:rPr lang="en-US" altLang="ja-JP" dirty="0"/>
@@ -8170,39 +8519,7 @@
             </a:r>
             <a:r>
               <a:rPr lang="en-US" altLang="ja-JP" dirty="0" err="1"/>
-              <a:t>hướng</a:t>
-            </a:r>
-            <a:r>
-              <a:rPr lang="en-US" altLang="ja-JP" dirty="0"/>
-              <a:t> </a:t>
-            </a:r>
-            <a:r>
-              <a:rPr lang="en-US" altLang="ja-JP" dirty="0" err="1"/>
-              <a:t>phát</a:t>
-            </a:r>
-            <a:r>
-              <a:rPr lang="en-US" altLang="ja-JP" dirty="0"/>
-              <a:t> </a:t>
-            </a:r>
-            <a:r>
-              <a:rPr lang="en-US" altLang="ja-JP" dirty="0" err="1"/>
-              <a:t>triển</a:t>
-            </a:r>
-            <a:r>
-              <a:rPr lang="en-US" altLang="ja-JP" dirty="0"/>
-              <a:t> </a:t>
-            </a:r>
-            <a:r>
-              <a:rPr lang="en-US" altLang="ja-JP" dirty="0" err="1"/>
-              <a:t>đề</a:t>
-            </a:r>
-            <a:r>
-              <a:rPr lang="en-US" altLang="ja-JP" dirty="0"/>
-              <a:t> </a:t>
-            </a:r>
-            <a:r>
-              <a:rPr lang="en-US" altLang="ja-JP" dirty="0" err="1"/>
-              <a:t>tài</a:t>
+              <a:t>khảo</a:t>
             </a:r>
             <a:endParaRPr kumimoji="1" lang="ja-JP" altLang="en-US" dirty="0"/>
           </a:p>
@@ -8210,7 +8527,7 @@
       </p:sp>
       <p:sp>
         <p:nvSpPr>
-          <p:cNvPr id="3" name="コンテンツ プレースホルダー 2"/>
+          <p:cNvPr id="3" name="コンテンツ プレースホルダ 2"/>
           <p:cNvSpPr>
             <a:spLocks noGrp="1"/>
           </p:cNvSpPr>
@@ -8224,555 +8541,161 @@
           <a:lstStyle/>
           <a:p>
             <a:r>
-              <a:rPr kumimoji="1" lang="en-US" altLang="ja-JP" dirty="0" err="1"/>
-              <a:t>Kết</a:t>
-            </a:r>
-            <a:r>
-              <a:rPr kumimoji="1" lang="en-US" altLang="ja-JP" dirty="0"/>
-              <a:t> </a:t>
-            </a:r>
-            <a:r>
-              <a:rPr kumimoji="1" lang="en-US" altLang="ja-JP" dirty="0" err="1"/>
-              <a:t>luận</a:t>
-            </a:r>
-            <a:endParaRPr kumimoji="1" lang="en-US" altLang="ja-JP" dirty="0"/>
-          </a:p>
-          <a:p>
-            <a:pPr lvl="1"/>
-            <a:r>
-              <a:rPr lang="en-US" altLang="ja-JP" dirty="0" err="1" smtClean="0"/>
-              <a:t>Hệ</a:t>
-            </a:r>
-            <a:r>
-              <a:rPr lang="en-US" altLang="ja-JP" dirty="0" smtClean="0"/>
-              <a:t> </a:t>
-            </a:r>
-            <a:r>
-              <a:rPr lang="en-US" altLang="ja-JP" dirty="0" err="1" smtClean="0"/>
-              <a:t>thống</a:t>
-            </a:r>
-            <a:r>
-              <a:rPr lang="en-US" altLang="ja-JP" dirty="0" smtClean="0"/>
-              <a:t> </a:t>
-            </a:r>
-            <a:r>
-              <a:rPr lang="en-US" altLang="ja-JP" dirty="0" err="1" smtClean="0"/>
-              <a:t>vẫn</a:t>
-            </a:r>
-            <a:r>
-              <a:rPr lang="en-US" altLang="ja-JP" dirty="0" smtClean="0"/>
-              <a:t> </a:t>
-            </a:r>
-            <a:r>
-              <a:rPr lang="en-US" altLang="ja-JP" dirty="0" err="1" smtClean="0"/>
-              <a:t>còn</a:t>
-            </a:r>
-            <a:r>
-              <a:rPr lang="en-US" altLang="ja-JP" dirty="0" smtClean="0"/>
-              <a:t> </a:t>
-            </a:r>
-            <a:r>
-              <a:rPr lang="en-US" altLang="ja-JP" dirty="0" err="1" smtClean="0"/>
-              <a:t>khả</a:t>
-            </a:r>
-            <a:r>
-              <a:rPr lang="en-US" altLang="ja-JP" dirty="0" smtClean="0"/>
-              <a:t> </a:t>
-            </a:r>
-            <a:r>
-              <a:rPr lang="en-US" altLang="ja-JP" dirty="0" err="1" smtClean="0"/>
-              <a:t>năng</a:t>
-            </a:r>
-            <a:r>
-              <a:rPr lang="en-US" altLang="ja-JP" dirty="0" smtClean="0"/>
-              <a:t> </a:t>
-            </a:r>
-            <a:r>
-              <a:rPr lang="en-US" altLang="ja-JP" dirty="0" err="1" smtClean="0"/>
-              <a:t>cải</a:t>
-            </a:r>
-            <a:r>
-              <a:rPr lang="en-US" altLang="ja-JP" dirty="0" smtClean="0"/>
-              <a:t> </a:t>
-            </a:r>
-            <a:r>
-              <a:rPr lang="en-US" altLang="ja-JP" dirty="0" err="1" smtClean="0"/>
-              <a:t>thiện</a:t>
-            </a:r>
-            <a:r>
-              <a:rPr lang="en-US" altLang="ja-JP" dirty="0" smtClean="0"/>
-              <a:t> </a:t>
-            </a:r>
-            <a:r>
-              <a:rPr lang="en-US" altLang="ja-JP" dirty="0" err="1" smtClean="0"/>
-              <a:t>độ</a:t>
-            </a:r>
-            <a:r>
-              <a:rPr lang="en-US" altLang="ja-JP" dirty="0" smtClean="0"/>
-              <a:t> </a:t>
-            </a:r>
-            <a:r>
-              <a:rPr lang="en-US" altLang="ja-JP" dirty="0" err="1" smtClean="0"/>
-              <a:t>chính</a:t>
-            </a:r>
-            <a:r>
-              <a:rPr lang="en-US" altLang="ja-JP" dirty="0" smtClean="0"/>
-              <a:t> </a:t>
-            </a:r>
-            <a:r>
-              <a:rPr lang="en-US" altLang="ja-JP" dirty="0" err="1" smtClean="0"/>
-              <a:t>xác</a:t>
-            </a:r>
-            <a:endParaRPr lang="en-US" altLang="ja-JP" dirty="0"/>
-          </a:p>
-          <a:p>
-            <a:r>
-              <a:rPr kumimoji="1" lang="en-US" altLang="ja-JP" dirty="0" err="1"/>
-              <a:t>Hướng</a:t>
-            </a:r>
-            <a:r>
-              <a:rPr kumimoji="1" lang="en-US" altLang="ja-JP" dirty="0"/>
-              <a:t> </a:t>
-            </a:r>
-            <a:r>
-              <a:rPr kumimoji="1" lang="en-US" altLang="ja-JP" dirty="0" err="1"/>
-              <a:t>phát</a:t>
-            </a:r>
-            <a:r>
-              <a:rPr kumimoji="1" lang="en-US" altLang="ja-JP" dirty="0"/>
-              <a:t> </a:t>
-            </a:r>
-            <a:r>
-              <a:rPr kumimoji="1" lang="en-US" altLang="ja-JP" dirty="0" err="1" smtClean="0"/>
-              <a:t>triển</a:t>
-            </a:r>
-            <a:r>
-              <a:rPr kumimoji="1" lang="en-US" altLang="ja-JP" dirty="0" smtClean="0"/>
-              <a:t> </a:t>
-            </a:r>
-            <a:r>
-              <a:rPr kumimoji="1" lang="en-US" altLang="ja-JP" dirty="0" err="1"/>
-              <a:t>và</a:t>
-            </a:r>
-            <a:r>
-              <a:rPr kumimoji="1" lang="en-US" altLang="ja-JP" dirty="0"/>
-              <a:t> </a:t>
-            </a:r>
-            <a:r>
-              <a:rPr kumimoji="1" lang="en-US" altLang="ja-JP" dirty="0" err="1"/>
-              <a:t>công</a:t>
-            </a:r>
-            <a:r>
-              <a:rPr kumimoji="1" lang="en-US" altLang="ja-JP" dirty="0"/>
-              <a:t> </a:t>
-            </a:r>
-            <a:r>
-              <a:rPr kumimoji="1" lang="en-US" altLang="ja-JP" dirty="0" err="1"/>
-              <a:t>việc</a:t>
-            </a:r>
-            <a:r>
-              <a:rPr kumimoji="1" lang="en-US" altLang="ja-JP" dirty="0"/>
-              <a:t> </a:t>
-            </a:r>
-            <a:r>
-              <a:rPr kumimoji="1" lang="en-US" altLang="ja-JP" dirty="0" err="1"/>
-              <a:t>tiếp</a:t>
-            </a:r>
-            <a:r>
-              <a:rPr kumimoji="1" lang="en-US" altLang="ja-JP" dirty="0"/>
-              <a:t> </a:t>
-            </a:r>
-            <a:r>
-              <a:rPr kumimoji="1" lang="en-US" altLang="ja-JP" dirty="0" err="1" smtClean="0"/>
-              <a:t>theo</a:t>
-            </a:r>
-            <a:endParaRPr kumimoji="1" lang="en-US" altLang="ja-JP" dirty="0" smtClean="0"/>
-          </a:p>
-          <a:p>
-            <a:pPr lvl="1"/>
-            <a:r>
-              <a:rPr lang="en-US" altLang="ja-JP" dirty="0" err="1" smtClean="0"/>
-              <a:t>Phân</a:t>
-            </a:r>
-            <a:r>
-              <a:rPr lang="en-US" altLang="ja-JP" dirty="0" smtClean="0"/>
-              <a:t> </a:t>
-            </a:r>
-            <a:r>
-              <a:rPr lang="en-US" altLang="ja-JP" dirty="0" err="1" smtClean="0"/>
-              <a:t>loại</a:t>
-            </a:r>
-            <a:r>
-              <a:rPr lang="en-US" altLang="ja-JP" dirty="0" smtClean="0"/>
-              <a:t> </a:t>
-            </a:r>
-            <a:r>
-              <a:rPr lang="en-US" altLang="ja-JP" dirty="0" err="1" smtClean="0"/>
-              <a:t>giai</a:t>
-            </a:r>
-            <a:r>
-              <a:rPr lang="en-US" altLang="ja-JP" dirty="0" smtClean="0"/>
-              <a:t> </a:t>
-            </a:r>
-            <a:r>
-              <a:rPr lang="en-US" altLang="ja-JP" dirty="0" err="1" smtClean="0"/>
-              <a:t>đoạn</a:t>
-            </a:r>
-            <a:r>
-              <a:rPr lang="en-US" altLang="ja-JP" dirty="0" smtClean="0"/>
-              <a:t> </a:t>
-            </a:r>
-            <a:r>
-              <a:rPr lang="en-US" altLang="ja-JP" dirty="0" err="1" smtClean="0"/>
-              <a:t>bệnh</a:t>
-            </a:r>
-            <a:r>
-              <a:rPr lang="en-US" altLang="ja-JP" dirty="0" smtClean="0"/>
-              <a:t> </a:t>
-            </a:r>
-            <a:r>
-              <a:rPr lang="en-US" altLang="ja-JP" dirty="0" err="1" smtClean="0"/>
-              <a:t>dựa</a:t>
-            </a:r>
-            <a:r>
-              <a:rPr lang="en-US" altLang="ja-JP" dirty="0" smtClean="0"/>
-              <a:t> </a:t>
-            </a:r>
-            <a:r>
-              <a:rPr lang="en-US" altLang="ja-JP" dirty="0" err="1" smtClean="0"/>
-              <a:t>trên</a:t>
-            </a:r>
-            <a:r>
-              <a:rPr lang="en-US" altLang="ja-JP" dirty="0" smtClean="0"/>
-              <a:t> </a:t>
-            </a:r>
-            <a:r>
-              <a:rPr lang="en-US" altLang="ja-JP" dirty="0" err="1" smtClean="0"/>
-              <a:t>từng</a:t>
-            </a:r>
-            <a:r>
-              <a:rPr lang="en-US" altLang="ja-JP" dirty="0" smtClean="0"/>
-              <a:t> </a:t>
-            </a:r>
-            <a:r>
-              <a:rPr lang="en-US" altLang="ja-JP" dirty="0" err="1" smtClean="0"/>
-              <a:t>cặp</a:t>
-            </a:r>
-            <a:r>
-              <a:rPr lang="en-US" altLang="ja-JP" dirty="0" smtClean="0"/>
-              <a:t> </a:t>
-            </a:r>
-            <a:r>
-              <a:rPr lang="en-US" altLang="ja-JP" dirty="0" err="1" smtClean="0"/>
-              <a:t>mắt</a:t>
-            </a:r>
-            <a:r>
-              <a:rPr lang="en-US" altLang="ja-JP" dirty="0" smtClean="0"/>
-              <a:t> </a:t>
-            </a:r>
-            <a:r>
-              <a:rPr lang="en-US" altLang="ja-JP" dirty="0" err="1" smtClean="0"/>
-              <a:t>trái</a:t>
-            </a:r>
-            <a:r>
-              <a:rPr lang="en-US" altLang="ja-JP" dirty="0" smtClean="0"/>
-              <a:t> </a:t>
-            </a:r>
-            <a:r>
-              <a:rPr lang="en-US" altLang="ja-JP" dirty="0" err="1" smtClean="0"/>
-              <a:t>phải</a:t>
-            </a:r>
-            <a:r>
-              <a:rPr lang="en-US" altLang="ja-JP" dirty="0" smtClean="0"/>
-              <a:t> (</a:t>
-            </a:r>
-            <a:r>
-              <a:rPr lang="en-US" altLang="ja-JP" dirty="0" err="1" smtClean="0"/>
-              <a:t>hiện</a:t>
-            </a:r>
-            <a:r>
-              <a:rPr lang="en-US" altLang="ja-JP" dirty="0" smtClean="0"/>
-              <a:t> </a:t>
-            </a:r>
-            <a:r>
-              <a:rPr lang="en-US" altLang="ja-JP" dirty="0" err="1" smtClean="0"/>
-              <a:t>tại</a:t>
-            </a:r>
-            <a:r>
-              <a:rPr lang="en-US" altLang="ja-JP" dirty="0" smtClean="0"/>
-              <a:t> </a:t>
-            </a:r>
-            <a:r>
-              <a:rPr lang="en-US" altLang="ja-JP" dirty="0" err="1" smtClean="0"/>
-              <a:t>đánh</a:t>
-            </a:r>
-            <a:r>
-              <a:rPr lang="en-US" altLang="ja-JP" dirty="0" smtClean="0"/>
-              <a:t> </a:t>
-            </a:r>
-            <a:r>
-              <a:rPr lang="en-US" altLang="ja-JP" dirty="0" err="1" smtClean="0"/>
-              <a:t>giá</a:t>
-            </a:r>
-            <a:r>
-              <a:rPr lang="en-US" altLang="ja-JP" dirty="0" smtClean="0"/>
-              <a:t> </a:t>
-            </a:r>
-            <a:r>
-              <a:rPr lang="en-US" altLang="ja-JP" dirty="0" err="1" smtClean="0"/>
-              <a:t>độc</a:t>
-            </a:r>
-            <a:r>
-              <a:rPr lang="en-US" altLang="ja-JP" dirty="0" smtClean="0"/>
-              <a:t> </a:t>
-            </a:r>
-            <a:r>
-              <a:rPr lang="en-US" altLang="ja-JP" dirty="0" err="1" smtClean="0"/>
-              <a:t>lập</a:t>
-            </a:r>
-            <a:r>
-              <a:rPr lang="en-US" altLang="ja-JP" dirty="0" smtClean="0"/>
-              <a:t> 2 </a:t>
-            </a:r>
-            <a:r>
-              <a:rPr lang="en-US" altLang="ja-JP" dirty="0" err="1" smtClean="0"/>
-              <a:t>mắt</a:t>
-            </a:r>
-            <a:r>
-              <a:rPr lang="en-US" altLang="ja-JP" dirty="0" smtClean="0"/>
-              <a:t>)</a:t>
-            </a:r>
-          </a:p>
-          <a:p>
-            <a:pPr lvl="1"/>
-            <a:r>
-              <a:rPr kumimoji="1" lang="en-US" altLang="ja-JP" dirty="0" err="1" smtClean="0"/>
-              <a:t>Loại</a:t>
-            </a:r>
-            <a:r>
-              <a:rPr kumimoji="1" lang="en-US" altLang="ja-JP" dirty="0" smtClean="0"/>
-              <a:t> </a:t>
-            </a:r>
-            <a:r>
-              <a:rPr kumimoji="1" lang="en-US" altLang="ja-JP" dirty="0" err="1" smtClean="0"/>
-              <a:t>bỏ</a:t>
-            </a:r>
-            <a:r>
-              <a:rPr kumimoji="1" lang="en-US" altLang="ja-JP" dirty="0" smtClean="0"/>
-              <a:t> </a:t>
-            </a:r>
-            <a:r>
-              <a:rPr kumimoji="1" lang="en-US" altLang="ja-JP" dirty="0" err="1" smtClean="0"/>
-              <a:t>những</a:t>
-            </a:r>
-            <a:r>
-              <a:rPr kumimoji="1" lang="en-US" altLang="ja-JP" dirty="0" smtClean="0"/>
-              <a:t> </a:t>
-            </a:r>
-            <a:r>
-              <a:rPr kumimoji="1" lang="en-US" altLang="ja-JP" dirty="0" err="1" smtClean="0"/>
-              <a:t>ảnh</a:t>
-            </a:r>
-            <a:r>
-              <a:rPr kumimoji="1" lang="en-US" altLang="ja-JP" dirty="0" smtClean="0"/>
-              <a:t> </a:t>
-            </a:r>
-            <a:r>
-              <a:rPr kumimoji="1" lang="en-US" altLang="ja-JP" dirty="0" err="1" smtClean="0"/>
-              <a:t>bị</a:t>
-            </a:r>
-            <a:r>
-              <a:rPr kumimoji="1" lang="en-US" altLang="ja-JP" dirty="0" smtClean="0"/>
-              <a:t> </a:t>
-            </a:r>
-            <a:r>
-              <a:rPr kumimoji="1" lang="en-US" altLang="ja-JP" dirty="0" err="1" smtClean="0"/>
-              <a:t>hỏng</a:t>
-            </a:r>
-            <a:r>
-              <a:rPr kumimoji="1" lang="en-US" altLang="ja-JP" dirty="0" smtClean="0"/>
-              <a:t> (</a:t>
-            </a:r>
-            <a:r>
-              <a:rPr kumimoji="1" lang="en-US" altLang="ja-JP" dirty="0" err="1" smtClean="0"/>
-              <a:t>hoàn</a:t>
-            </a:r>
-            <a:r>
-              <a:rPr kumimoji="1" lang="en-US" altLang="ja-JP" dirty="0" smtClean="0"/>
-              <a:t> </a:t>
-            </a:r>
-            <a:r>
-              <a:rPr kumimoji="1" lang="en-US" altLang="ja-JP" dirty="0" err="1" smtClean="0"/>
-              <a:t>toàn</a:t>
-            </a:r>
-            <a:r>
-              <a:rPr kumimoji="1" lang="en-US" altLang="ja-JP" dirty="0" smtClean="0"/>
-              <a:t> </a:t>
-            </a:r>
-            <a:r>
-              <a:rPr kumimoji="1" lang="en-US" altLang="ja-JP" dirty="0" err="1" smtClean="0"/>
-              <a:t>trắng</a:t>
-            </a:r>
-            <a:r>
-              <a:rPr kumimoji="1" lang="en-US" altLang="ja-JP" dirty="0" smtClean="0"/>
-              <a:t> </a:t>
-            </a:r>
-            <a:r>
-              <a:rPr kumimoji="1" lang="en-US" altLang="ja-JP" dirty="0" err="1" smtClean="0"/>
-              <a:t>hoặc</a:t>
-            </a:r>
-            <a:r>
-              <a:rPr kumimoji="1" lang="en-US" altLang="ja-JP" dirty="0" smtClean="0"/>
-              <a:t> </a:t>
-            </a:r>
-            <a:r>
-              <a:rPr kumimoji="1" lang="en-US" altLang="ja-JP" dirty="0" err="1" smtClean="0"/>
-              <a:t>đen</a:t>
-            </a:r>
-            <a:r>
-              <a:rPr kumimoji="1" lang="en-US" altLang="ja-JP" dirty="0" smtClean="0"/>
-              <a:t>…)</a:t>
-            </a:r>
-          </a:p>
-          <a:p>
-            <a:pPr lvl="1"/>
-            <a:r>
-              <a:rPr lang="en-US" altLang="ja-JP" dirty="0" err="1" smtClean="0"/>
-              <a:t>Tăng</a:t>
-            </a:r>
-            <a:r>
-              <a:rPr lang="en-US" altLang="ja-JP" dirty="0" smtClean="0"/>
-              <a:t> </a:t>
-            </a:r>
-            <a:r>
-              <a:rPr lang="en-US" altLang="ja-JP" dirty="0" err="1" smtClean="0"/>
-              <a:t>cường</a:t>
-            </a:r>
-            <a:r>
-              <a:rPr lang="en-US" altLang="ja-JP" dirty="0" smtClean="0"/>
-              <a:t> </a:t>
-            </a:r>
-            <a:r>
-              <a:rPr lang="en-US" altLang="ja-JP" dirty="0" err="1" smtClean="0"/>
-              <a:t>thêm</a:t>
-            </a:r>
-            <a:r>
-              <a:rPr lang="en-US" altLang="ja-JP" dirty="0" smtClean="0"/>
-              <a:t> </a:t>
-            </a:r>
-            <a:r>
-              <a:rPr lang="en-US" altLang="ja-JP" dirty="0" err="1" smtClean="0"/>
-              <a:t>số</a:t>
-            </a:r>
-            <a:r>
-              <a:rPr lang="en-US" altLang="ja-JP" dirty="0" smtClean="0"/>
-              <a:t> </a:t>
-            </a:r>
-            <a:r>
-              <a:rPr lang="en-US" altLang="ja-JP" dirty="0" err="1" smtClean="0"/>
-              <a:t>lượng</a:t>
-            </a:r>
-            <a:r>
-              <a:rPr lang="en-US" altLang="ja-JP" dirty="0" smtClean="0"/>
-              <a:t> </a:t>
-            </a:r>
-            <a:r>
-              <a:rPr lang="en-US" altLang="ja-JP" dirty="0" err="1" smtClean="0"/>
-              <a:t>ảnh</a:t>
-            </a:r>
-            <a:r>
-              <a:rPr lang="en-US" altLang="ja-JP" dirty="0" smtClean="0"/>
-              <a:t> </a:t>
-            </a:r>
-            <a:r>
-              <a:rPr lang="en-US" altLang="ja-JP" dirty="0" err="1" smtClean="0"/>
-              <a:t>huấn</a:t>
-            </a:r>
-            <a:r>
-              <a:rPr lang="en-US" altLang="ja-JP" dirty="0" smtClean="0"/>
-              <a:t> </a:t>
-            </a:r>
-            <a:r>
-              <a:rPr lang="en-US" altLang="ja-JP" dirty="0" err="1" smtClean="0"/>
-              <a:t>luyện</a:t>
+              <a:rPr lang="en-US" altLang="ja-JP" baseline="30000" dirty="0" smtClean="0"/>
+              <a:t>[1]</a:t>
+            </a:r>
+            <a:r>
+              <a:rPr lang="en-US" altLang="ja-JP" baseline="-25000" dirty="0" smtClean="0"/>
+              <a:t> </a:t>
+            </a:r>
+            <a:r>
+              <a:rPr lang="en-US" altLang="ja-JP" dirty="0" smtClean="0"/>
+              <a:t>Andrew G. Howard, </a:t>
+            </a:r>
+            <a:r>
+              <a:rPr lang="en-US" altLang="ja-JP" dirty="0" err="1" smtClean="0"/>
+              <a:t>Menglong</a:t>
+            </a:r>
+            <a:r>
+              <a:rPr lang="en-US" altLang="ja-JP" dirty="0" smtClean="0"/>
+              <a:t> Zhu et al. </a:t>
+            </a:r>
+            <a:r>
+              <a:rPr lang="en-US" altLang="ja-JP" dirty="0" err="1" smtClean="0"/>
+              <a:t>MobileNets</a:t>
+            </a:r>
+            <a:r>
+              <a:rPr lang="en-US" altLang="ja-JP" dirty="0" smtClean="0"/>
+              <a:t>: Efficient Convolutional Neural Networks for Mobile Vision Applications, 2017, </a:t>
+            </a:r>
+            <a:r>
+              <a:rPr lang="en-US" altLang="ja-JP" dirty="0" smtClean="0">
+                <a:hlinkClick r:id="rId3"/>
+              </a:rPr>
+              <a:t>arXiv</a:t>
             </a:r>
             <a:endParaRPr lang="en-US" altLang="ja-JP" dirty="0" smtClean="0"/>
           </a:p>
           <a:p>
-            <a:pPr lvl="1"/>
-            <a:r>
-              <a:rPr lang="en-US" dirty="0" err="1"/>
-              <a:t>Đánh</a:t>
-            </a:r>
-            <a:r>
-              <a:rPr lang="en-US" dirty="0"/>
-              <a:t> </a:t>
-            </a:r>
-            <a:r>
-              <a:rPr lang="en-US" dirty="0" err="1"/>
-              <a:t>giá</a:t>
-            </a:r>
-            <a:r>
-              <a:rPr lang="en-US" dirty="0"/>
-              <a:t> </a:t>
-            </a:r>
-            <a:r>
-              <a:rPr lang="en-US" dirty="0" err="1"/>
-              <a:t>trên</a:t>
-            </a:r>
-            <a:r>
-              <a:rPr lang="en-US" dirty="0"/>
-              <a:t> </a:t>
-            </a:r>
-            <a:r>
-              <a:rPr lang="en-US" dirty="0" err="1"/>
-              <a:t>toàn</a:t>
-            </a:r>
-            <a:r>
-              <a:rPr lang="en-US" dirty="0"/>
-              <a:t> </a:t>
-            </a:r>
-            <a:r>
-              <a:rPr lang="en-US" dirty="0" err="1"/>
-              <a:t>bộ</a:t>
-            </a:r>
-            <a:r>
-              <a:rPr lang="en-US" dirty="0"/>
-              <a:t> </a:t>
-            </a:r>
-            <a:r>
-              <a:rPr lang="en-US" dirty="0" err="1"/>
-              <a:t>tập</a:t>
-            </a:r>
-            <a:r>
-              <a:rPr lang="en-US" dirty="0"/>
-              <a:t> </a:t>
-            </a:r>
-            <a:r>
-              <a:rPr lang="en-US" dirty="0" err="1"/>
-              <a:t>kiểm</a:t>
-            </a:r>
-            <a:r>
-              <a:rPr lang="en-US" dirty="0"/>
-              <a:t> </a:t>
-            </a:r>
-            <a:r>
-              <a:rPr lang="en-US" dirty="0" err="1"/>
-              <a:t>thử</a:t>
-            </a:r>
-            <a:endParaRPr lang="en-US"/>
-          </a:p>
-          <a:p>
-            <a:pPr marL="457200" lvl="1" indent="0">
-              <a:buNone/>
-            </a:pPr>
-            <a:endParaRPr kumimoji="1" lang="en-US" altLang="ja-JP" dirty="0" smtClean="0"/>
+            <a:r>
+              <a:rPr lang="en-US" altLang="ja-JP" baseline="30000" dirty="0" smtClean="0"/>
+              <a:t>[2]</a:t>
+            </a:r>
+            <a:r>
+              <a:rPr lang="en-US" dirty="0" smtClean="0"/>
+              <a:t> </a:t>
+            </a:r>
+            <a:r>
+              <a:rPr lang="en-US" dirty="0"/>
+              <a:t>Christian </a:t>
+            </a:r>
+            <a:r>
+              <a:rPr lang="en-US" dirty="0" err="1"/>
+              <a:t>Szegedy</a:t>
+            </a:r>
+            <a:r>
+              <a:rPr lang="en-US" dirty="0"/>
+              <a:t>, Vincent </a:t>
+            </a:r>
+            <a:r>
+              <a:rPr lang="en-US" dirty="0" err="1"/>
+              <a:t>Vanhoucke</a:t>
+            </a:r>
+            <a:r>
+              <a:rPr lang="en-US" dirty="0"/>
+              <a:t> et al. Rethinking the Inception Architecture for Computer Vision, 2015, </a:t>
+            </a:r>
+            <a:r>
+              <a:rPr lang="en-US" dirty="0" smtClean="0">
+                <a:hlinkClick r:id="rId4"/>
+              </a:rPr>
+              <a:t>arXiv</a:t>
+            </a:r>
+            <a:endParaRPr lang="en-US" altLang="ja-JP" baseline="30000" dirty="0" smtClean="0"/>
+          </a:p>
+          <a:p>
+            <a:r>
+              <a:rPr lang="en-US" altLang="ja-JP" baseline="30000" dirty="0" smtClean="0"/>
+              <a:t>[3]</a:t>
+            </a:r>
+            <a:r>
+              <a:rPr lang="en-US" altLang="ja-JP" dirty="0" smtClean="0"/>
+              <a:t> Christian </a:t>
+            </a:r>
+            <a:r>
+              <a:rPr lang="en-US" altLang="ja-JP" dirty="0" err="1" smtClean="0"/>
+              <a:t>Szegedy</a:t>
+            </a:r>
+            <a:r>
+              <a:rPr lang="en-US" altLang="ja-JP" dirty="0" smtClean="0"/>
+              <a:t>, Sergey </a:t>
+            </a:r>
+            <a:r>
+              <a:rPr lang="en-US" altLang="ja-JP" dirty="0" err="1" smtClean="0"/>
+              <a:t>Ioffe</a:t>
+            </a:r>
+            <a:r>
+              <a:rPr lang="en-US" altLang="ja-JP" dirty="0" smtClean="0"/>
+              <a:t> et al</a:t>
+            </a:r>
+            <a:r>
+              <a:rPr lang="en-US" altLang="ja-JP" dirty="0"/>
+              <a:t>. Inception-v4, Inception-</a:t>
+            </a:r>
+            <a:r>
+              <a:rPr lang="en-US" altLang="ja-JP" dirty="0" err="1"/>
+              <a:t>ResNet</a:t>
+            </a:r>
+            <a:r>
+              <a:rPr lang="en-US" altLang="ja-JP" dirty="0"/>
+              <a:t> and the Impact of Residual Connections on </a:t>
+            </a:r>
+            <a:r>
+              <a:rPr lang="en-US" altLang="ja-JP" dirty="0" smtClean="0"/>
+              <a:t>Learning, 2016, </a:t>
+            </a:r>
+            <a:r>
+              <a:rPr lang="en-US" altLang="ja-JP" dirty="0" smtClean="0">
+                <a:hlinkClick r:id="rId5"/>
+              </a:rPr>
+              <a:t>arXiv</a:t>
+            </a:r>
+            <a:endParaRPr lang="en-US" altLang="ja-JP" baseline="30000" dirty="0" smtClean="0"/>
+          </a:p>
+          <a:p>
+            <a:r>
+              <a:rPr kumimoji="1" lang="en-US" altLang="ja-JP" baseline="30000" dirty="0" smtClean="0"/>
+              <a:t>[4]</a:t>
+            </a:r>
+            <a:r>
+              <a:rPr lang="en-US" altLang="ja-JP" dirty="0"/>
+              <a:t> </a:t>
+            </a:r>
+            <a:r>
+              <a:rPr lang="en-US" altLang="ja-JP" dirty="0" smtClean="0"/>
+              <a:t>Diabetic </a:t>
+            </a:r>
+            <a:r>
+              <a:rPr lang="en-US" altLang="ja-JP" dirty="0"/>
+              <a:t>Retinopathy </a:t>
+            </a:r>
+            <a:r>
+              <a:rPr lang="en-US" altLang="ja-JP" dirty="0" smtClean="0"/>
+              <a:t>Detection dataset, 2015, </a:t>
+            </a:r>
+            <a:r>
+              <a:rPr kumimoji="1" lang="en-US" altLang="ja-JP" dirty="0" smtClean="0">
+                <a:hlinkClick r:id="rId6"/>
+              </a:rPr>
+              <a:t>Kaggle</a:t>
+            </a:r>
+            <a:endParaRPr kumimoji="1" lang="en-US" altLang="ja-JP" baseline="30000" dirty="0" smtClean="0"/>
           </a:p>
         </p:txBody>
       </p:sp>
       <p:sp>
         <p:nvSpPr>
-          <p:cNvPr id="4" name="日付プレースホルダー 3"/>
+          <p:cNvPr id="4" name="日付プレースホルダ 3"/>
           <p:cNvSpPr>
             <a:spLocks noGrp="1"/>
           </p:cNvSpPr>
@@ -8785,9 +8708,9 @@
           <a:bodyPr/>
           <a:lstStyle/>
           <a:p>
-            <a:fld id="{F3E3AC63-30EC-4F79-8593-B4A9E85D12C5}" type="datetime1">
+            <a:fld id="{AAB39387-C149-4A87-BF4F-B3D7615E794A}" type="datetime1">
               <a:rPr kumimoji="1" lang="en-US" altLang="ja-JP" smtClean="0"/>
-              <a:t>11/22/2017</a:t>
+              <a:t>11/23/2017</a:t>
             </a:fld>
             <a:endParaRPr kumimoji="1" lang="ja-JP" altLang="en-US"/>
           </a:p>
@@ -8795,7 +8718,7 @@
       </p:sp>
       <p:sp>
         <p:nvSpPr>
-          <p:cNvPr id="5" name="フッター プレースホルダー 4"/>
+          <p:cNvPr id="5" name="フッター プレースホルダ 4"/>
           <p:cNvSpPr>
             <a:spLocks noGrp="1"/>
           </p:cNvSpPr>
@@ -8823,7 +8746,7 @@
       </p:sp>
       <p:sp>
         <p:nvSpPr>
-          <p:cNvPr id="6" name="スライド番号プレースホルダー 5"/>
+          <p:cNvPr id="6" name="スライド番号プレースホルダ 5"/>
           <p:cNvSpPr>
             <a:spLocks noGrp="1"/>
           </p:cNvSpPr>
@@ -8848,7 +8771,7 @@
     </p:spTree>
     <p:extLst>
       <p:ext uri="{BB962C8B-B14F-4D97-AF65-F5344CB8AC3E}">
-        <p14:creationId xmlns:p14="http://schemas.microsoft.com/office/powerpoint/2010/main" val="249349299"/>
+        <p14:creationId xmlns:p14="http://schemas.microsoft.com/office/powerpoint/2010/main" val="1360947424"/>
       </p:ext>
     </p:extLst>
   </p:cSld>
@@ -8939,154 +8862,85 @@
           <a:p>
             <a:r>
               <a:rPr lang="en-US" altLang="ja-JP" baseline="30000" dirty="0" smtClean="0"/>
-              <a:t>[1]</a:t>
-            </a:r>
-            <a:r>
-              <a:rPr lang="en-US" altLang="ja-JP" baseline="-25000" dirty="0" smtClean="0"/>
-              <a:t> </a:t>
-            </a:r>
-            <a:r>
-              <a:rPr lang="en-US" altLang="ja-JP" dirty="0" smtClean="0"/>
-              <a:t>Andrew G. Howard, </a:t>
-            </a:r>
-            <a:r>
-              <a:rPr lang="en-US" altLang="ja-JP" dirty="0" err="1" smtClean="0"/>
-              <a:t>Menglong</a:t>
-            </a:r>
-            <a:r>
-              <a:rPr lang="en-US" altLang="ja-JP" dirty="0" smtClean="0"/>
-              <a:t> Zhu et al. </a:t>
-            </a:r>
-            <a:r>
-              <a:rPr lang="en-US" altLang="ja-JP" dirty="0" err="1" smtClean="0"/>
-              <a:t>MobileNets</a:t>
-            </a:r>
-            <a:r>
-              <a:rPr lang="en-US" altLang="ja-JP" dirty="0" smtClean="0"/>
-              <a:t>: Efficient Convolutional Neural Networks for Mobile Vision Applications, 2017, </a:t>
-            </a:r>
-            <a:r>
-              <a:rPr lang="en-US" altLang="ja-JP" dirty="0" smtClean="0">
-                <a:hlinkClick r:id="rId3"/>
+              <a:t>[5]</a:t>
+            </a:r>
+            <a:r>
+              <a:rPr lang="en-US" altLang="ja-JP" dirty="0" smtClean="0"/>
+              <a:t> </a:t>
+            </a:r>
+            <a:r>
+              <a:rPr lang="en-US" dirty="0"/>
+              <a:t>Rosenblatt F. The perceptron: A probabilistic model for information storage and organization in the brain. Psychological review. 1958 Nov;65(6):386.</a:t>
+            </a:r>
+            <a:endParaRPr lang="en-US" altLang="ja-JP" baseline="30000" dirty="0" smtClean="0"/>
+          </a:p>
+          <a:p>
+            <a:r>
+              <a:rPr kumimoji="1" lang="en-US" altLang="ja-JP" baseline="30000" dirty="0" smtClean="0"/>
+              <a:t>[6]</a:t>
+            </a:r>
+            <a:r>
+              <a:rPr lang="en-US" dirty="0"/>
+              <a:t> Zell, Andreas (1994). </a:t>
+            </a:r>
+            <a:r>
+              <a:rPr lang="en-US" i="1" dirty="0"/>
+              <a:t>Simulation </a:t>
+            </a:r>
+            <a:r>
+              <a:rPr lang="en-US" i="1" dirty="0" err="1"/>
+              <a:t>Neuronaler</a:t>
+            </a:r>
+            <a:r>
+              <a:rPr lang="en-US" i="1" dirty="0"/>
+              <a:t> </a:t>
+            </a:r>
+            <a:r>
+              <a:rPr lang="en-US" i="1" dirty="0" err="1"/>
+              <a:t>Netze</a:t>
+            </a:r>
+            <a:r>
+              <a:rPr lang="en-US" dirty="0"/>
+              <a:t> [</a:t>
+            </a:r>
+            <a:r>
+              <a:rPr lang="en-US" i="1" dirty="0"/>
+              <a:t>Simulation of Neural Networks</a:t>
+            </a:r>
+            <a:r>
+              <a:rPr lang="en-US" dirty="0"/>
+              <a:t>] (in German) (1st ed.). Addison-Wesley. p. 73. </a:t>
+            </a:r>
+            <a:r>
+              <a:rPr lang="en-US" dirty="0">
+                <a:hlinkClick r:id="rId3" tooltip="International Standard Book Number"/>
               </a:rPr>
-              <a:t>arXiv</a:t>
-            </a:r>
-            <a:endParaRPr lang="en-US" altLang="ja-JP" dirty="0" smtClean="0"/>
-          </a:p>
-          <a:p>
-            <a:r>
-              <a:rPr lang="en-US" altLang="ja-JP" baseline="30000" dirty="0" smtClean="0"/>
-              <a:t>[2]</a:t>
-            </a:r>
-            <a:r>
-              <a:rPr lang="en-US" dirty="0" smtClean="0"/>
-              <a:t> </a:t>
-            </a:r>
-            <a:r>
-              <a:rPr lang="en-US" dirty="0"/>
-              <a:t>Christian </a:t>
-            </a:r>
-            <a:r>
-              <a:rPr lang="en-US" dirty="0" err="1"/>
-              <a:t>Szegedy</a:t>
-            </a:r>
-            <a:r>
-              <a:rPr lang="en-US" dirty="0"/>
-              <a:t>, Vincent </a:t>
-            </a:r>
-            <a:r>
-              <a:rPr lang="en-US" dirty="0" err="1"/>
-              <a:t>Vanhoucke</a:t>
-            </a:r>
-            <a:r>
-              <a:rPr lang="en-US" dirty="0"/>
-              <a:t> et al. Rethinking the Inception Architecture for Computer Vision, 2015, </a:t>
-            </a:r>
-            <a:r>
-              <a:rPr lang="en-US" dirty="0" smtClean="0">
-                <a:hlinkClick r:id="rId4"/>
+              <a:t>ISBN</a:t>
+            </a:r>
+            <a:r>
+              <a:rPr lang="en-US" dirty="0"/>
+              <a:t> </a:t>
+            </a:r>
+            <a:r>
+              <a:rPr lang="en-US" dirty="0">
+                <a:hlinkClick r:id="rId4" tooltip="Special:BookSources/3-89319-554-8"/>
               </a:rPr>
-              <a:t>arXiv</a:t>
-            </a:r>
+              <a:t>3-89319-554-8</a:t>
+            </a:r>
+            <a:r>
+              <a:rPr lang="en-US" dirty="0"/>
+              <a:t>.</a:t>
+            </a:r>
+            <a:endParaRPr kumimoji="1" lang="en-US" altLang="ja-JP" baseline="30000" dirty="0" smtClean="0"/>
+          </a:p>
+          <a:p>
+            <a:pPr marL="0" indent="0">
+              <a:buNone/>
+            </a:pPr>
             <a:endParaRPr lang="en-US" altLang="ja-JP" baseline="30000" dirty="0" smtClean="0"/>
           </a:p>
           <a:p>
-            <a:r>
-              <a:rPr lang="en-US" altLang="ja-JP" baseline="30000" dirty="0" smtClean="0"/>
-              <a:t>[3]</a:t>
-            </a:r>
-            <a:r>
-              <a:rPr lang="en-US" altLang="ja-JP" dirty="0" smtClean="0"/>
-              <a:t> Christian </a:t>
-            </a:r>
-            <a:r>
-              <a:rPr lang="en-US" altLang="ja-JP" dirty="0" err="1" smtClean="0"/>
-              <a:t>Szegedy</a:t>
-            </a:r>
-            <a:r>
-              <a:rPr lang="en-US" altLang="ja-JP" dirty="0" smtClean="0"/>
-              <a:t>, Sergey </a:t>
-            </a:r>
-            <a:r>
-              <a:rPr lang="en-US" altLang="ja-JP" dirty="0" err="1" smtClean="0"/>
-              <a:t>Ioffe</a:t>
-            </a:r>
-            <a:r>
-              <a:rPr lang="en-US" altLang="ja-JP" dirty="0" smtClean="0"/>
-              <a:t> et al</a:t>
-            </a:r>
-            <a:r>
-              <a:rPr lang="en-US" altLang="ja-JP" dirty="0"/>
-              <a:t>. Inception-v4, Inception-</a:t>
-            </a:r>
-            <a:r>
-              <a:rPr lang="en-US" altLang="ja-JP" dirty="0" err="1"/>
-              <a:t>ResNet</a:t>
-            </a:r>
-            <a:r>
-              <a:rPr lang="en-US" altLang="ja-JP" dirty="0"/>
-              <a:t> and the Impact of Residual Connections on </a:t>
-            </a:r>
-            <a:r>
-              <a:rPr lang="en-US" altLang="ja-JP" dirty="0" smtClean="0"/>
-              <a:t>Learning, 2016, </a:t>
-            </a:r>
-            <a:r>
-              <a:rPr lang="en-US" altLang="ja-JP" dirty="0" smtClean="0">
-                <a:hlinkClick r:id="rId5"/>
-              </a:rPr>
-              <a:t>arXiv</a:t>
-            </a:r>
-            <a:endParaRPr lang="en-US" altLang="ja-JP" baseline="30000" dirty="0" smtClean="0"/>
-          </a:p>
-          <a:p>
-            <a:r>
-              <a:rPr kumimoji="1" lang="en-US" altLang="ja-JP" baseline="30000" dirty="0" smtClean="0"/>
-              <a:t>[4]</a:t>
-            </a:r>
-            <a:r>
-              <a:rPr lang="en-US" altLang="ja-JP" dirty="0"/>
-              <a:t> </a:t>
-            </a:r>
-            <a:r>
-              <a:rPr lang="en-US" altLang="ja-JP" dirty="0" smtClean="0"/>
-              <a:t>Diabetic </a:t>
-            </a:r>
-            <a:r>
-              <a:rPr lang="en-US" altLang="ja-JP" dirty="0"/>
-              <a:t>Retinopathy </a:t>
-            </a:r>
-            <a:r>
-              <a:rPr lang="en-US" altLang="ja-JP" dirty="0" smtClean="0"/>
-              <a:t>Detection dataset, 2015, </a:t>
-            </a:r>
-            <a:r>
-              <a:rPr kumimoji="1" lang="en-US" altLang="ja-JP" dirty="0" smtClean="0">
-                <a:hlinkClick r:id="rId6"/>
-              </a:rPr>
-              <a:t>Kaggle</a:t>
-            </a:r>
-            <a:endParaRPr kumimoji="1" lang="en-US" altLang="ja-JP" baseline="30000" dirty="0" smtClean="0"/>
+            <a:endParaRPr kumimoji="1" lang="ja-JP" altLang="en-US" dirty="0"/>
           </a:p>
         </p:txBody>
       </p:sp>
@@ -9107,7 +8961,7 @@
           <a:p>
             <a:fld id="{AAB39387-C149-4A87-BF4F-B3D7615E794A}" type="datetime1">
               <a:rPr kumimoji="1" lang="en-US" altLang="ja-JP" smtClean="0"/>
-              <a:t>11/22/2017</a:t>
+              <a:t>11/23/2017</a:t>
             </a:fld>
             <a:endParaRPr kumimoji="1" lang="ja-JP" altLang="en-US"/>
           </a:p>
@@ -9168,7 +9022,7 @@
     </p:spTree>
     <p:extLst>
       <p:ext uri="{BB962C8B-B14F-4D97-AF65-F5344CB8AC3E}">
-        <p14:creationId xmlns:p14="http://schemas.microsoft.com/office/powerpoint/2010/main" val="1360947424"/>
+        <p14:creationId xmlns:p14="http://schemas.microsoft.com/office/powerpoint/2010/main" val="2954656212"/>
       </p:ext>
     </p:extLst>
   </p:cSld>
@@ -9212,7 +9066,7 @@
           <a:p>
             <a:r>
               <a:rPr lang="en-US" altLang="ja-JP" dirty="0" err="1"/>
-              <a:t>Tài</a:t>
+              <a:t>Hỏi</a:t>
             </a:r>
             <a:r>
               <a:rPr lang="en-US" altLang="ja-JP" dirty="0"/>
@@ -9220,7 +9074,7 @@
             </a:r>
             <a:r>
               <a:rPr lang="en-US" altLang="ja-JP" dirty="0" err="1"/>
-              <a:t>liệu</a:t>
+              <a:t>và</a:t>
             </a:r>
             <a:r>
               <a:rPr lang="en-US" altLang="ja-JP" dirty="0"/>
@@ -9228,7 +9082,7 @@
             </a:r>
             <a:r>
               <a:rPr lang="en-US" altLang="ja-JP" dirty="0" err="1"/>
-              <a:t>tham</a:t>
+              <a:t>Trả</a:t>
             </a:r>
             <a:r>
               <a:rPr lang="en-US" altLang="ja-JP" dirty="0"/>
@@ -9236,7 +9090,7 @@
             </a:r>
             <a:r>
               <a:rPr lang="en-US" altLang="ja-JP" dirty="0" err="1"/>
-              <a:t>khảo</a:t>
+              <a:t>lời</a:t>
             </a:r>
             <a:endParaRPr kumimoji="1" lang="ja-JP" altLang="en-US" dirty="0"/>
           </a:p>
@@ -9257,86 +9111,6 @@
           <a:bodyPr/>
           <a:lstStyle/>
           <a:p>
-            <a:r>
-              <a:rPr lang="en-US" altLang="ja-JP" baseline="30000" dirty="0" smtClean="0"/>
-              <a:t>[5]</a:t>
-            </a:r>
-            <a:r>
-              <a:rPr lang="en-US" altLang="ja-JP" dirty="0" smtClean="0"/>
-              <a:t> </a:t>
-            </a:r>
-            <a:r>
-              <a:rPr lang="en-US" dirty="0"/>
-              <a:t>Rosenblatt F. The perceptron: A probabilistic model for information storage and organization in the brain. Psychological review. 1958 Nov;65(6):386.</a:t>
-            </a:r>
-            <a:endParaRPr lang="en-US" altLang="ja-JP" baseline="30000" dirty="0" smtClean="0"/>
-          </a:p>
-          <a:p>
-            <a:r>
-              <a:rPr kumimoji="1" lang="en-US" altLang="ja-JP" baseline="30000" dirty="0" smtClean="0"/>
-              <a:t>[6]</a:t>
-            </a:r>
-            <a:r>
-              <a:rPr lang="en-US" dirty="0"/>
-              <a:t> Zell, Andreas (1994). </a:t>
-            </a:r>
-            <a:r>
-              <a:rPr lang="en-US" i="1" dirty="0"/>
-              <a:t>Simulation </a:t>
-            </a:r>
-            <a:r>
-              <a:rPr lang="en-US" i="1" dirty="0" err="1"/>
-              <a:t>Neuronaler</a:t>
-            </a:r>
-            <a:r>
-              <a:rPr lang="en-US" i="1" dirty="0"/>
-              <a:t> </a:t>
-            </a:r>
-            <a:r>
-              <a:rPr lang="en-US" i="1" dirty="0" err="1"/>
-              <a:t>Netze</a:t>
-            </a:r>
-            <a:r>
-              <a:rPr lang="en-US" dirty="0"/>
-              <a:t> [</a:t>
-            </a:r>
-            <a:r>
-              <a:rPr lang="en-US" i="1" dirty="0"/>
-              <a:t>Simulation of Neural Networks</a:t>
-            </a:r>
-            <a:r>
-              <a:rPr lang="en-US" dirty="0"/>
-              <a:t>] (in German) (1st ed.). Addison-Wesley. p. 73. </a:t>
-            </a:r>
-            <a:r>
-              <a:rPr lang="en-US" dirty="0">
-                <a:hlinkClick r:id="rId3" tooltip="International Standard Book Number"/>
-              </a:rPr>
-              <a:t>ISBN</a:t>
-            </a:r>
-            <a:r>
-              <a:rPr lang="en-US" dirty="0"/>
-              <a:t> </a:t>
-            </a:r>
-            <a:r>
-              <a:rPr lang="en-US" dirty="0">
-                <a:hlinkClick r:id="rId4" tooltip="Special:BookSources/3-89319-554-8"/>
-              </a:rPr>
-              <a:t>3-89319-554-8</a:t>
-            </a:r>
-            <a:r>
-              <a:rPr lang="en-US" dirty="0"/>
-              <a:t>.</a:t>
-            </a:r>
-            <a:endParaRPr kumimoji="1" lang="en-US" altLang="ja-JP" baseline="30000" dirty="0" smtClean="0"/>
-          </a:p>
-          <a:p>
-            <a:pPr marL="0" indent="0">
-              <a:buNone/>
-            </a:pPr>
-            <a:endParaRPr lang="en-US" altLang="ja-JP" baseline="30000" dirty="0" smtClean="0"/>
-          </a:p>
-          <a:p>
             <a:endParaRPr kumimoji="1" lang="ja-JP" altLang="en-US" dirty="0"/>
           </a:p>
         </p:txBody>
@@ -9356,9 +9130,9 @@
           <a:bodyPr/>
           <a:lstStyle/>
           <a:p>
-            <a:fld id="{AAB39387-C149-4A87-BF4F-B3D7615E794A}" type="datetime1">
+            <a:fld id="{08005D9D-62EF-4746-8D1B-B40A5A9BDCBD}" type="datetime1">
               <a:rPr kumimoji="1" lang="en-US" altLang="ja-JP" smtClean="0"/>
-              <a:t>11/22/2017</a:t>
+              <a:t>11/23/2017</a:t>
             </a:fld>
             <a:endParaRPr kumimoji="1" lang="ja-JP" altLang="en-US"/>
           </a:p>
@@ -9419,7 +9193,7 @@
     </p:spTree>
     <p:extLst>
       <p:ext uri="{BB962C8B-B14F-4D97-AF65-F5344CB8AC3E}">
-        <p14:creationId xmlns:p14="http://schemas.microsoft.com/office/powerpoint/2010/main" val="2954656212"/>
+        <p14:creationId xmlns:p14="http://schemas.microsoft.com/office/powerpoint/2010/main" val="1990425585"/>
       </p:ext>
     </p:extLst>
   </p:cSld>
@@ -9463,7 +9237,7 @@
           <a:p>
             <a:r>
               <a:rPr lang="en-US" altLang="ja-JP" dirty="0" err="1"/>
-              <a:t>Hỏi</a:t>
+              <a:t>Phụ</a:t>
             </a:r>
             <a:r>
               <a:rPr lang="en-US" altLang="ja-JP" dirty="0"/>
@@ -9471,15 +9245,15 @@
             </a:r>
             <a:r>
               <a:rPr lang="en-US" altLang="ja-JP" dirty="0" err="1"/>
-              <a:t>và</a:t>
+              <a:t>lục</a:t>
             </a:r>
             <a:r>
               <a:rPr lang="en-US" altLang="ja-JP" dirty="0"/>
-              <a:t> </a:t>
+              <a:t> (</a:t>
             </a:r>
             <a:r>
               <a:rPr lang="en-US" altLang="ja-JP" dirty="0" err="1"/>
-              <a:t>Trả</a:t>
+              <a:t>nếu</a:t>
             </a:r>
             <a:r>
               <a:rPr lang="en-US" altLang="ja-JP" dirty="0"/>
@@ -9487,7 +9261,11 @@
             </a:r>
             <a:r>
               <a:rPr lang="en-US" altLang="ja-JP" dirty="0" err="1"/>
-              <a:t>lời</a:t>
+              <a:t>có</a:t>
+            </a:r>
+            <a:r>
+              <a:rPr lang="en-US" altLang="ja-JP" dirty="0"/>
+              <a:t>)</a:t>
             </a:r>
             <a:endParaRPr kumimoji="1" lang="ja-JP" altLang="en-US" dirty="0"/>
           </a:p>
@@ -9508,6 +9286,234 @@
           <a:bodyPr/>
           <a:lstStyle/>
           <a:p>
+            <a:r>
+              <a:rPr lang="en-US" altLang="ja-JP" dirty="0" err="1"/>
+              <a:t>Phần</a:t>
+            </a:r>
+            <a:r>
+              <a:rPr lang="en-US" altLang="ja-JP" dirty="0"/>
+              <a:t> </a:t>
+            </a:r>
+            <a:r>
+              <a:rPr lang="en-US" altLang="ja-JP" dirty="0" err="1"/>
+              <a:t>phụ</a:t>
+            </a:r>
+            <a:r>
+              <a:rPr lang="en-US" altLang="ja-JP" dirty="0"/>
+              <a:t> </a:t>
+            </a:r>
+            <a:r>
+              <a:rPr lang="en-US" altLang="ja-JP" dirty="0" err="1"/>
+              <a:t>lục</a:t>
+            </a:r>
+            <a:r>
+              <a:rPr lang="en-US" altLang="ja-JP" dirty="0"/>
+              <a:t> </a:t>
+            </a:r>
+            <a:r>
+              <a:rPr lang="en-US" altLang="ja-JP" dirty="0" err="1"/>
+              <a:t>này</a:t>
+            </a:r>
+            <a:r>
+              <a:rPr lang="en-US" altLang="ja-JP" dirty="0"/>
+              <a:t> </a:t>
+            </a:r>
+            <a:r>
+              <a:rPr lang="en-US" altLang="ja-JP" dirty="0" err="1"/>
+              <a:t>đặt</a:t>
+            </a:r>
+            <a:r>
+              <a:rPr lang="en-US" altLang="ja-JP" dirty="0"/>
+              <a:t> </a:t>
+            </a:r>
+            <a:r>
+              <a:rPr lang="en-US" altLang="ja-JP" dirty="0" err="1"/>
+              <a:t>những</a:t>
+            </a:r>
+            <a:r>
+              <a:rPr lang="en-US" altLang="ja-JP" dirty="0"/>
+              <a:t> </a:t>
+            </a:r>
+            <a:r>
+              <a:rPr lang="en-US" altLang="ja-JP" dirty="0" err="1"/>
+              <a:t>nội</a:t>
+            </a:r>
+            <a:r>
+              <a:rPr lang="en-US" altLang="ja-JP" dirty="0"/>
+              <a:t> dung </a:t>
+            </a:r>
+            <a:r>
+              <a:rPr lang="en-US" altLang="ja-JP" dirty="0" err="1"/>
+              <a:t>cần</a:t>
+            </a:r>
+            <a:r>
+              <a:rPr lang="en-US" altLang="ja-JP" dirty="0"/>
+              <a:t> </a:t>
+            </a:r>
+            <a:r>
+              <a:rPr lang="en-US" altLang="ja-JP" dirty="0" err="1"/>
+              <a:t>giải</a:t>
+            </a:r>
+            <a:r>
+              <a:rPr lang="en-US" altLang="ja-JP" dirty="0"/>
+              <a:t> </a:t>
+            </a:r>
+            <a:r>
+              <a:rPr lang="en-US" altLang="ja-JP" dirty="0" err="1"/>
+              <a:t>thích</a:t>
+            </a:r>
+            <a:r>
+              <a:rPr lang="en-US" altLang="ja-JP" dirty="0"/>
+              <a:t> chi </a:t>
+            </a:r>
+            <a:r>
+              <a:rPr lang="en-US" altLang="ja-JP" dirty="0" err="1"/>
+              <a:t>tiết</a:t>
+            </a:r>
+            <a:r>
+              <a:rPr lang="en-US" altLang="ja-JP" dirty="0"/>
+              <a:t> </a:t>
+            </a:r>
+            <a:r>
+              <a:rPr lang="en-US" altLang="ja-JP" dirty="0" err="1"/>
+              <a:t>cho</a:t>
+            </a:r>
+            <a:r>
+              <a:rPr lang="en-US" altLang="ja-JP" dirty="0"/>
+              <a:t> </a:t>
+            </a:r>
+            <a:r>
+              <a:rPr lang="en-US" altLang="ja-JP" dirty="0" err="1"/>
+              <a:t>các</a:t>
+            </a:r>
+            <a:r>
+              <a:rPr lang="en-US" altLang="ja-JP" dirty="0"/>
+              <a:t> Slide </a:t>
+            </a:r>
+            <a:r>
+              <a:rPr lang="en-US" altLang="ja-JP" dirty="0" err="1"/>
+              <a:t>trong</a:t>
+            </a:r>
+            <a:r>
+              <a:rPr lang="en-US" altLang="ja-JP" dirty="0"/>
+              <a:t> </a:t>
+            </a:r>
+            <a:r>
+              <a:rPr lang="en-US" altLang="ja-JP" dirty="0" err="1"/>
+              <a:t>phần</a:t>
+            </a:r>
+            <a:r>
+              <a:rPr lang="en-US" altLang="ja-JP" dirty="0"/>
+              <a:t> </a:t>
+            </a:r>
+            <a:r>
+              <a:rPr lang="en-US" altLang="ja-JP" dirty="0" err="1"/>
+              <a:t>báo</a:t>
+            </a:r>
+            <a:r>
+              <a:rPr lang="en-US" altLang="ja-JP" dirty="0"/>
+              <a:t> </a:t>
+            </a:r>
+            <a:r>
+              <a:rPr lang="en-US" altLang="ja-JP" dirty="0" err="1"/>
+              <a:t>cáo</a:t>
+            </a:r>
+            <a:r>
+              <a:rPr lang="en-US" altLang="ja-JP" dirty="0"/>
+              <a:t> </a:t>
+            </a:r>
+            <a:r>
+              <a:rPr lang="en-US" altLang="ja-JP" dirty="0" err="1"/>
+              <a:t>chính</a:t>
+            </a:r>
+            <a:r>
+              <a:rPr lang="en-US" altLang="ja-JP" dirty="0"/>
+              <a:t> </a:t>
+            </a:r>
+            <a:r>
+              <a:rPr lang="en-US" altLang="ja-JP" dirty="0" err="1"/>
+              <a:t>trong</a:t>
+            </a:r>
+            <a:r>
+              <a:rPr lang="en-US" altLang="ja-JP" dirty="0"/>
+              <a:t> </a:t>
+            </a:r>
+            <a:r>
+              <a:rPr lang="en-US" altLang="ja-JP" dirty="0" err="1"/>
+              <a:t>trường</a:t>
+            </a:r>
+            <a:r>
+              <a:rPr lang="en-US" altLang="ja-JP" dirty="0"/>
+              <a:t> </a:t>
+            </a:r>
+            <a:r>
+              <a:rPr lang="en-US" altLang="ja-JP" dirty="0" err="1"/>
+              <a:t>hợp</a:t>
+            </a:r>
+            <a:r>
+              <a:rPr lang="en-US" altLang="ja-JP" dirty="0"/>
+              <a:t> </a:t>
+            </a:r>
+            <a:r>
+              <a:rPr lang="en-US" altLang="ja-JP" dirty="0" err="1"/>
+              <a:t>giải</a:t>
+            </a:r>
+            <a:r>
+              <a:rPr lang="en-US" altLang="ja-JP" dirty="0"/>
+              <a:t> </a:t>
+            </a:r>
+            <a:r>
+              <a:rPr lang="en-US" altLang="ja-JP" dirty="0" err="1"/>
+              <a:t>thích</a:t>
+            </a:r>
+            <a:r>
+              <a:rPr lang="en-US" altLang="ja-JP" dirty="0"/>
+              <a:t> </a:t>
+            </a:r>
+            <a:r>
+              <a:rPr lang="en-US" altLang="ja-JP" dirty="0" err="1"/>
+              <a:t>các</a:t>
+            </a:r>
+            <a:r>
+              <a:rPr lang="en-US" altLang="ja-JP" dirty="0"/>
+              <a:t> </a:t>
+            </a:r>
+            <a:r>
+              <a:rPr lang="en-US" altLang="ja-JP" dirty="0" err="1"/>
+              <a:t>câu</a:t>
+            </a:r>
+            <a:r>
+              <a:rPr lang="en-US" altLang="ja-JP" dirty="0"/>
+              <a:t> </a:t>
+            </a:r>
+            <a:r>
+              <a:rPr lang="en-US" altLang="ja-JP" dirty="0" err="1"/>
+              <a:t>hỏi</a:t>
+            </a:r>
+            <a:r>
+              <a:rPr lang="en-US" altLang="ja-JP" dirty="0"/>
+              <a:t> </a:t>
+            </a:r>
+            <a:r>
+              <a:rPr lang="en-US" altLang="ja-JP" dirty="0" err="1"/>
+              <a:t>từ</a:t>
+            </a:r>
+            <a:r>
+              <a:rPr lang="en-US" altLang="ja-JP" dirty="0"/>
+              <a:t> </a:t>
+            </a:r>
+            <a:r>
+              <a:rPr lang="en-US" altLang="ja-JP" dirty="0" err="1"/>
+              <a:t>người</a:t>
+            </a:r>
+            <a:r>
+              <a:rPr lang="en-US" altLang="ja-JP" dirty="0"/>
+              <a:t> </a:t>
+            </a:r>
+            <a:r>
+              <a:rPr lang="en-US" altLang="ja-JP" dirty="0" err="1"/>
+              <a:t>nghe</a:t>
+            </a:r>
             <a:endParaRPr kumimoji="1" lang="ja-JP" altLang="en-US" dirty="0"/>
           </a:p>
         </p:txBody>
@@ -9529,7 +9535,7 @@
           <a:p>
             <a:fld id="{08005D9D-62EF-4746-8D1B-B40A5A9BDCBD}" type="datetime1">
               <a:rPr kumimoji="1" lang="en-US" altLang="ja-JP" smtClean="0"/>
-              <a:t>11/22/2017</a:t>
+              <a:t>11/23/2017</a:t>
             </a:fld>
             <a:endParaRPr kumimoji="1" lang="ja-JP" altLang="en-US"/>
           </a:p>
@@ -9582,409 +9588,6 @@
               <a:rPr kumimoji="1" lang="ja-JP" altLang="en-US" smtClean="0"/>
               <a:pPr/>
               <a:t>16</a:t>
-            </a:fld>
-            <a:endParaRPr kumimoji="1" lang="ja-JP" altLang="en-US"/>
-          </a:p>
-        </p:txBody>
-      </p:sp>
-    </p:spTree>
-    <p:extLst>
-      <p:ext uri="{BB962C8B-B14F-4D97-AF65-F5344CB8AC3E}">
-        <p14:creationId xmlns:p14="http://schemas.microsoft.com/office/powerpoint/2010/main" val="1990425585"/>
-      </p:ext>
-    </p:extLst>
-  </p:cSld>
-  <p:clrMapOvr>
-    <a:masterClrMapping/>
-  </p:clrMapOvr>
-</p:sld>
-</file>
-
-<file path=ppt/slides/slide17.xml><?xml version="1.0" encoding="utf-8"?>
-<p:sld xmlns:a="http://schemas.openxmlformats.org/drawingml/2006/main" xmlns:r="http://schemas.openxmlformats.org/officeDocument/2006/relationships" xmlns:p="http://schemas.openxmlformats.org/presentationml/2006/main">
-  <p:cSld>
-    <p:spTree>
-      <p:nvGrpSpPr>
-        <p:cNvPr id="1" name=""/>
-        <p:cNvGrpSpPr/>
-        <p:nvPr/>
-      </p:nvGrpSpPr>
-      <p:grpSpPr>
-        <a:xfrm>
-          <a:off x="0" y="0"/>
-          <a:ext cx="0" cy="0"/>
-          <a:chOff x="0" y="0"/>
-          <a:chExt cx="0" cy="0"/>
-        </a:xfrm>
-      </p:grpSpPr>
-      <p:sp>
-        <p:nvSpPr>
-          <p:cNvPr id="2" name="タイトル 1"/>
-          <p:cNvSpPr>
-            <a:spLocks noGrp="1"/>
-          </p:cNvSpPr>
-          <p:nvPr>
-            <p:ph type="title"/>
-          </p:nvPr>
-        </p:nvSpPr>
-        <p:spPr/>
-        <p:txBody>
-          <a:bodyPr/>
-          <a:lstStyle/>
-          <a:p>
-            <a:r>
-              <a:rPr lang="en-US" altLang="ja-JP" dirty="0" err="1"/>
-              <a:t>Phụ</a:t>
-            </a:r>
-            <a:r>
-              <a:rPr lang="en-US" altLang="ja-JP" dirty="0"/>
-              <a:t> </a:t>
-            </a:r>
-            <a:r>
-              <a:rPr lang="en-US" altLang="ja-JP" dirty="0" err="1"/>
-              <a:t>lục</a:t>
-            </a:r>
-            <a:r>
-              <a:rPr lang="en-US" altLang="ja-JP" dirty="0"/>
-              <a:t> (</a:t>
-            </a:r>
-            <a:r>
-              <a:rPr lang="en-US" altLang="ja-JP" dirty="0" err="1"/>
-              <a:t>nếu</a:t>
-            </a:r>
-            <a:r>
-              <a:rPr lang="en-US" altLang="ja-JP" dirty="0"/>
-              <a:t> </a:t>
-            </a:r>
-            <a:r>
-              <a:rPr lang="en-US" altLang="ja-JP" dirty="0" err="1"/>
-              <a:t>có</a:t>
-            </a:r>
-            <a:r>
-              <a:rPr lang="en-US" altLang="ja-JP" dirty="0"/>
-              <a:t>)</a:t>
-            </a:r>
-            <a:endParaRPr kumimoji="1" lang="ja-JP" altLang="en-US" dirty="0"/>
-          </a:p>
-        </p:txBody>
-      </p:sp>
-      <p:sp>
-        <p:nvSpPr>
-          <p:cNvPr id="3" name="コンテンツ プレースホルダ 2"/>
-          <p:cNvSpPr>
-            <a:spLocks noGrp="1"/>
-          </p:cNvSpPr>
-          <p:nvPr>
-            <p:ph idx="1"/>
-          </p:nvPr>
-        </p:nvSpPr>
-        <p:spPr/>
-        <p:txBody>
-          <a:bodyPr/>
-          <a:lstStyle/>
-          <a:p>
-            <a:r>
-              <a:rPr lang="en-US" altLang="ja-JP" dirty="0" err="1"/>
-              <a:t>Phần</a:t>
-            </a:r>
-            <a:r>
-              <a:rPr lang="en-US" altLang="ja-JP" dirty="0"/>
-              <a:t> </a:t>
-            </a:r>
-            <a:r>
-              <a:rPr lang="en-US" altLang="ja-JP" dirty="0" err="1"/>
-              <a:t>phụ</a:t>
-            </a:r>
-            <a:r>
-              <a:rPr lang="en-US" altLang="ja-JP" dirty="0"/>
-              <a:t> </a:t>
-            </a:r>
-            <a:r>
-              <a:rPr lang="en-US" altLang="ja-JP" dirty="0" err="1"/>
-              <a:t>lục</a:t>
-            </a:r>
-            <a:r>
-              <a:rPr lang="en-US" altLang="ja-JP" dirty="0"/>
-              <a:t> </a:t>
-            </a:r>
-            <a:r>
-              <a:rPr lang="en-US" altLang="ja-JP" dirty="0" err="1"/>
-              <a:t>này</a:t>
-            </a:r>
-            <a:r>
-              <a:rPr lang="en-US" altLang="ja-JP" dirty="0"/>
-              <a:t> </a:t>
-            </a:r>
-            <a:r>
-              <a:rPr lang="en-US" altLang="ja-JP" dirty="0" err="1"/>
-              <a:t>đặt</a:t>
-            </a:r>
-            <a:r>
-              <a:rPr lang="en-US" altLang="ja-JP" dirty="0"/>
-              <a:t> </a:t>
-            </a:r>
-            <a:r>
-              <a:rPr lang="en-US" altLang="ja-JP" dirty="0" err="1"/>
-              <a:t>những</a:t>
-            </a:r>
-            <a:r>
-              <a:rPr lang="en-US" altLang="ja-JP" dirty="0"/>
-              <a:t> </a:t>
-            </a:r>
-            <a:r>
-              <a:rPr lang="en-US" altLang="ja-JP" dirty="0" err="1"/>
-              <a:t>nội</a:t>
-            </a:r>
-            <a:r>
-              <a:rPr lang="en-US" altLang="ja-JP" dirty="0"/>
-              <a:t> dung </a:t>
-            </a:r>
-            <a:r>
-              <a:rPr lang="en-US" altLang="ja-JP" dirty="0" err="1"/>
-              <a:t>cần</a:t>
-            </a:r>
-            <a:r>
-              <a:rPr lang="en-US" altLang="ja-JP" dirty="0"/>
-              <a:t> </a:t>
-            </a:r>
-            <a:r>
-              <a:rPr lang="en-US" altLang="ja-JP" dirty="0" err="1"/>
-              <a:t>giải</a:t>
-            </a:r>
-            <a:r>
-              <a:rPr lang="en-US" altLang="ja-JP" dirty="0"/>
-              <a:t> </a:t>
-            </a:r>
-            <a:r>
-              <a:rPr lang="en-US" altLang="ja-JP" dirty="0" err="1"/>
-              <a:t>thích</a:t>
-            </a:r>
-            <a:r>
-              <a:rPr lang="en-US" altLang="ja-JP" dirty="0"/>
-              <a:t> chi </a:t>
-            </a:r>
-            <a:r>
-              <a:rPr lang="en-US" altLang="ja-JP" dirty="0" err="1"/>
-              <a:t>tiết</a:t>
-            </a:r>
-            <a:r>
-              <a:rPr lang="en-US" altLang="ja-JP" dirty="0"/>
-              <a:t> </a:t>
-            </a:r>
-            <a:r>
-              <a:rPr lang="en-US" altLang="ja-JP" dirty="0" err="1"/>
-              <a:t>cho</a:t>
-            </a:r>
-            <a:r>
-              <a:rPr lang="en-US" altLang="ja-JP" dirty="0"/>
-              <a:t> </a:t>
-            </a:r>
-            <a:r>
-              <a:rPr lang="en-US" altLang="ja-JP" dirty="0" err="1"/>
-              <a:t>các</a:t>
-            </a:r>
-            <a:r>
-              <a:rPr lang="en-US" altLang="ja-JP" dirty="0"/>
-              <a:t> Slide </a:t>
-            </a:r>
-            <a:r>
-              <a:rPr lang="en-US" altLang="ja-JP" dirty="0" err="1"/>
-              <a:t>trong</a:t>
-            </a:r>
-            <a:r>
-              <a:rPr lang="en-US" altLang="ja-JP" dirty="0"/>
-              <a:t> </a:t>
-            </a:r>
-            <a:r>
-              <a:rPr lang="en-US" altLang="ja-JP" dirty="0" err="1"/>
-              <a:t>phần</a:t>
-            </a:r>
-            <a:r>
-              <a:rPr lang="en-US" altLang="ja-JP" dirty="0"/>
-              <a:t> </a:t>
-            </a:r>
-            <a:r>
-              <a:rPr lang="en-US" altLang="ja-JP" dirty="0" err="1"/>
-              <a:t>báo</a:t>
-            </a:r>
-            <a:r>
-              <a:rPr lang="en-US" altLang="ja-JP" dirty="0"/>
-              <a:t> </a:t>
-            </a:r>
-            <a:r>
-              <a:rPr lang="en-US" altLang="ja-JP" dirty="0" err="1"/>
-              <a:t>cáo</a:t>
-            </a:r>
-            <a:r>
-              <a:rPr lang="en-US" altLang="ja-JP" dirty="0"/>
-              <a:t> </a:t>
-            </a:r>
-            <a:r>
-              <a:rPr lang="en-US" altLang="ja-JP" dirty="0" err="1"/>
-              <a:t>chính</a:t>
-            </a:r>
-            <a:r>
-              <a:rPr lang="en-US" altLang="ja-JP" dirty="0"/>
-              <a:t> </a:t>
-            </a:r>
-            <a:r>
-              <a:rPr lang="en-US" altLang="ja-JP" dirty="0" err="1"/>
-              <a:t>trong</a:t>
-            </a:r>
-            <a:r>
-              <a:rPr lang="en-US" altLang="ja-JP" dirty="0"/>
-              <a:t> </a:t>
-            </a:r>
-            <a:r>
-              <a:rPr lang="en-US" altLang="ja-JP" dirty="0" err="1"/>
-              <a:t>trường</a:t>
-            </a:r>
-            <a:r>
-              <a:rPr lang="en-US" altLang="ja-JP" dirty="0"/>
-              <a:t> </a:t>
-            </a:r>
-            <a:r>
-              <a:rPr lang="en-US" altLang="ja-JP" dirty="0" err="1"/>
-              <a:t>hợp</a:t>
-            </a:r>
-            <a:r>
-              <a:rPr lang="en-US" altLang="ja-JP" dirty="0"/>
-              <a:t> </a:t>
-            </a:r>
-            <a:r>
-              <a:rPr lang="en-US" altLang="ja-JP" dirty="0" err="1"/>
-              <a:t>giải</a:t>
-            </a:r>
-            <a:r>
-              <a:rPr lang="en-US" altLang="ja-JP" dirty="0"/>
-              <a:t> </a:t>
-            </a:r>
-            <a:r>
-              <a:rPr lang="en-US" altLang="ja-JP" dirty="0" err="1"/>
-              <a:t>thích</a:t>
-            </a:r>
-            <a:r>
-              <a:rPr lang="en-US" altLang="ja-JP" dirty="0"/>
-              <a:t> </a:t>
-            </a:r>
-            <a:r>
-              <a:rPr lang="en-US" altLang="ja-JP" dirty="0" err="1"/>
-              <a:t>các</a:t>
-            </a:r>
-            <a:r>
-              <a:rPr lang="en-US" altLang="ja-JP" dirty="0"/>
-              <a:t> </a:t>
-            </a:r>
-            <a:r>
-              <a:rPr lang="en-US" altLang="ja-JP" dirty="0" err="1"/>
-              <a:t>câu</a:t>
-            </a:r>
-            <a:r>
-              <a:rPr lang="en-US" altLang="ja-JP" dirty="0"/>
-              <a:t> </a:t>
-            </a:r>
-            <a:r>
-              <a:rPr lang="en-US" altLang="ja-JP" dirty="0" err="1"/>
-              <a:t>hỏi</a:t>
-            </a:r>
-            <a:r>
-              <a:rPr lang="en-US" altLang="ja-JP" dirty="0"/>
-              <a:t> </a:t>
-            </a:r>
-            <a:r>
-              <a:rPr lang="en-US" altLang="ja-JP" dirty="0" err="1"/>
-              <a:t>từ</a:t>
-            </a:r>
-            <a:r>
-              <a:rPr lang="en-US" altLang="ja-JP" dirty="0"/>
-              <a:t> </a:t>
-            </a:r>
-            <a:r>
-              <a:rPr lang="en-US" altLang="ja-JP" dirty="0" err="1"/>
-              <a:t>người</a:t>
-            </a:r>
-            <a:r>
-              <a:rPr lang="en-US" altLang="ja-JP" dirty="0"/>
-              <a:t> </a:t>
-            </a:r>
-            <a:r>
-              <a:rPr lang="en-US" altLang="ja-JP" dirty="0" err="1"/>
-              <a:t>nghe</a:t>
-            </a:r>
-            <a:endParaRPr kumimoji="1" lang="ja-JP" altLang="en-US" dirty="0"/>
-          </a:p>
-        </p:txBody>
-      </p:sp>
-      <p:sp>
-        <p:nvSpPr>
-          <p:cNvPr id="4" name="日付プレースホルダ 3"/>
-          <p:cNvSpPr>
-            <a:spLocks noGrp="1"/>
-          </p:cNvSpPr>
-          <p:nvPr>
-            <p:ph type="dt" sz="half" idx="10"/>
-          </p:nvPr>
-        </p:nvSpPr>
-        <p:spPr/>
-        <p:txBody>
-          <a:bodyPr/>
-          <a:lstStyle/>
-          <a:p>
-            <a:fld id="{08005D9D-62EF-4746-8D1B-B40A5A9BDCBD}" type="datetime1">
-              <a:rPr kumimoji="1" lang="en-US" altLang="ja-JP" smtClean="0"/>
-              <a:t>11/22/2017</a:t>
-            </a:fld>
-            <a:endParaRPr kumimoji="1" lang="ja-JP" altLang="en-US"/>
-          </a:p>
-        </p:txBody>
-      </p:sp>
-      <p:sp>
-        <p:nvSpPr>
-          <p:cNvPr id="5" name="フッター プレースホルダ 4"/>
-          <p:cNvSpPr>
-            <a:spLocks noGrp="1"/>
-          </p:cNvSpPr>
-          <p:nvPr>
-            <p:ph type="ftr" sz="quarter" idx="11"/>
-          </p:nvPr>
-        </p:nvSpPr>
-        <p:spPr>
-          <a:xfrm>
-            <a:off x="1762101" y="6524625"/>
-            <a:ext cx="5618212" cy="288925"/>
-          </a:xfrm>
-        </p:spPr>
-        <p:txBody>
-          <a:bodyPr/>
-          <a:lstStyle/>
-          <a:p>
-            <a:r>
-              <a:rPr kumimoji="1" lang="en-US" altLang="ja-JP"/>
-              <a:t>Copyrights 2016 UIT-Khoa KTMT . All Rights Reserved.</a:t>
-            </a:r>
-            <a:endParaRPr kumimoji="1" lang="ja-JP" altLang="en-US" dirty="0"/>
-          </a:p>
-        </p:txBody>
-      </p:sp>
-      <p:sp>
-        <p:nvSpPr>
-          <p:cNvPr id="6" name="スライド番号プレースホルダ 5"/>
-          <p:cNvSpPr>
-            <a:spLocks noGrp="1"/>
-          </p:cNvSpPr>
-          <p:nvPr>
-            <p:ph type="sldNum" sz="quarter" idx="12"/>
-          </p:nvPr>
-        </p:nvSpPr>
-        <p:spPr/>
-        <p:txBody>
-          <a:bodyPr/>
-          <a:lstStyle/>
-          <a:p>
-            <a:fld id="{800C8475-47C1-49C9-BEE5-594F8CF4D71F}" type="slidenum">
-              <a:rPr kumimoji="1" lang="ja-JP" altLang="en-US" smtClean="0"/>
-              <a:pPr/>
-              <a:t>17</a:t>
             </a:fld>
             <a:endParaRPr kumimoji="1" lang="ja-JP" altLang="en-US"/>
           </a:p>
@@ -10267,7 +9870,7 @@
           <a:p>
             <a:fld id="{0DB942B6-B4D9-4495-B974-EBCB4AFDE5F6}" type="datetime1">
               <a:rPr kumimoji="1" lang="en-US" altLang="ja-JP" smtClean="0"/>
-              <a:t>11/22/2017</a:t>
+              <a:t>11/23/2017</a:t>
             </a:fld>
             <a:endParaRPr kumimoji="1" lang="ja-JP" altLang="en-US"/>
           </a:p>
@@ -11424,7 +11027,7 @@
           <a:p>
             <a:fld id="{B6AFDA5B-177A-4B3A-AA1F-6527474C0159}" type="datetime1">
               <a:rPr kumimoji="1" lang="en-US" altLang="ja-JP" smtClean="0"/>
-              <a:t>11/22/2017</a:t>
+              <a:t>11/23/2017</a:t>
             </a:fld>
             <a:endParaRPr kumimoji="1" lang="ja-JP" altLang="en-US"/>
           </a:p>
@@ -12336,7 +11939,7 @@
           <a:p>
             <a:fld id="{B6AFDA5B-177A-4B3A-AA1F-6527474C0159}" type="datetime1">
               <a:rPr kumimoji="1" lang="en-US" altLang="ja-JP" smtClean="0"/>
-              <a:t>11/22/2017</a:t>
+              <a:t>11/23/2017</a:t>
             </a:fld>
             <a:endParaRPr kumimoji="1" lang="ja-JP" altLang="en-US"/>
           </a:p>
@@ -12576,7 +12179,7 @@
           <a:p>
             <a:fld id="{2EA8B268-5139-4E23-9EFA-DCDBB496E24C}" type="datetime1">
               <a:rPr kumimoji="1" lang="en-US" altLang="ja-JP" smtClean="0"/>
-              <a:t>11/22/2017</a:t>
+              <a:t>11/23/2017</a:t>
             </a:fld>
             <a:endParaRPr kumimoji="1" lang="ja-JP" altLang="en-US"/>
           </a:p>
@@ -13463,7 +13066,7 @@
           <a:p>
             <a:fld id="{0DB942B6-B4D9-4495-B974-EBCB4AFDE5F6}" type="datetime1">
               <a:rPr kumimoji="1" lang="en-US" altLang="ja-JP" smtClean="0"/>
-              <a:t>11/22/2017</a:t>
+              <a:t>11/23/2017</a:t>
             </a:fld>
             <a:endParaRPr kumimoji="1" lang="ja-JP" altLang="en-US"/>
           </a:p>
@@ -14048,7 +13651,7 @@
           <a:p>
             <a:fld id="{0DB942B6-B4D9-4495-B974-EBCB4AFDE5F6}" type="datetime1">
               <a:rPr kumimoji="1" lang="en-US" altLang="ja-JP" smtClean="0"/>
-              <a:t>11/22/2017</a:t>
+              <a:t>11/23/2017</a:t>
             </a:fld>
             <a:endParaRPr kumimoji="1" lang="ja-JP" altLang="en-US"/>
           </a:p>
@@ -14920,7 +14523,7 @@
           <a:p>
             <a:fld id="{0DB942B6-B4D9-4495-B974-EBCB4AFDE5F6}" type="datetime1">
               <a:rPr kumimoji="1" lang="en-US" altLang="ja-JP" smtClean="0"/>
-              <a:t>11/22/2017</a:t>
+              <a:t>11/23/2017</a:t>
             </a:fld>
             <a:endParaRPr kumimoji="1" lang="ja-JP" altLang="en-US"/>
           </a:p>
@@ -15712,7 +15315,7 @@
           <a:p>
             <a:fld id="{0DB942B6-B4D9-4495-B974-EBCB4AFDE5F6}" type="datetime1">
               <a:rPr kumimoji="1" lang="en-US" altLang="ja-JP" smtClean="0"/>
-              <a:t>11/22/2017</a:t>
+              <a:t>11/23/2017</a:t>
             </a:fld>
             <a:endParaRPr kumimoji="1" lang="ja-JP" altLang="en-US"/>
           </a:p>

--- a/paper/Mau_BaoCao_LVTN_Trinhbay.pptx
+++ b/paper/Mau_BaoCao_LVTN_Trinhbay.pptx
@@ -5,10 +5,10 @@
     <p:sldMasterId id="2147483660" r:id="rId1"/>
   </p:sldMasterIdLst>
   <p:notesMasterIdLst>
-    <p:notesMasterId r:id="rId18"/>
+    <p:notesMasterId r:id="rId19"/>
   </p:notesMasterIdLst>
   <p:handoutMasterIdLst>
-    <p:handoutMasterId r:id="rId19"/>
+    <p:handoutMasterId r:id="rId20"/>
   </p:handoutMasterIdLst>
   <p:sldIdLst>
     <p:sldId id="262" r:id="rId2"/>
@@ -22,11 +22,12 @@
     <p:sldId id="306" r:id="rId10"/>
     <p:sldId id="308" r:id="rId11"/>
     <p:sldId id="288" r:id="rId12"/>
-    <p:sldId id="297" r:id="rId13"/>
-    <p:sldId id="291" r:id="rId14"/>
-    <p:sldId id="309" r:id="rId15"/>
-    <p:sldId id="292" r:id="rId16"/>
-    <p:sldId id="303" r:id="rId17"/>
+    <p:sldId id="310" r:id="rId13"/>
+    <p:sldId id="297" r:id="rId14"/>
+    <p:sldId id="291" r:id="rId15"/>
+    <p:sldId id="309" r:id="rId16"/>
+    <p:sldId id="292" r:id="rId17"/>
+    <p:sldId id="303" r:id="rId18"/>
   </p:sldIdLst>
   <p:sldSz cx="9144000" cy="6858000" type="screen4x3"/>
   <p:notesSz cx="6858000" cy="9144000"/>
@@ -141,6 +142,7 @@
             <p14:sldId id="306"/>
             <p14:sldId id="308"/>
             <p14:sldId id="288"/>
+            <p14:sldId id="310"/>
             <p14:sldId id="297"/>
             <p14:sldId id="291"/>
             <p14:sldId id="309"/>
@@ -4288,7 +4290,7 @@
             <a:fld id="{269D7235-7D46-4FEA-A007-68D1C591E286}" type="slidenum">
               <a:rPr kumimoji="1" lang="ja-JP" altLang="en-US" smtClean="0"/>
               <a:pPr/>
-              <a:t>13</a:t>
+              <a:t>14</a:t>
             </a:fld>
             <a:endParaRPr kumimoji="1" lang="ja-JP" altLang="en-US"/>
           </a:p>
@@ -4370,7 +4372,7 @@
             <a:fld id="{269D7235-7D46-4FEA-A007-68D1C591E286}" type="slidenum">
               <a:rPr kumimoji="1" lang="ja-JP" altLang="en-US" smtClean="0"/>
               <a:pPr/>
-              <a:t>14</a:t>
+              <a:t>15</a:t>
             </a:fld>
             <a:endParaRPr kumimoji="1" lang="ja-JP" altLang="en-US"/>
           </a:p>
@@ -7773,7 +7775,7 @@
             </a:r>
             <a:r>
               <a:rPr lang="en-US" altLang="ja-JP" dirty="0" err="1"/>
-              <a:t>luận</a:t>
+              <a:t>quả</a:t>
             </a:r>
             <a:r>
               <a:rPr lang="en-US" altLang="ja-JP" dirty="0"/>
@@ -7781,7 +7783,7 @@
             </a:r>
             <a:r>
               <a:rPr lang="en-US" altLang="ja-JP" dirty="0" err="1"/>
-              <a:t>và</a:t>
+              <a:t>của</a:t>
             </a:r>
             <a:r>
               <a:rPr lang="en-US" altLang="ja-JP" dirty="0"/>
@@ -7789,7 +7791,7 @@
             </a:r>
             <a:r>
               <a:rPr lang="en-US" altLang="ja-JP" dirty="0" err="1"/>
-              <a:t>hướng</a:t>
+              <a:t>giải</a:t>
             </a:r>
             <a:r>
               <a:rPr lang="en-US" altLang="ja-JP" dirty="0"/>
@@ -7797,15 +7799,7 @@
             </a:r>
             <a:r>
               <a:rPr lang="en-US" altLang="ja-JP" dirty="0" err="1"/>
-              <a:t>phát</a:t>
-            </a:r>
-            <a:r>
-              <a:rPr lang="en-US" altLang="ja-JP" dirty="0"/>
-              <a:t> </a:t>
-            </a:r>
-            <a:r>
-              <a:rPr lang="en-US" altLang="ja-JP" dirty="0" err="1"/>
-              <a:t>triển</a:t>
+              <a:t>pháp</a:t>
             </a:r>
             <a:r>
               <a:rPr lang="en-US" altLang="ja-JP" dirty="0"/>
@@ -7821,7 +7815,7 @@
             </a:r>
             <a:r>
               <a:rPr lang="en-US" altLang="ja-JP" dirty="0" err="1"/>
-              <a:t>tài</a:t>
+              <a:t>xuất</a:t>
             </a:r>
             <a:endParaRPr kumimoji="1" lang="ja-JP" altLang="en-US" dirty="0"/>
           </a:p>
@@ -7851,80 +7845,110 @@
               <a:t> </a:t>
             </a:r>
             <a:r>
-              <a:rPr kumimoji="1" lang="en-US" altLang="ja-JP" dirty="0" err="1"/>
-              <a:t>luận</a:t>
-            </a:r>
-            <a:endParaRPr kumimoji="1" lang="en-US" altLang="ja-JP" dirty="0"/>
+              <a:rPr kumimoji="1" lang="en-US" altLang="ja-JP" dirty="0" err="1" smtClean="0"/>
+              <a:t>quả</a:t>
+            </a:r>
+            <a:r>
+              <a:rPr kumimoji="1" lang="en-US" altLang="ja-JP" dirty="0" smtClean="0"/>
+              <a:t>:</a:t>
+            </a:r>
           </a:p>
           <a:p>
             <a:pPr lvl="1"/>
             <a:r>
               <a:rPr lang="en-US" altLang="ja-JP" dirty="0" err="1" smtClean="0"/>
-              <a:t>Hệ</a:t>
-            </a:r>
-            <a:r>
-              <a:rPr lang="en-US" altLang="ja-JP" dirty="0" smtClean="0"/>
-              <a:t> </a:t>
-            </a:r>
-            <a:r>
-              <a:rPr lang="en-US" altLang="ja-JP" dirty="0" err="1" smtClean="0"/>
-              <a:t>thống</a:t>
-            </a:r>
-            <a:r>
-              <a:rPr lang="en-US" altLang="ja-JP" dirty="0" smtClean="0"/>
-              <a:t> </a:t>
-            </a:r>
-            <a:r>
-              <a:rPr lang="en-US" altLang="ja-JP" dirty="0" err="1" smtClean="0"/>
-              <a:t>vẫn</a:t>
-            </a:r>
-            <a:r>
-              <a:rPr lang="en-US" altLang="ja-JP" dirty="0" smtClean="0"/>
-              <a:t> </a:t>
-            </a:r>
-            <a:r>
-              <a:rPr lang="en-US" altLang="ja-JP" dirty="0" err="1" smtClean="0"/>
-              <a:t>còn</a:t>
-            </a:r>
-            <a:r>
-              <a:rPr lang="en-US" altLang="ja-JP" dirty="0" smtClean="0"/>
-              <a:t> </a:t>
-            </a:r>
-            <a:r>
-              <a:rPr lang="en-US" altLang="ja-JP" dirty="0" err="1" smtClean="0"/>
-              <a:t>khả</a:t>
-            </a:r>
-            <a:r>
-              <a:rPr lang="en-US" altLang="ja-JP" dirty="0" smtClean="0"/>
-              <a:t> </a:t>
-            </a:r>
-            <a:r>
-              <a:rPr lang="en-US" altLang="ja-JP" dirty="0" err="1" smtClean="0"/>
-              <a:t>năng</a:t>
-            </a:r>
-            <a:r>
-              <a:rPr lang="en-US" altLang="ja-JP" dirty="0" smtClean="0"/>
-              <a:t> </a:t>
-            </a:r>
-            <a:r>
-              <a:rPr lang="en-US" altLang="ja-JP" dirty="0" err="1" smtClean="0"/>
-              <a:t>cải</a:t>
-            </a:r>
-            <a:r>
-              <a:rPr lang="en-US" altLang="ja-JP" dirty="0" smtClean="0"/>
-              <a:t> </a:t>
-            </a:r>
-            <a:r>
-              <a:rPr lang="en-US" altLang="ja-JP" dirty="0" err="1" smtClean="0"/>
-              <a:t>thiện</a:t>
-            </a:r>
-            <a:r>
-              <a:rPr lang="en-US" altLang="ja-JP" dirty="0" smtClean="0"/>
-              <a:t> </a:t>
-            </a:r>
-            <a:r>
-              <a:rPr lang="en-US" altLang="ja-JP" dirty="0" err="1" smtClean="0"/>
-              <a:t>độ</a:t>
+              <a:t>Đánh</a:t>
+            </a:r>
+            <a:r>
+              <a:rPr lang="en-US" altLang="ja-JP" dirty="0" smtClean="0"/>
+              <a:t> </a:t>
+            </a:r>
+            <a:r>
+              <a:rPr lang="en-US" altLang="ja-JP" dirty="0" err="1" smtClean="0"/>
+              <a:t>giá</a:t>
+            </a:r>
+            <a:r>
+              <a:rPr lang="en-US" altLang="ja-JP" dirty="0" smtClean="0"/>
+              <a:t> </a:t>
+            </a:r>
+            <a:r>
+              <a:rPr lang="en-US" altLang="ja-JP" dirty="0" err="1" smtClean="0"/>
+              <a:t>dựa</a:t>
+            </a:r>
+            <a:r>
+              <a:rPr lang="en-US" altLang="ja-JP" dirty="0" smtClean="0"/>
+              <a:t> </a:t>
+            </a:r>
+            <a:r>
+              <a:rPr lang="en-US" altLang="ja-JP" dirty="0" err="1" smtClean="0"/>
+              <a:t>trên</a:t>
+            </a:r>
+            <a:r>
+              <a:rPr lang="en-US" altLang="ja-JP" dirty="0" smtClean="0"/>
+              <a:t> 2500 </a:t>
+            </a:r>
+            <a:r>
+              <a:rPr lang="en-US" altLang="ja-JP" dirty="0" err="1" smtClean="0"/>
+              <a:t>ảnh</a:t>
+            </a:r>
+            <a:r>
+              <a:rPr lang="en-US" altLang="ja-JP" dirty="0" smtClean="0"/>
+              <a:t> (cross-validation set – </a:t>
+            </a:r>
+            <a:r>
+              <a:rPr lang="en-US" altLang="ja-JP" dirty="0" err="1" smtClean="0"/>
+              <a:t>không</a:t>
+            </a:r>
+            <a:r>
+              <a:rPr lang="en-US" altLang="ja-JP" dirty="0" smtClean="0"/>
+              <a:t> </a:t>
+            </a:r>
+            <a:r>
+              <a:rPr lang="en-US" altLang="ja-JP" dirty="0" err="1" smtClean="0"/>
+              <a:t>nằm</a:t>
+            </a:r>
+            <a:r>
+              <a:rPr lang="en-US" altLang="ja-JP" dirty="0" smtClean="0"/>
+              <a:t> </a:t>
+            </a:r>
+            <a:r>
+              <a:rPr lang="en-US" altLang="ja-JP" dirty="0" err="1" smtClean="0"/>
+              <a:t>trong</a:t>
+            </a:r>
+            <a:r>
+              <a:rPr lang="en-US" altLang="ja-JP" dirty="0" smtClean="0"/>
+              <a:t> </a:t>
+            </a:r>
+            <a:r>
+              <a:rPr lang="en-US" altLang="ja-JP" dirty="0" err="1" smtClean="0"/>
+              <a:t>tập</a:t>
+            </a:r>
+            <a:r>
+              <a:rPr lang="en-US" altLang="ja-JP" dirty="0" smtClean="0"/>
+              <a:t> </a:t>
+            </a:r>
+            <a:r>
+              <a:rPr lang="en-US" altLang="ja-JP" dirty="0" err="1" smtClean="0"/>
+              <a:t>huấn</a:t>
+            </a:r>
+            <a:r>
+              <a:rPr lang="en-US" altLang="ja-JP" dirty="0" smtClean="0"/>
+              <a:t> </a:t>
+            </a:r>
+            <a:r>
+              <a:rPr lang="en-US" altLang="ja-JP" dirty="0" err="1" smtClean="0"/>
+              <a:t>luyện</a:t>
+            </a:r>
+            <a:r>
+              <a:rPr lang="en-US" altLang="ja-JP" dirty="0" smtClean="0"/>
+              <a:t>)</a:t>
+            </a:r>
+          </a:p>
+          <a:p>
+            <a:pPr lvl="2"/>
+            <a:r>
+              <a:rPr lang="en-US" altLang="ja-JP" dirty="0" err="1" smtClean="0"/>
+              <a:t>Độ</a:t>
             </a:r>
             <a:r>
               <a:rPr lang="en-US" altLang="ja-JP" dirty="0" smtClean="0"/>
@@ -7942,434 +7966,46 @@
               <a:rPr lang="en-US" altLang="ja-JP" dirty="0" err="1" smtClean="0"/>
               <a:t>xác</a:t>
             </a:r>
-            <a:endParaRPr lang="en-US" altLang="ja-JP" dirty="0"/>
-          </a:p>
-          <a:p>
-            <a:r>
-              <a:rPr kumimoji="1" lang="en-US" altLang="ja-JP" dirty="0" err="1"/>
-              <a:t>Hướng</a:t>
-            </a:r>
-            <a:r>
-              <a:rPr kumimoji="1" lang="en-US" altLang="ja-JP" dirty="0"/>
-              <a:t> </a:t>
-            </a:r>
-            <a:r>
-              <a:rPr kumimoji="1" lang="en-US" altLang="ja-JP" dirty="0" err="1"/>
-              <a:t>phát</a:t>
-            </a:r>
-            <a:r>
-              <a:rPr kumimoji="1" lang="en-US" altLang="ja-JP" dirty="0"/>
-              <a:t> </a:t>
-            </a:r>
-            <a:r>
-              <a:rPr kumimoji="1" lang="en-US" altLang="ja-JP" dirty="0" err="1" smtClean="0"/>
-              <a:t>triển</a:t>
-            </a:r>
-            <a:r>
-              <a:rPr kumimoji="1" lang="en-US" altLang="ja-JP" dirty="0" smtClean="0"/>
-              <a:t> </a:t>
-            </a:r>
-            <a:r>
-              <a:rPr kumimoji="1" lang="en-US" altLang="ja-JP" dirty="0" err="1"/>
-              <a:t>và</a:t>
-            </a:r>
-            <a:r>
-              <a:rPr kumimoji="1" lang="en-US" altLang="ja-JP" dirty="0"/>
-              <a:t> </a:t>
-            </a:r>
-            <a:r>
-              <a:rPr kumimoji="1" lang="en-US" altLang="ja-JP" dirty="0" err="1"/>
-              <a:t>công</a:t>
-            </a:r>
-            <a:r>
-              <a:rPr kumimoji="1" lang="en-US" altLang="ja-JP" dirty="0"/>
-              <a:t> </a:t>
-            </a:r>
-            <a:r>
-              <a:rPr kumimoji="1" lang="en-US" altLang="ja-JP" dirty="0" err="1"/>
-              <a:t>việc</a:t>
-            </a:r>
-            <a:r>
-              <a:rPr kumimoji="1" lang="en-US" altLang="ja-JP" dirty="0"/>
-              <a:t> </a:t>
-            </a:r>
-            <a:r>
-              <a:rPr kumimoji="1" lang="en-US" altLang="ja-JP" dirty="0" err="1"/>
-              <a:t>tiếp</a:t>
-            </a:r>
-            <a:r>
-              <a:rPr kumimoji="1" lang="en-US" altLang="ja-JP" dirty="0"/>
-              <a:t> </a:t>
-            </a:r>
-            <a:r>
-              <a:rPr kumimoji="1" lang="en-US" altLang="ja-JP" dirty="0" err="1" smtClean="0"/>
-              <a:t>theo</a:t>
-            </a:r>
-            <a:endParaRPr kumimoji="1" lang="en-US" altLang="ja-JP" dirty="0" smtClean="0"/>
-          </a:p>
-          <a:p>
-            <a:pPr lvl="1"/>
-            <a:r>
-              <a:rPr lang="en-US" altLang="ja-JP" dirty="0" err="1" smtClean="0"/>
-              <a:t>Phân</a:t>
-            </a:r>
-            <a:r>
-              <a:rPr lang="en-US" altLang="ja-JP" dirty="0" smtClean="0"/>
-              <a:t> </a:t>
-            </a:r>
-            <a:r>
-              <a:rPr lang="en-US" altLang="ja-JP" dirty="0" err="1" smtClean="0"/>
-              <a:t>loại</a:t>
-            </a:r>
-            <a:r>
-              <a:rPr lang="en-US" altLang="ja-JP" dirty="0" smtClean="0"/>
-              <a:t> </a:t>
-            </a:r>
-            <a:r>
-              <a:rPr lang="en-US" altLang="ja-JP" dirty="0" err="1" smtClean="0"/>
-              <a:t>giai</a:t>
-            </a:r>
-            <a:r>
-              <a:rPr lang="en-US" altLang="ja-JP" dirty="0" smtClean="0"/>
-              <a:t> </a:t>
-            </a:r>
-            <a:r>
-              <a:rPr lang="en-US" altLang="ja-JP" dirty="0" err="1" smtClean="0"/>
-              <a:t>đoạn</a:t>
-            </a:r>
-            <a:r>
-              <a:rPr lang="en-US" altLang="ja-JP" dirty="0" smtClean="0"/>
-              <a:t> </a:t>
-            </a:r>
-            <a:r>
-              <a:rPr lang="en-US" altLang="ja-JP" dirty="0" err="1" smtClean="0"/>
-              <a:t>bệnh</a:t>
-            </a:r>
-            <a:r>
-              <a:rPr lang="en-US" altLang="ja-JP" dirty="0" smtClean="0"/>
-              <a:t> </a:t>
-            </a:r>
-            <a:r>
-              <a:rPr lang="en-US" altLang="ja-JP" dirty="0" err="1" smtClean="0"/>
-              <a:t>dựa</a:t>
-            </a:r>
-            <a:r>
-              <a:rPr lang="en-US" altLang="ja-JP" dirty="0" smtClean="0"/>
-              <a:t> </a:t>
-            </a:r>
-            <a:r>
-              <a:rPr lang="en-US" altLang="ja-JP" dirty="0" err="1" smtClean="0"/>
-              <a:t>trên</a:t>
-            </a:r>
-            <a:r>
-              <a:rPr lang="en-US" altLang="ja-JP" dirty="0" smtClean="0"/>
-              <a:t> </a:t>
-            </a:r>
-            <a:r>
-              <a:rPr lang="en-US" altLang="ja-JP" dirty="0" err="1" smtClean="0"/>
-              <a:t>từng</a:t>
-            </a:r>
-            <a:r>
-              <a:rPr lang="en-US" altLang="ja-JP" dirty="0" smtClean="0"/>
-              <a:t> </a:t>
-            </a:r>
-            <a:r>
-              <a:rPr lang="en-US" altLang="ja-JP" dirty="0" err="1" smtClean="0"/>
-              <a:t>cặp</a:t>
-            </a:r>
-            <a:r>
-              <a:rPr lang="en-US" altLang="ja-JP" dirty="0" smtClean="0"/>
-              <a:t> </a:t>
-            </a:r>
-            <a:r>
-              <a:rPr lang="en-US" altLang="ja-JP" dirty="0" err="1" smtClean="0"/>
-              <a:t>mắt</a:t>
-            </a:r>
-            <a:r>
-              <a:rPr lang="en-US" altLang="ja-JP" dirty="0" smtClean="0"/>
-              <a:t> </a:t>
-            </a:r>
-            <a:r>
-              <a:rPr lang="en-US" altLang="ja-JP" dirty="0" err="1" smtClean="0"/>
-              <a:t>trái</a:t>
-            </a:r>
-            <a:r>
-              <a:rPr lang="en-US" altLang="ja-JP" dirty="0" smtClean="0"/>
-              <a:t> </a:t>
-            </a:r>
-            <a:r>
-              <a:rPr lang="en-US" altLang="ja-JP" dirty="0" err="1" smtClean="0"/>
-              <a:t>phải</a:t>
-            </a:r>
-            <a:r>
-              <a:rPr lang="en-US" altLang="ja-JP" dirty="0" smtClean="0"/>
-              <a:t> (</a:t>
-            </a:r>
-            <a:r>
-              <a:rPr lang="en-US" altLang="ja-JP" dirty="0" err="1" smtClean="0"/>
-              <a:t>hiện</a:t>
-            </a:r>
-            <a:r>
-              <a:rPr lang="en-US" altLang="ja-JP" dirty="0" smtClean="0"/>
-              <a:t> </a:t>
-            </a:r>
-            <a:r>
-              <a:rPr lang="en-US" altLang="ja-JP" dirty="0" err="1" smtClean="0"/>
-              <a:t>tại</a:t>
-            </a:r>
-            <a:r>
-              <a:rPr lang="en-US" altLang="ja-JP" dirty="0" smtClean="0"/>
-              <a:t> </a:t>
-            </a:r>
-            <a:r>
-              <a:rPr lang="en-US" altLang="ja-JP" dirty="0" err="1" smtClean="0"/>
-              <a:t>đánh</a:t>
-            </a:r>
-            <a:r>
-              <a:rPr lang="en-US" altLang="ja-JP" dirty="0" smtClean="0"/>
-              <a:t> </a:t>
-            </a:r>
-            <a:r>
-              <a:rPr lang="en-US" altLang="ja-JP" dirty="0" err="1" smtClean="0"/>
-              <a:t>giá</a:t>
-            </a:r>
-            <a:r>
-              <a:rPr lang="en-US" altLang="ja-JP" dirty="0" smtClean="0"/>
-              <a:t> </a:t>
-            </a:r>
-            <a:r>
-              <a:rPr lang="en-US" altLang="ja-JP" dirty="0" err="1" smtClean="0"/>
-              <a:t>độc</a:t>
-            </a:r>
-            <a:r>
-              <a:rPr lang="en-US" altLang="ja-JP" dirty="0" smtClean="0"/>
-              <a:t> </a:t>
-            </a:r>
-            <a:r>
-              <a:rPr lang="en-US" altLang="ja-JP" dirty="0" err="1" smtClean="0"/>
-              <a:t>lập</a:t>
-            </a:r>
-            <a:r>
-              <a:rPr lang="en-US" altLang="ja-JP" dirty="0" smtClean="0"/>
-              <a:t> 2 </a:t>
-            </a:r>
-            <a:r>
-              <a:rPr lang="en-US" altLang="ja-JP" dirty="0" err="1" smtClean="0"/>
-              <a:t>mắt</a:t>
+            <a:r>
+              <a:rPr lang="en-US" altLang="ja-JP" dirty="0" smtClean="0"/>
+              <a:t> </a:t>
+            </a:r>
+            <a:r>
+              <a:rPr lang="en-US" altLang="ja-JP" dirty="0" err="1" smtClean="0"/>
+              <a:t>đạt</a:t>
+            </a:r>
+            <a:r>
+              <a:rPr lang="en-US" altLang="ja-JP" dirty="0" smtClean="0"/>
+              <a:t> 68% (</a:t>
+            </a:r>
+            <a:r>
+              <a:rPr lang="en-US" altLang="ja-JP" dirty="0" err="1" smtClean="0"/>
+              <a:t>Mục</a:t>
+            </a:r>
+            <a:r>
+              <a:rPr lang="en-US" altLang="ja-JP" dirty="0" smtClean="0"/>
+              <a:t> </a:t>
+            </a:r>
+            <a:r>
+              <a:rPr lang="en-US" altLang="ja-JP" dirty="0" err="1" smtClean="0"/>
+              <a:t>tiêu</a:t>
+            </a:r>
+            <a:r>
+              <a:rPr lang="en-US" altLang="ja-JP" dirty="0" smtClean="0"/>
+              <a:t> </a:t>
+            </a:r>
+            <a:r>
+              <a:rPr lang="en-US" altLang="ja-JP" dirty="0" smtClean="0">
+                <a:solidFill>
+                  <a:srgbClr val="FF0000"/>
+                </a:solidFill>
+              </a:rPr>
+              <a:t>70%</a:t>
             </a:r>
             <a:r>
               <a:rPr lang="en-US" altLang="ja-JP" dirty="0" smtClean="0"/>
               <a:t>)</a:t>
             </a:r>
-          </a:p>
-          <a:p>
-            <a:pPr lvl="1"/>
-            <a:r>
-              <a:rPr kumimoji="1" lang="en-US" altLang="ja-JP" dirty="0" err="1" smtClean="0"/>
-              <a:t>Loại</a:t>
-            </a:r>
-            <a:r>
-              <a:rPr kumimoji="1" lang="en-US" altLang="ja-JP" dirty="0" smtClean="0"/>
-              <a:t> </a:t>
-            </a:r>
-            <a:r>
-              <a:rPr kumimoji="1" lang="en-US" altLang="ja-JP" dirty="0" err="1" smtClean="0"/>
-              <a:t>bỏ</a:t>
-            </a:r>
-            <a:r>
-              <a:rPr kumimoji="1" lang="en-US" altLang="ja-JP" dirty="0" smtClean="0"/>
-              <a:t> </a:t>
-            </a:r>
-            <a:r>
-              <a:rPr kumimoji="1" lang="en-US" altLang="ja-JP" dirty="0" err="1" smtClean="0"/>
-              <a:t>những</a:t>
-            </a:r>
-            <a:r>
-              <a:rPr kumimoji="1" lang="en-US" altLang="ja-JP" dirty="0" smtClean="0"/>
-              <a:t> </a:t>
-            </a:r>
-            <a:r>
-              <a:rPr kumimoji="1" lang="en-US" altLang="ja-JP" dirty="0" err="1" smtClean="0"/>
-              <a:t>ảnh</a:t>
-            </a:r>
-            <a:r>
-              <a:rPr kumimoji="1" lang="en-US" altLang="ja-JP" dirty="0" smtClean="0"/>
-              <a:t> </a:t>
-            </a:r>
-            <a:r>
-              <a:rPr kumimoji="1" lang="en-US" altLang="ja-JP" dirty="0" err="1" smtClean="0"/>
-              <a:t>bị</a:t>
-            </a:r>
-            <a:r>
-              <a:rPr kumimoji="1" lang="en-US" altLang="ja-JP" dirty="0" smtClean="0"/>
-              <a:t> </a:t>
-            </a:r>
-            <a:r>
-              <a:rPr kumimoji="1" lang="en-US" altLang="ja-JP" dirty="0" err="1" smtClean="0"/>
-              <a:t>hỏng</a:t>
-            </a:r>
-            <a:r>
-              <a:rPr kumimoji="1" lang="en-US" altLang="ja-JP" dirty="0" smtClean="0"/>
-              <a:t> (</a:t>
-            </a:r>
-            <a:r>
-              <a:rPr kumimoji="1" lang="en-US" altLang="ja-JP" dirty="0" err="1" smtClean="0"/>
-              <a:t>hoàn</a:t>
-            </a:r>
-            <a:r>
-              <a:rPr kumimoji="1" lang="en-US" altLang="ja-JP" dirty="0" smtClean="0"/>
-              <a:t> </a:t>
-            </a:r>
-            <a:r>
-              <a:rPr kumimoji="1" lang="en-US" altLang="ja-JP" dirty="0" err="1" smtClean="0"/>
-              <a:t>toàn</a:t>
-            </a:r>
-            <a:r>
-              <a:rPr kumimoji="1" lang="en-US" altLang="ja-JP" dirty="0" smtClean="0"/>
-              <a:t> </a:t>
-            </a:r>
-            <a:r>
-              <a:rPr kumimoji="1" lang="en-US" altLang="ja-JP" dirty="0" err="1" smtClean="0"/>
-              <a:t>trắng</a:t>
-            </a:r>
-            <a:r>
-              <a:rPr kumimoji="1" lang="en-US" altLang="ja-JP" dirty="0" smtClean="0"/>
-              <a:t> </a:t>
-            </a:r>
-            <a:r>
-              <a:rPr kumimoji="1" lang="en-US" altLang="ja-JP" dirty="0" err="1" smtClean="0"/>
-              <a:t>hoặc</a:t>
-            </a:r>
-            <a:r>
-              <a:rPr kumimoji="1" lang="en-US" altLang="ja-JP" dirty="0" smtClean="0"/>
-              <a:t> </a:t>
-            </a:r>
-            <a:r>
-              <a:rPr kumimoji="1" lang="en-US" altLang="ja-JP" dirty="0" err="1" smtClean="0"/>
-              <a:t>đen</a:t>
-            </a:r>
-            <a:r>
-              <a:rPr kumimoji="1" lang="en-US" altLang="ja-JP" dirty="0" smtClean="0"/>
-              <a:t>…)</a:t>
-            </a:r>
-          </a:p>
-          <a:p>
-            <a:pPr lvl="1"/>
-            <a:r>
-              <a:rPr lang="en-US" altLang="ja-JP" dirty="0" err="1" smtClean="0"/>
-              <a:t>Tăng</a:t>
-            </a:r>
-            <a:r>
-              <a:rPr lang="en-US" altLang="ja-JP" dirty="0" smtClean="0"/>
-              <a:t> </a:t>
-            </a:r>
-            <a:r>
-              <a:rPr lang="en-US" altLang="ja-JP" dirty="0" err="1" smtClean="0"/>
-              <a:t>cường</a:t>
-            </a:r>
-            <a:r>
-              <a:rPr lang="en-US" altLang="ja-JP" dirty="0" smtClean="0"/>
-              <a:t> </a:t>
-            </a:r>
-            <a:r>
-              <a:rPr lang="en-US" altLang="ja-JP" dirty="0" err="1" smtClean="0"/>
-              <a:t>thêm</a:t>
-            </a:r>
-            <a:r>
-              <a:rPr lang="en-US" altLang="ja-JP" dirty="0" smtClean="0"/>
-              <a:t> </a:t>
-            </a:r>
-            <a:r>
-              <a:rPr lang="en-US" altLang="ja-JP" dirty="0" err="1" smtClean="0"/>
-              <a:t>số</a:t>
-            </a:r>
-            <a:r>
-              <a:rPr lang="en-US" altLang="ja-JP" dirty="0" smtClean="0"/>
-              <a:t> </a:t>
-            </a:r>
-            <a:r>
-              <a:rPr lang="en-US" altLang="ja-JP" dirty="0" err="1" smtClean="0"/>
-              <a:t>lượng</a:t>
-            </a:r>
-            <a:r>
-              <a:rPr lang="en-US" altLang="ja-JP" dirty="0" smtClean="0"/>
-              <a:t> </a:t>
-            </a:r>
-            <a:r>
-              <a:rPr lang="en-US" altLang="ja-JP" dirty="0" err="1" smtClean="0"/>
-              <a:t>ảnh</a:t>
-            </a:r>
-            <a:r>
-              <a:rPr lang="en-US" altLang="ja-JP" dirty="0" smtClean="0"/>
-              <a:t> </a:t>
-            </a:r>
-            <a:r>
-              <a:rPr lang="en-US" altLang="ja-JP" dirty="0" err="1" smtClean="0"/>
-              <a:t>huấn</a:t>
-            </a:r>
-            <a:r>
-              <a:rPr lang="en-US" altLang="ja-JP" dirty="0" smtClean="0"/>
-              <a:t> </a:t>
-            </a:r>
-            <a:r>
-              <a:rPr lang="en-US" altLang="ja-JP" dirty="0" err="1" smtClean="0"/>
-              <a:t>luyện</a:t>
-            </a:r>
-            <a:endParaRPr lang="en-US" altLang="ja-JP" dirty="0" smtClean="0"/>
-          </a:p>
-          <a:p>
-            <a:pPr lvl="1"/>
-            <a:r>
-              <a:rPr lang="en-US" dirty="0" err="1"/>
-              <a:t>Đánh</a:t>
-            </a:r>
-            <a:r>
-              <a:rPr lang="en-US" dirty="0"/>
-              <a:t> </a:t>
-            </a:r>
-            <a:r>
-              <a:rPr lang="en-US" dirty="0" err="1"/>
-              <a:t>giá</a:t>
-            </a:r>
-            <a:r>
-              <a:rPr lang="en-US" dirty="0"/>
-              <a:t> </a:t>
-            </a:r>
-            <a:r>
-              <a:rPr lang="en-US" dirty="0" err="1"/>
-              <a:t>trên</a:t>
-            </a:r>
-            <a:r>
-              <a:rPr lang="en-US" dirty="0"/>
-              <a:t> </a:t>
-            </a:r>
-            <a:r>
-              <a:rPr lang="en-US" dirty="0" err="1" smtClean="0"/>
-              <a:t>tập</a:t>
-            </a:r>
-            <a:r>
-              <a:rPr lang="en-US" dirty="0" smtClean="0"/>
-              <a:t> </a:t>
-            </a:r>
-            <a:r>
-              <a:rPr lang="en-US" dirty="0" err="1"/>
-              <a:t>kiểm</a:t>
-            </a:r>
-            <a:r>
-              <a:rPr lang="en-US" dirty="0"/>
-              <a:t> </a:t>
-            </a:r>
-            <a:r>
-              <a:rPr lang="en-US" dirty="0" err="1"/>
-              <a:t>thử</a:t>
-            </a:r>
-            <a:endParaRPr lang="en-US" dirty="0"/>
-          </a:p>
-          <a:p>
-            <a:pPr marL="457200" lvl="1" indent="0">
-              <a:buNone/>
-            </a:pPr>
-            <a:endParaRPr kumimoji="1" lang="en-US" altLang="ja-JP" dirty="0" smtClean="0"/>
           </a:p>
         </p:txBody>
       </p:sp>
@@ -8388,7 +8024,7 @@
           <a:bodyPr/>
           <a:lstStyle/>
           <a:p>
-            <a:fld id="{F3E3AC63-30EC-4F79-8593-B4A9E85D12C5}" type="datetime1">
+            <a:fld id="{050317AE-C5B1-45BB-9249-90F7C348BD58}" type="datetime1">
               <a:rPr kumimoji="1" lang="en-US" altLang="ja-JP" smtClean="0"/>
               <a:t>11/23/2017</a:t>
             </a:fld>
@@ -8448,10 +8084,34 @@
           </a:p>
         </p:txBody>
       </p:sp>
+      <p:pic>
+        <p:nvPicPr>
+          <p:cNvPr id="9" name="Picture 8"/>
+          <p:cNvPicPr>
+            <a:picLocks noChangeAspect="1"/>
+          </p:cNvPicPr>
+          <p:nvPr/>
+        </p:nvPicPr>
+        <p:blipFill>
+          <a:blip r:embed="rId2"/>
+          <a:stretch>
+            <a:fillRect/>
+          </a:stretch>
+        </p:blipFill>
+        <p:spPr>
+          <a:xfrm>
+            <a:off x="184944" y="4005064"/>
+            <a:ext cx="8772525" cy="2000250"/>
+          </a:xfrm>
+          <a:prstGeom prst="rect">
+            <a:avLst/>
+          </a:prstGeom>
+        </p:spPr>
+      </p:pic>
     </p:spTree>
     <p:extLst>
       <p:ext uri="{BB962C8B-B14F-4D97-AF65-F5344CB8AC3E}">
-        <p14:creationId xmlns:p14="http://schemas.microsoft.com/office/powerpoint/2010/main" val="249349299"/>
+        <p14:creationId xmlns:p14="http://schemas.microsoft.com/office/powerpoint/2010/main" val="1283717246"/>
       </p:ext>
     </p:extLst>
   </p:cSld>
@@ -8495,7 +8155,7 @@
           <a:p>
             <a:r>
               <a:rPr lang="en-US" altLang="ja-JP" dirty="0" err="1"/>
-              <a:t>Tài</a:t>
+              <a:t>Kết</a:t>
             </a:r>
             <a:r>
               <a:rPr lang="en-US" altLang="ja-JP" dirty="0"/>
@@ -8503,7 +8163,7 @@
             </a:r>
             <a:r>
               <a:rPr lang="en-US" altLang="ja-JP" dirty="0" err="1"/>
-              <a:t>liệu</a:t>
+              <a:t>luận</a:t>
             </a:r>
             <a:r>
               <a:rPr lang="en-US" altLang="ja-JP" dirty="0"/>
@@ -8511,7 +8171,7 @@
             </a:r>
             <a:r>
               <a:rPr lang="en-US" altLang="ja-JP" dirty="0" err="1"/>
-              <a:t>tham</a:t>
+              <a:t>và</a:t>
             </a:r>
             <a:r>
               <a:rPr lang="en-US" altLang="ja-JP" dirty="0"/>
@@ -8519,7 +8179,39 @@
             </a:r>
             <a:r>
               <a:rPr lang="en-US" altLang="ja-JP" dirty="0" err="1"/>
-              <a:t>khảo</a:t>
+              <a:t>hướng</a:t>
+            </a:r>
+            <a:r>
+              <a:rPr lang="en-US" altLang="ja-JP" dirty="0"/>
+              <a:t> </a:t>
+            </a:r>
+            <a:r>
+              <a:rPr lang="en-US" altLang="ja-JP" dirty="0" err="1"/>
+              <a:t>phát</a:t>
+            </a:r>
+            <a:r>
+              <a:rPr lang="en-US" altLang="ja-JP" dirty="0"/>
+              <a:t> </a:t>
+            </a:r>
+            <a:r>
+              <a:rPr lang="en-US" altLang="ja-JP" dirty="0" err="1"/>
+              <a:t>triển</a:t>
+            </a:r>
+            <a:r>
+              <a:rPr lang="en-US" altLang="ja-JP" dirty="0"/>
+              <a:t> </a:t>
+            </a:r>
+            <a:r>
+              <a:rPr lang="en-US" altLang="ja-JP" dirty="0" err="1"/>
+              <a:t>đề</a:t>
+            </a:r>
+            <a:r>
+              <a:rPr lang="en-US" altLang="ja-JP" dirty="0"/>
+              <a:t> </a:t>
+            </a:r>
+            <a:r>
+              <a:rPr lang="en-US" altLang="ja-JP" dirty="0" err="1"/>
+              <a:t>tài</a:t>
             </a:r>
             <a:endParaRPr kumimoji="1" lang="ja-JP" altLang="en-US" dirty="0"/>
           </a:p>
@@ -8527,7 +8219,7 @@
       </p:sp>
       <p:sp>
         <p:nvSpPr>
-          <p:cNvPr id="3" name="コンテンツ プレースホルダ 2"/>
+          <p:cNvPr id="3" name="コンテンツ プレースホルダー 2"/>
           <p:cNvSpPr>
             <a:spLocks noGrp="1"/>
           </p:cNvSpPr>
@@ -8541,161 +8233,539 @@
           <a:lstStyle/>
           <a:p>
             <a:r>
-              <a:rPr lang="en-US" altLang="ja-JP" baseline="30000" dirty="0" smtClean="0"/>
-              <a:t>[1]</a:t>
-            </a:r>
-            <a:r>
-              <a:rPr lang="en-US" altLang="ja-JP" baseline="-25000" dirty="0" smtClean="0"/>
-              <a:t> </a:t>
-            </a:r>
-            <a:r>
-              <a:rPr lang="en-US" altLang="ja-JP" dirty="0" smtClean="0"/>
-              <a:t>Andrew G. Howard, </a:t>
-            </a:r>
-            <a:r>
-              <a:rPr lang="en-US" altLang="ja-JP" dirty="0" err="1" smtClean="0"/>
-              <a:t>Menglong</a:t>
-            </a:r>
-            <a:r>
-              <a:rPr lang="en-US" altLang="ja-JP" dirty="0" smtClean="0"/>
-              <a:t> Zhu et al. </a:t>
-            </a:r>
-            <a:r>
-              <a:rPr lang="en-US" altLang="ja-JP" dirty="0" err="1" smtClean="0"/>
-              <a:t>MobileNets</a:t>
-            </a:r>
-            <a:r>
-              <a:rPr lang="en-US" altLang="ja-JP" dirty="0" smtClean="0"/>
-              <a:t>: Efficient Convolutional Neural Networks for Mobile Vision Applications, 2017, </a:t>
-            </a:r>
-            <a:r>
-              <a:rPr lang="en-US" altLang="ja-JP" dirty="0" smtClean="0">
-                <a:hlinkClick r:id="rId3"/>
-              </a:rPr>
-              <a:t>arXiv</a:t>
+              <a:rPr kumimoji="1" lang="en-US" altLang="ja-JP" dirty="0" err="1"/>
+              <a:t>Kết</a:t>
+            </a:r>
+            <a:r>
+              <a:rPr kumimoji="1" lang="en-US" altLang="ja-JP" dirty="0"/>
+              <a:t> </a:t>
+            </a:r>
+            <a:r>
+              <a:rPr kumimoji="1" lang="en-US" altLang="ja-JP" dirty="0" err="1"/>
+              <a:t>luận</a:t>
+            </a:r>
+            <a:endParaRPr kumimoji="1" lang="en-US" altLang="ja-JP" dirty="0"/>
+          </a:p>
+          <a:p>
+            <a:pPr lvl="1"/>
+            <a:r>
+              <a:rPr lang="en-US" altLang="ja-JP" dirty="0" err="1" smtClean="0"/>
+              <a:t>Hệ</a:t>
+            </a:r>
+            <a:r>
+              <a:rPr lang="en-US" altLang="ja-JP" dirty="0" smtClean="0"/>
+              <a:t> </a:t>
+            </a:r>
+            <a:r>
+              <a:rPr lang="en-US" altLang="ja-JP" dirty="0" err="1" smtClean="0"/>
+              <a:t>thống</a:t>
+            </a:r>
+            <a:r>
+              <a:rPr lang="en-US" altLang="ja-JP" dirty="0" smtClean="0"/>
+              <a:t> </a:t>
+            </a:r>
+            <a:r>
+              <a:rPr lang="en-US" altLang="ja-JP" dirty="0" err="1" smtClean="0"/>
+              <a:t>vẫn</a:t>
+            </a:r>
+            <a:r>
+              <a:rPr lang="en-US" altLang="ja-JP" dirty="0" smtClean="0"/>
+              <a:t> </a:t>
+            </a:r>
+            <a:r>
+              <a:rPr lang="en-US" altLang="ja-JP" dirty="0" err="1" smtClean="0"/>
+              <a:t>còn</a:t>
+            </a:r>
+            <a:r>
+              <a:rPr lang="en-US" altLang="ja-JP" dirty="0" smtClean="0"/>
+              <a:t> </a:t>
+            </a:r>
+            <a:r>
+              <a:rPr lang="en-US" altLang="ja-JP" dirty="0" err="1" smtClean="0"/>
+              <a:t>khả</a:t>
+            </a:r>
+            <a:r>
+              <a:rPr lang="en-US" altLang="ja-JP" dirty="0" smtClean="0"/>
+              <a:t> </a:t>
+            </a:r>
+            <a:r>
+              <a:rPr lang="en-US" altLang="ja-JP" dirty="0" err="1" smtClean="0"/>
+              <a:t>năng</a:t>
+            </a:r>
+            <a:r>
+              <a:rPr lang="en-US" altLang="ja-JP" dirty="0" smtClean="0"/>
+              <a:t> </a:t>
+            </a:r>
+            <a:r>
+              <a:rPr lang="en-US" altLang="ja-JP" dirty="0" err="1" smtClean="0"/>
+              <a:t>cải</a:t>
+            </a:r>
+            <a:r>
+              <a:rPr lang="en-US" altLang="ja-JP" dirty="0" smtClean="0"/>
+              <a:t> </a:t>
+            </a:r>
+            <a:r>
+              <a:rPr lang="en-US" altLang="ja-JP" dirty="0" err="1" smtClean="0"/>
+              <a:t>thiện</a:t>
+            </a:r>
+            <a:r>
+              <a:rPr lang="en-US" altLang="ja-JP" dirty="0" smtClean="0"/>
+              <a:t> </a:t>
+            </a:r>
+            <a:r>
+              <a:rPr lang="en-US" altLang="ja-JP" dirty="0" err="1" smtClean="0"/>
+              <a:t>độ</a:t>
+            </a:r>
+            <a:r>
+              <a:rPr lang="en-US" altLang="ja-JP" dirty="0" smtClean="0"/>
+              <a:t> </a:t>
+            </a:r>
+            <a:r>
+              <a:rPr lang="en-US" altLang="ja-JP" dirty="0" err="1" smtClean="0"/>
+              <a:t>chính</a:t>
+            </a:r>
+            <a:r>
+              <a:rPr lang="en-US" altLang="ja-JP" dirty="0" smtClean="0"/>
+              <a:t> </a:t>
+            </a:r>
+            <a:r>
+              <a:rPr lang="en-US" altLang="ja-JP" dirty="0" err="1" smtClean="0"/>
+              <a:t>xác</a:t>
+            </a:r>
+            <a:endParaRPr lang="en-US" altLang="ja-JP" dirty="0"/>
+          </a:p>
+          <a:p>
+            <a:r>
+              <a:rPr kumimoji="1" lang="en-US" altLang="ja-JP" dirty="0" err="1"/>
+              <a:t>Hướng</a:t>
+            </a:r>
+            <a:r>
+              <a:rPr kumimoji="1" lang="en-US" altLang="ja-JP" dirty="0"/>
+              <a:t> </a:t>
+            </a:r>
+            <a:r>
+              <a:rPr kumimoji="1" lang="en-US" altLang="ja-JP" dirty="0" err="1"/>
+              <a:t>phát</a:t>
+            </a:r>
+            <a:r>
+              <a:rPr kumimoji="1" lang="en-US" altLang="ja-JP" dirty="0"/>
+              <a:t> </a:t>
+            </a:r>
+            <a:r>
+              <a:rPr kumimoji="1" lang="en-US" altLang="ja-JP" dirty="0" err="1" smtClean="0"/>
+              <a:t>triển</a:t>
+            </a:r>
+            <a:r>
+              <a:rPr kumimoji="1" lang="en-US" altLang="ja-JP" dirty="0" smtClean="0"/>
+              <a:t> </a:t>
+            </a:r>
+            <a:r>
+              <a:rPr kumimoji="1" lang="en-US" altLang="ja-JP" dirty="0" err="1"/>
+              <a:t>và</a:t>
+            </a:r>
+            <a:r>
+              <a:rPr kumimoji="1" lang="en-US" altLang="ja-JP" dirty="0"/>
+              <a:t> </a:t>
+            </a:r>
+            <a:r>
+              <a:rPr kumimoji="1" lang="en-US" altLang="ja-JP" dirty="0" err="1"/>
+              <a:t>công</a:t>
+            </a:r>
+            <a:r>
+              <a:rPr kumimoji="1" lang="en-US" altLang="ja-JP" dirty="0"/>
+              <a:t> </a:t>
+            </a:r>
+            <a:r>
+              <a:rPr kumimoji="1" lang="en-US" altLang="ja-JP" dirty="0" err="1"/>
+              <a:t>việc</a:t>
+            </a:r>
+            <a:r>
+              <a:rPr kumimoji="1" lang="en-US" altLang="ja-JP" dirty="0"/>
+              <a:t> </a:t>
+            </a:r>
+            <a:r>
+              <a:rPr kumimoji="1" lang="en-US" altLang="ja-JP" dirty="0" err="1"/>
+              <a:t>tiếp</a:t>
+            </a:r>
+            <a:r>
+              <a:rPr kumimoji="1" lang="en-US" altLang="ja-JP" dirty="0"/>
+              <a:t> </a:t>
+            </a:r>
+            <a:r>
+              <a:rPr kumimoji="1" lang="en-US" altLang="ja-JP" dirty="0" err="1" smtClean="0"/>
+              <a:t>theo</a:t>
+            </a:r>
+            <a:endParaRPr kumimoji="1" lang="en-US" altLang="ja-JP" dirty="0" smtClean="0"/>
+          </a:p>
+          <a:p>
+            <a:pPr lvl="1"/>
+            <a:r>
+              <a:rPr lang="en-US" altLang="ja-JP" dirty="0" err="1" smtClean="0"/>
+              <a:t>Phân</a:t>
+            </a:r>
+            <a:r>
+              <a:rPr lang="en-US" altLang="ja-JP" dirty="0" smtClean="0"/>
+              <a:t> </a:t>
+            </a:r>
+            <a:r>
+              <a:rPr lang="en-US" altLang="ja-JP" dirty="0" err="1" smtClean="0"/>
+              <a:t>loại</a:t>
+            </a:r>
+            <a:r>
+              <a:rPr lang="en-US" altLang="ja-JP" dirty="0" smtClean="0"/>
+              <a:t> </a:t>
+            </a:r>
+            <a:r>
+              <a:rPr lang="en-US" altLang="ja-JP" dirty="0" err="1" smtClean="0"/>
+              <a:t>giai</a:t>
+            </a:r>
+            <a:r>
+              <a:rPr lang="en-US" altLang="ja-JP" dirty="0" smtClean="0"/>
+              <a:t> </a:t>
+            </a:r>
+            <a:r>
+              <a:rPr lang="en-US" altLang="ja-JP" dirty="0" err="1" smtClean="0"/>
+              <a:t>đoạn</a:t>
+            </a:r>
+            <a:r>
+              <a:rPr lang="en-US" altLang="ja-JP" dirty="0" smtClean="0"/>
+              <a:t> </a:t>
+            </a:r>
+            <a:r>
+              <a:rPr lang="en-US" altLang="ja-JP" dirty="0" err="1" smtClean="0"/>
+              <a:t>bệnh</a:t>
+            </a:r>
+            <a:r>
+              <a:rPr lang="en-US" altLang="ja-JP" dirty="0" smtClean="0"/>
+              <a:t> </a:t>
+            </a:r>
+            <a:r>
+              <a:rPr lang="en-US" altLang="ja-JP" dirty="0" err="1" smtClean="0"/>
+              <a:t>dựa</a:t>
+            </a:r>
+            <a:r>
+              <a:rPr lang="en-US" altLang="ja-JP" dirty="0" smtClean="0"/>
+              <a:t> </a:t>
+            </a:r>
+            <a:r>
+              <a:rPr lang="en-US" altLang="ja-JP" dirty="0" err="1" smtClean="0"/>
+              <a:t>trên</a:t>
+            </a:r>
+            <a:r>
+              <a:rPr lang="en-US" altLang="ja-JP" dirty="0" smtClean="0"/>
+              <a:t> </a:t>
+            </a:r>
+            <a:r>
+              <a:rPr lang="en-US" altLang="ja-JP" dirty="0" err="1" smtClean="0"/>
+              <a:t>từng</a:t>
+            </a:r>
+            <a:r>
+              <a:rPr lang="en-US" altLang="ja-JP" dirty="0" smtClean="0"/>
+              <a:t> </a:t>
+            </a:r>
+            <a:r>
+              <a:rPr lang="en-US" altLang="ja-JP" dirty="0" err="1" smtClean="0"/>
+              <a:t>cặp</a:t>
+            </a:r>
+            <a:r>
+              <a:rPr lang="en-US" altLang="ja-JP" dirty="0" smtClean="0"/>
+              <a:t> </a:t>
+            </a:r>
+            <a:r>
+              <a:rPr lang="en-US" altLang="ja-JP" dirty="0" err="1" smtClean="0"/>
+              <a:t>mắt</a:t>
+            </a:r>
+            <a:r>
+              <a:rPr lang="en-US" altLang="ja-JP" dirty="0" smtClean="0"/>
+              <a:t> </a:t>
+            </a:r>
+            <a:r>
+              <a:rPr lang="en-US" altLang="ja-JP" dirty="0" err="1" smtClean="0"/>
+              <a:t>trái</a:t>
+            </a:r>
+            <a:r>
+              <a:rPr lang="en-US" altLang="ja-JP" dirty="0" smtClean="0"/>
+              <a:t> </a:t>
+            </a:r>
+            <a:r>
+              <a:rPr lang="en-US" altLang="ja-JP" dirty="0" err="1" smtClean="0"/>
+              <a:t>phải</a:t>
+            </a:r>
+            <a:r>
+              <a:rPr lang="en-US" altLang="ja-JP" dirty="0" smtClean="0"/>
+              <a:t> (</a:t>
+            </a:r>
+            <a:r>
+              <a:rPr lang="en-US" altLang="ja-JP" dirty="0" err="1" smtClean="0"/>
+              <a:t>hiện</a:t>
+            </a:r>
+            <a:r>
+              <a:rPr lang="en-US" altLang="ja-JP" dirty="0" smtClean="0"/>
+              <a:t> </a:t>
+            </a:r>
+            <a:r>
+              <a:rPr lang="en-US" altLang="ja-JP" dirty="0" err="1" smtClean="0"/>
+              <a:t>tại</a:t>
+            </a:r>
+            <a:r>
+              <a:rPr lang="en-US" altLang="ja-JP" dirty="0" smtClean="0"/>
+              <a:t> </a:t>
+            </a:r>
+            <a:r>
+              <a:rPr lang="en-US" altLang="ja-JP" dirty="0" err="1" smtClean="0"/>
+              <a:t>đánh</a:t>
+            </a:r>
+            <a:r>
+              <a:rPr lang="en-US" altLang="ja-JP" dirty="0" smtClean="0"/>
+              <a:t> </a:t>
+            </a:r>
+            <a:r>
+              <a:rPr lang="en-US" altLang="ja-JP" dirty="0" err="1" smtClean="0"/>
+              <a:t>giá</a:t>
+            </a:r>
+            <a:r>
+              <a:rPr lang="en-US" altLang="ja-JP" dirty="0" smtClean="0"/>
+              <a:t> </a:t>
+            </a:r>
+            <a:r>
+              <a:rPr lang="en-US" altLang="ja-JP" dirty="0" err="1" smtClean="0"/>
+              <a:t>độc</a:t>
+            </a:r>
+            <a:r>
+              <a:rPr lang="en-US" altLang="ja-JP" dirty="0" smtClean="0"/>
+              <a:t> </a:t>
+            </a:r>
+            <a:r>
+              <a:rPr lang="en-US" altLang="ja-JP" dirty="0" err="1" smtClean="0"/>
+              <a:t>lập</a:t>
+            </a:r>
+            <a:r>
+              <a:rPr lang="en-US" altLang="ja-JP" dirty="0" smtClean="0"/>
+              <a:t> 2 </a:t>
+            </a:r>
+            <a:r>
+              <a:rPr lang="en-US" altLang="ja-JP" dirty="0" err="1" smtClean="0"/>
+              <a:t>mắt</a:t>
+            </a:r>
+            <a:r>
+              <a:rPr lang="en-US" altLang="ja-JP" dirty="0" smtClean="0"/>
+              <a:t>)</a:t>
+            </a:r>
+          </a:p>
+          <a:p>
+            <a:pPr lvl="1"/>
+            <a:r>
+              <a:rPr kumimoji="1" lang="en-US" altLang="ja-JP" dirty="0" err="1" smtClean="0"/>
+              <a:t>Loại</a:t>
+            </a:r>
+            <a:r>
+              <a:rPr kumimoji="1" lang="en-US" altLang="ja-JP" dirty="0" smtClean="0"/>
+              <a:t> </a:t>
+            </a:r>
+            <a:r>
+              <a:rPr kumimoji="1" lang="en-US" altLang="ja-JP" dirty="0" err="1" smtClean="0"/>
+              <a:t>bỏ</a:t>
+            </a:r>
+            <a:r>
+              <a:rPr kumimoji="1" lang="en-US" altLang="ja-JP" dirty="0" smtClean="0"/>
+              <a:t> </a:t>
+            </a:r>
+            <a:r>
+              <a:rPr kumimoji="1" lang="en-US" altLang="ja-JP" dirty="0" err="1" smtClean="0"/>
+              <a:t>những</a:t>
+            </a:r>
+            <a:r>
+              <a:rPr kumimoji="1" lang="en-US" altLang="ja-JP" dirty="0" smtClean="0"/>
+              <a:t> </a:t>
+            </a:r>
+            <a:r>
+              <a:rPr kumimoji="1" lang="en-US" altLang="ja-JP" dirty="0" err="1" smtClean="0"/>
+              <a:t>ảnh</a:t>
+            </a:r>
+            <a:r>
+              <a:rPr kumimoji="1" lang="en-US" altLang="ja-JP" dirty="0" smtClean="0"/>
+              <a:t> </a:t>
+            </a:r>
+            <a:r>
+              <a:rPr kumimoji="1" lang="en-US" altLang="ja-JP" dirty="0" err="1" smtClean="0"/>
+              <a:t>bị</a:t>
+            </a:r>
+            <a:r>
+              <a:rPr kumimoji="1" lang="en-US" altLang="ja-JP" dirty="0" smtClean="0"/>
+              <a:t> </a:t>
+            </a:r>
+            <a:r>
+              <a:rPr kumimoji="1" lang="en-US" altLang="ja-JP" dirty="0" err="1" smtClean="0"/>
+              <a:t>hỏng</a:t>
+            </a:r>
+            <a:r>
+              <a:rPr kumimoji="1" lang="en-US" altLang="ja-JP" dirty="0" smtClean="0"/>
+              <a:t> (</a:t>
+            </a:r>
+            <a:r>
+              <a:rPr kumimoji="1" lang="en-US" altLang="ja-JP" dirty="0" err="1" smtClean="0"/>
+              <a:t>hoàn</a:t>
+            </a:r>
+            <a:r>
+              <a:rPr kumimoji="1" lang="en-US" altLang="ja-JP" dirty="0" smtClean="0"/>
+              <a:t> </a:t>
+            </a:r>
+            <a:r>
+              <a:rPr kumimoji="1" lang="en-US" altLang="ja-JP" dirty="0" err="1" smtClean="0"/>
+              <a:t>toàn</a:t>
+            </a:r>
+            <a:r>
+              <a:rPr kumimoji="1" lang="en-US" altLang="ja-JP" dirty="0" smtClean="0"/>
+              <a:t> </a:t>
+            </a:r>
+            <a:r>
+              <a:rPr kumimoji="1" lang="en-US" altLang="ja-JP" dirty="0" err="1" smtClean="0"/>
+              <a:t>trắng</a:t>
+            </a:r>
+            <a:r>
+              <a:rPr kumimoji="1" lang="en-US" altLang="ja-JP" dirty="0" smtClean="0"/>
+              <a:t> </a:t>
+            </a:r>
+            <a:r>
+              <a:rPr kumimoji="1" lang="en-US" altLang="ja-JP" dirty="0" err="1" smtClean="0"/>
+              <a:t>hoặc</a:t>
+            </a:r>
+            <a:r>
+              <a:rPr kumimoji="1" lang="en-US" altLang="ja-JP" dirty="0" smtClean="0"/>
+              <a:t> </a:t>
+            </a:r>
+            <a:r>
+              <a:rPr kumimoji="1" lang="en-US" altLang="ja-JP" dirty="0" err="1" smtClean="0"/>
+              <a:t>đen</a:t>
+            </a:r>
+            <a:r>
+              <a:rPr kumimoji="1" lang="en-US" altLang="ja-JP" dirty="0" smtClean="0"/>
+              <a:t>…)</a:t>
+            </a:r>
+          </a:p>
+          <a:p>
+            <a:pPr lvl="1"/>
+            <a:r>
+              <a:rPr lang="en-US" altLang="ja-JP" dirty="0" err="1" smtClean="0"/>
+              <a:t>Tăng</a:t>
+            </a:r>
+            <a:r>
+              <a:rPr lang="en-US" altLang="ja-JP" dirty="0" smtClean="0"/>
+              <a:t> </a:t>
+            </a:r>
+            <a:r>
+              <a:rPr lang="en-US" altLang="ja-JP" dirty="0" err="1" smtClean="0"/>
+              <a:t>cường</a:t>
+            </a:r>
+            <a:r>
+              <a:rPr lang="en-US" altLang="ja-JP" dirty="0" smtClean="0"/>
+              <a:t> </a:t>
+            </a:r>
+            <a:r>
+              <a:rPr lang="en-US" altLang="ja-JP" dirty="0" err="1" smtClean="0"/>
+              <a:t>thêm</a:t>
+            </a:r>
+            <a:r>
+              <a:rPr lang="en-US" altLang="ja-JP" dirty="0" smtClean="0"/>
+              <a:t> </a:t>
+            </a:r>
+            <a:r>
+              <a:rPr lang="en-US" altLang="ja-JP" dirty="0" err="1" smtClean="0"/>
+              <a:t>số</a:t>
+            </a:r>
+            <a:r>
+              <a:rPr lang="en-US" altLang="ja-JP" dirty="0" smtClean="0"/>
+              <a:t> </a:t>
+            </a:r>
+            <a:r>
+              <a:rPr lang="en-US" altLang="ja-JP" dirty="0" err="1" smtClean="0"/>
+              <a:t>lượng</a:t>
+            </a:r>
+            <a:r>
+              <a:rPr lang="en-US" altLang="ja-JP" dirty="0" smtClean="0"/>
+              <a:t> </a:t>
+            </a:r>
+            <a:r>
+              <a:rPr lang="en-US" altLang="ja-JP" dirty="0" err="1" smtClean="0"/>
+              <a:t>ảnh</a:t>
+            </a:r>
+            <a:r>
+              <a:rPr lang="en-US" altLang="ja-JP" dirty="0" smtClean="0"/>
+              <a:t> </a:t>
+            </a:r>
+            <a:r>
+              <a:rPr lang="en-US" altLang="ja-JP" dirty="0" err="1" smtClean="0"/>
+              <a:t>huấn</a:t>
+            </a:r>
+            <a:r>
+              <a:rPr lang="en-US" altLang="ja-JP" dirty="0" smtClean="0"/>
+              <a:t> </a:t>
+            </a:r>
+            <a:r>
+              <a:rPr lang="en-US" altLang="ja-JP" dirty="0" err="1" smtClean="0"/>
+              <a:t>luyện</a:t>
             </a:r>
             <a:endParaRPr lang="en-US" altLang="ja-JP" dirty="0" smtClean="0"/>
           </a:p>
           <a:p>
-            <a:r>
-              <a:rPr lang="en-US" altLang="ja-JP" baseline="30000" dirty="0" smtClean="0"/>
-              <a:t>[2]</a:t>
+            <a:pPr lvl="1"/>
+            <a:r>
+              <a:rPr lang="en-US" dirty="0" err="1"/>
+              <a:t>Đánh</a:t>
+            </a:r>
+            <a:r>
+              <a:rPr lang="en-US" dirty="0"/>
+              <a:t> </a:t>
+            </a:r>
+            <a:r>
+              <a:rPr lang="en-US" dirty="0" err="1"/>
+              <a:t>giá</a:t>
+            </a:r>
+            <a:r>
+              <a:rPr lang="en-US" dirty="0"/>
+              <a:t> </a:t>
+            </a:r>
+            <a:r>
+              <a:rPr lang="en-US" dirty="0" err="1"/>
+              <a:t>trên</a:t>
+            </a:r>
+            <a:r>
+              <a:rPr lang="en-US" dirty="0"/>
+              <a:t> </a:t>
+            </a:r>
+            <a:r>
+              <a:rPr lang="en-US" dirty="0" err="1" smtClean="0"/>
+              <a:t>tập</a:t>
             </a:r>
             <a:r>
               <a:rPr lang="en-US" dirty="0" smtClean="0"/>
               <a:t> </a:t>
             </a:r>
             <a:r>
-              <a:rPr lang="en-US" dirty="0"/>
-              <a:t>Christian </a:t>
-            </a:r>
-            <a:r>
               <a:rPr lang="en-US" dirty="0" err="1"/>
-              <a:t>Szegedy</a:t>
-            </a:r>
-            <a:r>
-              <a:rPr lang="en-US" dirty="0"/>
-              <a:t>, Vincent </a:t>
+              <a:t>kiểm</a:t>
+            </a:r>
+            <a:r>
+              <a:rPr lang="en-US" dirty="0"/>
+              <a:t> </a:t>
             </a:r>
             <a:r>
               <a:rPr lang="en-US" dirty="0" err="1"/>
-              <a:t>Vanhoucke</a:t>
-            </a:r>
-            <a:r>
-              <a:rPr lang="en-US" dirty="0"/>
-              <a:t> et al. Rethinking the Inception Architecture for Computer Vision, 2015, </a:t>
-            </a:r>
-            <a:r>
-              <a:rPr lang="en-US" dirty="0" smtClean="0">
-                <a:hlinkClick r:id="rId4"/>
-              </a:rPr>
-              <a:t>arXiv</a:t>
-            </a:r>
-            <a:endParaRPr lang="en-US" altLang="ja-JP" baseline="30000" dirty="0" smtClean="0"/>
-          </a:p>
-          <a:p>
-            <a:r>
-              <a:rPr lang="en-US" altLang="ja-JP" baseline="30000" dirty="0" smtClean="0"/>
-              <a:t>[3]</a:t>
-            </a:r>
-            <a:r>
-              <a:rPr lang="en-US" altLang="ja-JP" dirty="0" smtClean="0"/>
-              <a:t> Christian </a:t>
-            </a:r>
-            <a:r>
-              <a:rPr lang="en-US" altLang="ja-JP" dirty="0" err="1" smtClean="0"/>
-              <a:t>Szegedy</a:t>
-            </a:r>
-            <a:r>
-              <a:rPr lang="en-US" altLang="ja-JP" dirty="0" smtClean="0"/>
-              <a:t>, Sergey </a:t>
-            </a:r>
-            <a:r>
-              <a:rPr lang="en-US" altLang="ja-JP" dirty="0" err="1" smtClean="0"/>
-              <a:t>Ioffe</a:t>
-            </a:r>
-            <a:r>
-              <a:rPr lang="en-US" altLang="ja-JP" dirty="0" smtClean="0"/>
-              <a:t> et al</a:t>
-            </a:r>
-            <a:r>
-              <a:rPr lang="en-US" altLang="ja-JP" dirty="0"/>
-              <a:t>. Inception-v4, Inception-</a:t>
-            </a:r>
-            <a:r>
-              <a:rPr lang="en-US" altLang="ja-JP" dirty="0" err="1"/>
-              <a:t>ResNet</a:t>
-            </a:r>
-            <a:r>
-              <a:rPr lang="en-US" altLang="ja-JP" dirty="0"/>
-              <a:t> and the Impact of Residual Connections on </a:t>
-            </a:r>
-            <a:r>
-              <a:rPr lang="en-US" altLang="ja-JP" dirty="0" smtClean="0"/>
-              <a:t>Learning, 2016, </a:t>
-            </a:r>
-            <a:r>
-              <a:rPr lang="en-US" altLang="ja-JP" dirty="0" smtClean="0">
-                <a:hlinkClick r:id="rId5"/>
-              </a:rPr>
-              <a:t>arXiv</a:t>
-            </a:r>
-            <a:endParaRPr lang="en-US" altLang="ja-JP" baseline="30000" dirty="0" smtClean="0"/>
-          </a:p>
-          <a:p>
-            <a:r>
-              <a:rPr kumimoji="1" lang="en-US" altLang="ja-JP" baseline="30000" dirty="0" smtClean="0"/>
-              <a:t>[4]</a:t>
-            </a:r>
-            <a:r>
-              <a:rPr lang="en-US" altLang="ja-JP" dirty="0"/>
-              <a:t> </a:t>
-            </a:r>
-            <a:r>
-              <a:rPr lang="en-US" altLang="ja-JP" dirty="0" smtClean="0"/>
-              <a:t>Diabetic </a:t>
-            </a:r>
-            <a:r>
-              <a:rPr lang="en-US" altLang="ja-JP" dirty="0"/>
-              <a:t>Retinopathy </a:t>
-            </a:r>
-            <a:r>
-              <a:rPr lang="en-US" altLang="ja-JP" dirty="0" smtClean="0"/>
-              <a:t>Detection dataset, 2015, </a:t>
-            </a:r>
-            <a:r>
-              <a:rPr kumimoji="1" lang="en-US" altLang="ja-JP" dirty="0" smtClean="0">
-                <a:hlinkClick r:id="rId6"/>
-              </a:rPr>
-              <a:t>Kaggle</a:t>
-            </a:r>
-            <a:endParaRPr kumimoji="1" lang="en-US" altLang="ja-JP" baseline="30000" dirty="0" smtClean="0"/>
+              <a:t>thử</a:t>
+            </a:r>
+            <a:endParaRPr lang="en-US" dirty="0"/>
+          </a:p>
+          <a:p>
+            <a:pPr marL="457200" lvl="1" indent="0">
+              <a:buNone/>
+            </a:pPr>
+            <a:endParaRPr kumimoji="1" lang="en-US" altLang="ja-JP" dirty="0" smtClean="0"/>
           </a:p>
         </p:txBody>
       </p:sp>
       <p:sp>
         <p:nvSpPr>
-          <p:cNvPr id="4" name="日付プレースホルダ 3"/>
+          <p:cNvPr id="4" name="日付プレースホルダー 3"/>
           <p:cNvSpPr>
             <a:spLocks noGrp="1"/>
           </p:cNvSpPr>
@@ -8708,7 +8778,7 @@
           <a:bodyPr/>
           <a:lstStyle/>
           <a:p>
-            <a:fld id="{AAB39387-C149-4A87-BF4F-B3D7615E794A}" type="datetime1">
+            <a:fld id="{F3E3AC63-30EC-4F79-8593-B4A9E85D12C5}" type="datetime1">
               <a:rPr kumimoji="1" lang="en-US" altLang="ja-JP" smtClean="0"/>
               <a:t>11/23/2017</a:t>
             </a:fld>
@@ -8718,7 +8788,7 @@
       </p:sp>
       <p:sp>
         <p:nvSpPr>
-          <p:cNvPr id="5" name="フッター プレースホルダ 4"/>
+          <p:cNvPr id="5" name="フッター プレースホルダー 4"/>
           <p:cNvSpPr>
             <a:spLocks noGrp="1"/>
           </p:cNvSpPr>
@@ -8746,7 +8816,7 @@
       </p:sp>
       <p:sp>
         <p:nvSpPr>
-          <p:cNvPr id="6" name="スライド番号プレースホルダ 5"/>
+          <p:cNvPr id="6" name="スライド番号プレースホルダー 5"/>
           <p:cNvSpPr>
             <a:spLocks noGrp="1"/>
           </p:cNvSpPr>
@@ -8771,7 +8841,7 @@
     </p:spTree>
     <p:extLst>
       <p:ext uri="{BB962C8B-B14F-4D97-AF65-F5344CB8AC3E}">
-        <p14:creationId xmlns:p14="http://schemas.microsoft.com/office/powerpoint/2010/main" val="1360947424"/>
+        <p14:creationId xmlns:p14="http://schemas.microsoft.com/office/powerpoint/2010/main" val="249349299"/>
       </p:ext>
     </p:extLst>
   </p:cSld>
@@ -8862,85 +8932,154 @@
           <a:p>
             <a:r>
               <a:rPr lang="en-US" altLang="ja-JP" baseline="30000" dirty="0" smtClean="0"/>
-              <a:t>[5]</a:t>
-            </a:r>
-            <a:r>
-              <a:rPr lang="en-US" altLang="ja-JP" dirty="0" smtClean="0"/>
-              <a:t> </a:t>
-            </a:r>
-            <a:r>
-              <a:rPr lang="en-US" dirty="0"/>
-              <a:t>Rosenblatt F. The perceptron: A probabilistic model for information storage and organization in the brain. Psychological review. 1958 Nov;65(6):386.</a:t>
+              <a:t>[1]</a:t>
+            </a:r>
+            <a:r>
+              <a:rPr lang="en-US" altLang="ja-JP" baseline="-25000" dirty="0" smtClean="0"/>
+              <a:t> </a:t>
+            </a:r>
+            <a:r>
+              <a:rPr lang="en-US" altLang="ja-JP" dirty="0" smtClean="0"/>
+              <a:t>Andrew G. Howard, </a:t>
+            </a:r>
+            <a:r>
+              <a:rPr lang="en-US" altLang="ja-JP" dirty="0" err="1" smtClean="0"/>
+              <a:t>Menglong</a:t>
+            </a:r>
+            <a:r>
+              <a:rPr lang="en-US" altLang="ja-JP" dirty="0" smtClean="0"/>
+              <a:t> Zhu et al. </a:t>
+            </a:r>
+            <a:r>
+              <a:rPr lang="en-US" altLang="ja-JP" dirty="0" err="1" smtClean="0"/>
+              <a:t>MobileNets</a:t>
+            </a:r>
+            <a:r>
+              <a:rPr lang="en-US" altLang="ja-JP" dirty="0" smtClean="0"/>
+              <a:t>: Efficient Convolutional Neural Networks for Mobile Vision Applications, 2017, </a:t>
+            </a:r>
+            <a:r>
+              <a:rPr lang="en-US" altLang="ja-JP" dirty="0" smtClean="0">
+                <a:hlinkClick r:id="rId3"/>
+              </a:rPr>
+              <a:t>arXiv</a:t>
+            </a:r>
+            <a:endParaRPr lang="en-US" altLang="ja-JP" dirty="0" smtClean="0"/>
+          </a:p>
+          <a:p>
+            <a:r>
+              <a:rPr lang="en-US" altLang="ja-JP" baseline="30000" dirty="0" smtClean="0"/>
+              <a:t>[2]</a:t>
+            </a:r>
+            <a:r>
+              <a:rPr lang="en-US" dirty="0" smtClean="0"/>
+              <a:t> </a:t>
+            </a:r>
+            <a:r>
+              <a:rPr lang="en-US" dirty="0"/>
+              <a:t>Christian </a:t>
+            </a:r>
+            <a:r>
+              <a:rPr lang="en-US" dirty="0" err="1"/>
+              <a:t>Szegedy</a:t>
+            </a:r>
+            <a:r>
+              <a:rPr lang="en-US" dirty="0"/>
+              <a:t>, Vincent </a:t>
+            </a:r>
+            <a:r>
+              <a:rPr lang="en-US" dirty="0" err="1"/>
+              <a:t>Vanhoucke</a:t>
+            </a:r>
+            <a:r>
+              <a:rPr lang="en-US" dirty="0"/>
+              <a:t> et al. Rethinking the Inception Architecture for Computer Vision, 2015, </a:t>
+            </a:r>
+            <a:r>
+              <a:rPr lang="en-US" dirty="0" smtClean="0">
+                <a:hlinkClick r:id="rId4"/>
+              </a:rPr>
+              <a:t>arXiv</a:t>
             </a:r>
             <a:endParaRPr lang="en-US" altLang="ja-JP" baseline="30000" dirty="0" smtClean="0"/>
           </a:p>
           <a:p>
             <a:r>
+              <a:rPr lang="en-US" altLang="ja-JP" baseline="30000" dirty="0" smtClean="0"/>
+              <a:t>[3]</a:t>
+            </a:r>
+            <a:r>
+              <a:rPr lang="en-US" altLang="ja-JP" dirty="0" smtClean="0"/>
+              <a:t> Christian </a:t>
+            </a:r>
+            <a:r>
+              <a:rPr lang="en-US" altLang="ja-JP" dirty="0" err="1" smtClean="0"/>
+              <a:t>Szegedy</a:t>
+            </a:r>
+            <a:r>
+              <a:rPr lang="en-US" altLang="ja-JP" dirty="0" smtClean="0"/>
+              <a:t>, Sergey </a:t>
+            </a:r>
+            <a:r>
+              <a:rPr lang="en-US" altLang="ja-JP" dirty="0" err="1" smtClean="0"/>
+              <a:t>Ioffe</a:t>
+            </a:r>
+            <a:r>
+              <a:rPr lang="en-US" altLang="ja-JP" dirty="0" smtClean="0"/>
+              <a:t> et al</a:t>
+            </a:r>
+            <a:r>
+              <a:rPr lang="en-US" altLang="ja-JP" dirty="0"/>
+              <a:t>. Inception-v4, Inception-</a:t>
+            </a:r>
+            <a:r>
+              <a:rPr lang="en-US" altLang="ja-JP" dirty="0" err="1"/>
+              <a:t>ResNet</a:t>
+            </a:r>
+            <a:r>
+              <a:rPr lang="en-US" altLang="ja-JP" dirty="0"/>
+              <a:t> and the Impact of Residual Connections on </a:t>
+            </a:r>
+            <a:r>
+              <a:rPr lang="en-US" altLang="ja-JP" dirty="0" smtClean="0"/>
+              <a:t>Learning, 2016, </a:t>
+            </a:r>
+            <a:r>
+              <a:rPr lang="en-US" altLang="ja-JP" dirty="0" smtClean="0">
+                <a:hlinkClick r:id="rId5"/>
+              </a:rPr>
+              <a:t>arXiv</a:t>
+            </a:r>
+            <a:endParaRPr lang="en-US" altLang="ja-JP" baseline="30000" dirty="0" smtClean="0"/>
+          </a:p>
+          <a:p>
+            <a:r>
               <a:rPr kumimoji="1" lang="en-US" altLang="ja-JP" baseline="30000" dirty="0" smtClean="0"/>
-              <a:t>[6]</a:t>
-            </a:r>
-            <a:r>
-              <a:rPr lang="en-US" dirty="0"/>
-              <a:t> Zell, Andreas (1994). </a:t>
-            </a:r>
-            <a:r>
-              <a:rPr lang="en-US" i="1" dirty="0"/>
-              <a:t>Simulation </a:t>
-            </a:r>
-            <a:r>
-              <a:rPr lang="en-US" i="1" dirty="0" err="1"/>
-              <a:t>Neuronaler</a:t>
-            </a:r>
-            <a:r>
-              <a:rPr lang="en-US" i="1" dirty="0"/>
-              <a:t> </a:t>
-            </a:r>
-            <a:r>
-              <a:rPr lang="en-US" i="1" dirty="0" err="1"/>
-              <a:t>Netze</a:t>
-            </a:r>
-            <a:r>
-              <a:rPr lang="en-US" dirty="0"/>
-              <a:t> [</a:t>
-            </a:r>
-            <a:r>
-              <a:rPr lang="en-US" i="1" dirty="0"/>
-              <a:t>Simulation of Neural Networks</a:t>
-            </a:r>
-            <a:r>
-              <a:rPr lang="en-US" dirty="0"/>
-              <a:t>] (in German) (1st ed.). Addison-Wesley. p. 73. </a:t>
-            </a:r>
-            <a:r>
-              <a:rPr lang="en-US" dirty="0">
-                <a:hlinkClick r:id="rId3" tooltip="International Standard Book Number"/>
+              <a:t>[4]</a:t>
+            </a:r>
+            <a:r>
+              <a:rPr lang="en-US" altLang="ja-JP" dirty="0"/>
+              <a:t> </a:t>
+            </a:r>
+            <a:r>
+              <a:rPr lang="en-US" altLang="ja-JP" dirty="0" smtClean="0"/>
+              <a:t>Diabetic </a:t>
+            </a:r>
+            <a:r>
+              <a:rPr lang="en-US" altLang="ja-JP" dirty="0"/>
+              <a:t>Retinopathy </a:t>
+            </a:r>
+            <a:r>
+              <a:rPr lang="en-US" altLang="ja-JP" dirty="0" smtClean="0"/>
+              <a:t>Detection dataset, 2015, </a:t>
+            </a:r>
+            <a:r>
+              <a:rPr kumimoji="1" lang="en-US" altLang="ja-JP" dirty="0" smtClean="0">
+                <a:hlinkClick r:id="rId6"/>
               </a:rPr>
-              <a:t>ISBN</a:t>
-            </a:r>
-            <a:r>
-              <a:rPr lang="en-US" dirty="0"/>
-              <a:t> </a:t>
-            </a:r>
-            <a:r>
-              <a:rPr lang="en-US" dirty="0">
-                <a:hlinkClick r:id="rId4" tooltip="Special:BookSources/3-89319-554-8"/>
-              </a:rPr>
-              <a:t>3-89319-554-8</a:t>
-            </a:r>
-            <a:r>
-              <a:rPr lang="en-US" dirty="0"/>
-              <a:t>.</a:t>
+              <a:t>Kaggle</a:t>
             </a:r>
             <a:endParaRPr kumimoji="1" lang="en-US" altLang="ja-JP" baseline="30000" dirty="0" smtClean="0"/>
-          </a:p>
-          <a:p>
-            <a:pPr marL="0" indent="0">
-              <a:buNone/>
-            </a:pPr>
-            <a:endParaRPr lang="en-US" altLang="ja-JP" baseline="30000" dirty="0" smtClean="0"/>
-          </a:p>
-          <a:p>
-            <a:endParaRPr kumimoji="1" lang="ja-JP" altLang="en-US" dirty="0"/>
           </a:p>
         </p:txBody>
       </p:sp>
@@ -9022,7 +9161,7 @@
     </p:spTree>
     <p:extLst>
       <p:ext uri="{BB962C8B-B14F-4D97-AF65-F5344CB8AC3E}">
-        <p14:creationId xmlns:p14="http://schemas.microsoft.com/office/powerpoint/2010/main" val="2954656212"/>
+        <p14:creationId xmlns:p14="http://schemas.microsoft.com/office/powerpoint/2010/main" val="1360947424"/>
       </p:ext>
     </p:extLst>
   </p:cSld>
@@ -9066,7 +9205,7 @@
           <a:p>
             <a:r>
               <a:rPr lang="en-US" altLang="ja-JP" dirty="0" err="1"/>
-              <a:t>Hỏi</a:t>
+              <a:t>Tài</a:t>
             </a:r>
             <a:r>
               <a:rPr lang="en-US" altLang="ja-JP" dirty="0"/>
@@ -9074,7 +9213,7 @@
             </a:r>
             <a:r>
               <a:rPr lang="en-US" altLang="ja-JP" dirty="0" err="1"/>
-              <a:t>và</a:t>
+              <a:t>liệu</a:t>
             </a:r>
             <a:r>
               <a:rPr lang="en-US" altLang="ja-JP" dirty="0"/>
@@ -9082,7 +9221,7 @@
             </a:r>
             <a:r>
               <a:rPr lang="en-US" altLang="ja-JP" dirty="0" err="1"/>
-              <a:t>Trả</a:t>
+              <a:t>tham</a:t>
             </a:r>
             <a:r>
               <a:rPr lang="en-US" altLang="ja-JP" dirty="0"/>
@@ -9090,7 +9229,7 @@
             </a:r>
             <a:r>
               <a:rPr lang="en-US" altLang="ja-JP" dirty="0" err="1"/>
-              <a:t>lời</a:t>
+              <a:t>khảo</a:t>
             </a:r>
             <a:endParaRPr kumimoji="1" lang="ja-JP" altLang="en-US" dirty="0"/>
           </a:p>
@@ -9111,6 +9250,86 @@
           <a:bodyPr/>
           <a:lstStyle/>
           <a:p>
+            <a:r>
+              <a:rPr lang="en-US" altLang="ja-JP" baseline="30000" dirty="0" smtClean="0"/>
+              <a:t>[5]</a:t>
+            </a:r>
+            <a:r>
+              <a:rPr lang="en-US" altLang="ja-JP" dirty="0" smtClean="0"/>
+              <a:t> </a:t>
+            </a:r>
+            <a:r>
+              <a:rPr lang="en-US" dirty="0"/>
+              <a:t>Rosenblatt F. The perceptron: A probabilistic model for information storage and organization in the brain. Psychological review. 1958 Nov;65(6):386.</a:t>
+            </a:r>
+            <a:endParaRPr lang="en-US" altLang="ja-JP" baseline="30000" dirty="0" smtClean="0"/>
+          </a:p>
+          <a:p>
+            <a:r>
+              <a:rPr kumimoji="1" lang="en-US" altLang="ja-JP" baseline="30000" dirty="0" smtClean="0"/>
+              <a:t>[6]</a:t>
+            </a:r>
+            <a:r>
+              <a:rPr lang="en-US" dirty="0"/>
+              <a:t> Zell, Andreas (1994). </a:t>
+            </a:r>
+            <a:r>
+              <a:rPr lang="en-US" i="1" dirty="0"/>
+              <a:t>Simulation </a:t>
+            </a:r>
+            <a:r>
+              <a:rPr lang="en-US" i="1" dirty="0" err="1"/>
+              <a:t>Neuronaler</a:t>
+            </a:r>
+            <a:r>
+              <a:rPr lang="en-US" i="1" dirty="0"/>
+              <a:t> </a:t>
+            </a:r>
+            <a:r>
+              <a:rPr lang="en-US" i="1" dirty="0" err="1"/>
+              <a:t>Netze</a:t>
+            </a:r>
+            <a:r>
+              <a:rPr lang="en-US" dirty="0"/>
+              <a:t> [</a:t>
+            </a:r>
+            <a:r>
+              <a:rPr lang="en-US" i="1" dirty="0"/>
+              <a:t>Simulation of Neural Networks</a:t>
+            </a:r>
+            <a:r>
+              <a:rPr lang="en-US" dirty="0"/>
+              <a:t>] (in German) (1st ed.). Addison-Wesley. p. 73. </a:t>
+            </a:r>
+            <a:r>
+              <a:rPr lang="en-US" dirty="0">
+                <a:hlinkClick r:id="rId3" tooltip="International Standard Book Number"/>
+              </a:rPr>
+              <a:t>ISBN</a:t>
+            </a:r>
+            <a:r>
+              <a:rPr lang="en-US" dirty="0"/>
+              <a:t> </a:t>
+            </a:r>
+            <a:r>
+              <a:rPr lang="en-US" dirty="0">
+                <a:hlinkClick r:id="rId4" tooltip="Special:BookSources/3-89319-554-8"/>
+              </a:rPr>
+              <a:t>3-89319-554-8</a:t>
+            </a:r>
+            <a:r>
+              <a:rPr lang="en-US" dirty="0"/>
+              <a:t>.</a:t>
+            </a:r>
+            <a:endParaRPr kumimoji="1" lang="en-US" altLang="ja-JP" baseline="30000" dirty="0" smtClean="0"/>
+          </a:p>
+          <a:p>
+            <a:pPr marL="0" indent="0">
+              <a:buNone/>
+            </a:pPr>
+            <a:endParaRPr lang="en-US" altLang="ja-JP" baseline="30000" dirty="0" smtClean="0"/>
+          </a:p>
+          <a:p>
             <a:endParaRPr kumimoji="1" lang="ja-JP" altLang="en-US" dirty="0"/>
           </a:p>
         </p:txBody>
@@ -9130,7 +9349,7 @@
           <a:bodyPr/>
           <a:lstStyle/>
           <a:p>
-            <a:fld id="{08005D9D-62EF-4746-8D1B-B40A5A9BDCBD}" type="datetime1">
+            <a:fld id="{AAB39387-C149-4A87-BF4F-B3D7615E794A}" type="datetime1">
               <a:rPr kumimoji="1" lang="en-US" altLang="ja-JP" smtClean="0"/>
               <a:t>11/23/2017</a:t>
             </a:fld>
@@ -9193,7 +9412,7 @@
     </p:spTree>
     <p:extLst>
       <p:ext uri="{BB962C8B-B14F-4D97-AF65-F5344CB8AC3E}">
-        <p14:creationId xmlns:p14="http://schemas.microsoft.com/office/powerpoint/2010/main" val="1990425585"/>
+        <p14:creationId xmlns:p14="http://schemas.microsoft.com/office/powerpoint/2010/main" val="2954656212"/>
       </p:ext>
     </p:extLst>
   </p:cSld>
@@ -9237,7 +9456,7 @@
           <a:p>
             <a:r>
               <a:rPr lang="en-US" altLang="ja-JP" dirty="0" err="1"/>
-              <a:t>Phụ</a:t>
+              <a:t>Hỏi</a:t>
             </a:r>
             <a:r>
               <a:rPr lang="en-US" altLang="ja-JP" dirty="0"/>
@@ -9245,15 +9464,15 @@
             </a:r>
             <a:r>
               <a:rPr lang="en-US" altLang="ja-JP" dirty="0" err="1"/>
-              <a:t>lục</a:t>
+              <a:t>và</a:t>
             </a:r>
             <a:r>
               <a:rPr lang="en-US" altLang="ja-JP" dirty="0"/>
-              <a:t> (</a:t>
+              <a:t> </a:t>
             </a:r>
             <a:r>
               <a:rPr lang="en-US" altLang="ja-JP" dirty="0" err="1"/>
-              <a:t>nếu</a:t>
+              <a:t>Trả</a:t>
             </a:r>
             <a:r>
               <a:rPr lang="en-US" altLang="ja-JP" dirty="0"/>
@@ -9261,11 +9480,7 @@
             </a:r>
             <a:r>
               <a:rPr lang="en-US" altLang="ja-JP" dirty="0" err="1"/>
-              <a:t>có</a:t>
-            </a:r>
-            <a:r>
-              <a:rPr lang="en-US" altLang="ja-JP" dirty="0"/>
-              <a:t>)</a:t>
+              <a:t>lời</a:t>
             </a:r>
             <a:endParaRPr kumimoji="1" lang="ja-JP" altLang="en-US" dirty="0"/>
           </a:p>
@@ -9286,234 +9501,6 @@
           <a:bodyPr/>
           <a:lstStyle/>
           <a:p>
-            <a:r>
-              <a:rPr lang="en-US" altLang="ja-JP" dirty="0" err="1"/>
-              <a:t>Phần</a:t>
-            </a:r>
-            <a:r>
-              <a:rPr lang="en-US" altLang="ja-JP" dirty="0"/>
-              <a:t> </a:t>
-            </a:r>
-            <a:r>
-              <a:rPr lang="en-US" altLang="ja-JP" dirty="0" err="1"/>
-              <a:t>phụ</a:t>
-            </a:r>
-            <a:r>
-              <a:rPr lang="en-US" altLang="ja-JP" dirty="0"/>
-              <a:t> </a:t>
-            </a:r>
-            <a:r>
-              <a:rPr lang="en-US" altLang="ja-JP" dirty="0" err="1"/>
-              <a:t>lục</a:t>
-            </a:r>
-            <a:r>
-              <a:rPr lang="en-US" altLang="ja-JP" dirty="0"/>
-              <a:t> </a:t>
-            </a:r>
-            <a:r>
-              <a:rPr lang="en-US" altLang="ja-JP" dirty="0" err="1"/>
-              <a:t>này</a:t>
-            </a:r>
-            <a:r>
-              <a:rPr lang="en-US" altLang="ja-JP" dirty="0"/>
-              <a:t> </a:t>
-            </a:r>
-            <a:r>
-              <a:rPr lang="en-US" altLang="ja-JP" dirty="0" err="1"/>
-              <a:t>đặt</a:t>
-            </a:r>
-            <a:r>
-              <a:rPr lang="en-US" altLang="ja-JP" dirty="0"/>
-              <a:t> </a:t>
-            </a:r>
-            <a:r>
-              <a:rPr lang="en-US" altLang="ja-JP" dirty="0" err="1"/>
-              <a:t>những</a:t>
-            </a:r>
-            <a:r>
-              <a:rPr lang="en-US" altLang="ja-JP" dirty="0"/>
-              <a:t> </a:t>
-            </a:r>
-            <a:r>
-              <a:rPr lang="en-US" altLang="ja-JP" dirty="0" err="1"/>
-              <a:t>nội</a:t>
-            </a:r>
-            <a:r>
-              <a:rPr lang="en-US" altLang="ja-JP" dirty="0"/>
-              <a:t> dung </a:t>
-            </a:r>
-            <a:r>
-              <a:rPr lang="en-US" altLang="ja-JP" dirty="0" err="1"/>
-              <a:t>cần</a:t>
-            </a:r>
-            <a:r>
-              <a:rPr lang="en-US" altLang="ja-JP" dirty="0"/>
-              <a:t> </a:t>
-            </a:r>
-            <a:r>
-              <a:rPr lang="en-US" altLang="ja-JP" dirty="0" err="1"/>
-              <a:t>giải</a:t>
-            </a:r>
-            <a:r>
-              <a:rPr lang="en-US" altLang="ja-JP" dirty="0"/>
-              <a:t> </a:t>
-            </a:r>
-            <a:r>
-              <a:rPr lang="en-US" altLang="ja-JP" dirty="0" err="1"/>
-              <a:t>thích</a:t>
-            </a:r>
-            <a:r>
-              <a:rPr lang="en-US" altLang="ja-JP" dirty="0"/>
-              <a:t> chi </a:t>
-            </a:r>
-            <a:r>
-              <a:rPr lang="en-US" altLang="ja-JP" dirty="0" err="1"/>
-              <a:t>tiết</a:t>
-            </a:r>
-            <a:r>
-              <a:rPr lang="en-US" altLang="ja-JP" dirty="0"/>
-              <a:t> </a:t>
-            </a:r>
-            <a:r>
-              <a:rPr lang="en-US" altLang="ja-JP" dirty="0" err="1"/>
-              <a:t>cho</a:t>
-            </a:r>
-            <a:r>
-              <a:rPr lang="en-US" altLang="ja-JP" dirty="0"/>
-              <a:t> </a:t>
-            </a:r>
-            <a:r>
-              <a:rPr lang="en-US" altLang="ja-JP" dirty="0" err="1"/>
-              <a:t>các</a:t>
-            </a:r>
-            <a:r>
-              <a:rPr lang="en-US" altLang="ja-JP" dirty="0"/>
-              <a:t> Slide </a:t>
-            </a:r>
-            <a:r>
-              <a:rPr lang="en-US" altLang="ja-JP" dirty="0" err="1"/>
-              <a:t>trong</a:t>
-            </a:r>
-            <a:r>
-              <a:rPr lang="en-US" altLang="ja-JP" dirty="0"/>
-              <a:t> </a:t>
-            </a:r>
-            <a:r>
-              <a:rPr lang="en-US" altLang="ja-JP" dirty="0" err="1"/>
-              <a:t>phần</a:t>
-            </a:r>
-            <a:r>
-              <a:rPr lang="en-US" altLang="ja-JP" dirty="0"/>
-              <a:t> </a:t>
-            </a:r>
-            <a:r>
-              <a:rPr lang="en-US" altLang="ja-JP" dirty="0" err="1"/>
-              <a:t>báo</a:t>
-            </a:r>
-            <a:r>
-              <a:rPr lang="en-US" altLang="ja-JP" dirty="0"/>
-              <a:t> </a:t>
-            </a:r>
-            <a:r>
-              <a:rPr lang="en-US" altLang="ja-JP" dirty="0" err="1"/>
-              <a:t>cáo</a:t>
-            </a:r>
-            <a:r>
-              <a:rPr lang="en-US" altLang="ja-JP" dirty="0"/>
-              <a:t> </a:t>
-            </a:r>
-            <a:r>
-              <a:rPr lang="en-US" altLang="ja-JP" dirty="0" err="1"/>
-              <a:t>chính</a:t>
-            </a:r>
-            <a:r>
-              <a:rPr lang="en-US" altLang="ja-JP" dirty="0"/>
-              <a:t> </a:t>
-            </a:r>
-            <a:r>
-              <a:rPr lang="en-US" altLang="ja-JP" dirty="0" err="1"/>
-              <a:t>trong</a:t>
-            </a:r>
-            <a:r>
-              <a:rPr lang="en-US" altLang="ja-JP" dirty="0"/>
-              <a:t> </a:t>
-            </a:r>
-            <a:r>
-              <a:rPr lang="en-US" altLang="ja-JP" dirty="0" err="1"/>
-              <a:t>trường</a:t>
-            </a:r>
-            <a:r>
-              <a:rPr lang="en-US" altLang="ja-JP" dirty="0"/>
-              <a:t> </a:t>
-            </a:r>
-            <a:r>
-              <a:rPr lang="en-US" altLang="ja-JP" dirty="0" err="1"/>
-              <a:t>hợp</a:t>
-            </a:r>
-            <a:r>
-              <a:rPr lang="en-US" altLang="ja-JP" dirty="0"/>
-              <a:t> </a:t>
-            </a:r>
-            <a:r>
-              <a:rPr lang="en-US" altLang="ja-JP" dirty="0" err="1"/>
-              <a:t>giải</a:t>
-            </a:r>
-            <a:r>
-              <a:rPr lang="en-US" altLang="ja-JP" dirty="0"/>
-              <a:t> </a:t>
-            </a:r>
-            <a:r>
-              <a:rPr lang="en-US" altLang="ja-JP" dirty="0" err="1"/>
-              <a:t>thích</a:t>
-            </a:r>
-            <a:r>
-              <a:rPr lang="en-US" altLang="ja-JP" dirty="0"/>
-              <a:t> </a:t>
-            </a:r>
-            <a:r>
-              <a:rPr lang="en-US" altLang="ja-JP" dirty="0" err="1"/>
-              <a:t>các</a:t>
-            </a:r>
-            <a:r>
-              <a:rPr lang="en-US" altLang="ja-JP" dirty="0"/>
-              <a:t> </a:t>
-            </a:r>
-            <a:r>
-              <a:rPr lang="en-US" altLang="ja-JP" dirty="0" err="1"/>
-              <a:t>câu</a:t>
-            </a:r>
-            <a:r>
-              <a:rPr lang="en-US" altLang="ja-JP" dirty="0"/>
-              <a:t> </a:t>
-            </a:r>
-            <a:r>
-              <a:rPr lang="en-US" altLang="ja-JP" dirty="0" err="1"/>
-              <a:t>hỏi</a:t>
-            </a:r>
-            <a:r>
-              <a:rPr lang="en-US" altLang="ja-JP" dirty="0"/>
-              <a:t> </a:t>
-            </a:r>
-            <a:r>
-              <a:rPr lang="en-US" altLang="ja-JP" dirty="0" err="1"/>
-              <a:t>từ</a:t>
-            </a:r>
-            <a:r>
-              <a:rPr lang="en-US" altLang="ja-JP" dirty="0"/>
-              <a:t> </a:t>
-            </a:r>
-            <a:r>
-              <a:rPr lang="en-US" altLang="ja-JP" dirty="0" err="1"/>
-              <a:t>người</a:t>
-            </a:r>
-            <a:r>
-              <a:rPr lang="en-US" altLang="ja-JP" dirty="0"/>
-              <a:t> </a:t>
-            </a:r>
-            <a:r>
-              <a:rPr lang="en-US" altLang="ja-JP" dirty="0" err="1"/>
-              <a:t>nghe</a:t>
-            </a:r>
             <a:endParaRPr kumimoji="1" lang="ja-JP" altLang="en-US" dirty="0"/>
           </a:p>
         </p:txBody>
@@ -9588,6 +9575,409 @@
               <a:rPr kumimoji="1" lang="ja-JP" altLang="en-US" smtClean="0"/>
               <a:pPr/>
               <a:t>16</a:t>
+            </a:fld>
+            <a:endParaRPr kumimoji="1" lang="ja-JP" altLang="en-US"/>
+          </a:p>
+        </p:txBody>
+      </p:sp>
+    </p:spTree>
+    <p:extLst>
+      <p:ext uri="{BB962C8B-B14F-4D97-AF65-F5344CB8AC3E}">
+        <p14:creationId xmlns:p14="http://schemas.microsoft.com/office/powerpoint/2010/main" val="1990425585"/>
+      </p:ext>
+    </p:extLst>
+  </p:cSld>
+  <p:clrMapOvr>
+    <a:masterClrMapping/>
+  </p:clrMapOvr>
+</p:sld>
+</file>
+
+<file path=ppt/slides/slide17.xml><?xml version="1.0" encoding="utf-8"?>
+<p:sld xmlns:a="http://schemas.openxmlformats.org/drawingml/2006/main" xmlns:r="http://schemas.openxmlformats.org/officeDocument/2006/relationships" xmlns:p="http://schemas.openxmlformats.org/presentationml/2006/main">
+  <p:cSld>
+    <p:spTree>
+      <p:nvGrpSpPr>
+        <p:cNvPr id="1" name=""/>
+        <p:cNvGrpSpPr/>
+        <p:nvPr/>
+      </p:nvGrpSpPr>
+      <p:grpSpPr>
+        <a:xfrm>
+          <a:off x="0" y="0"/>
+          <a:ext cx="0" cy="0"/>
+          <a:chOff x="0" y="0"/>
+          <a:chExt cx="0" cy="0"/>
+        </a:xfrm>
+      </p:grpSpPr>
+      <p:sp>
+        <p:nvSpPr>
+          <p:cNvPr id="2" name="タイトル 1"/>
+          <p:cNvSpPr>
+            <a:spLocks noGrp="1"/>
+          </p:cNvSpPr>
+          <p:nvPr>
+            <p:ph type="title"/>
+          </p:nvPr>
+        </p:nvSpPr>
+        <p:spPr/>
+        <p:txBody>
+          <a:bodyPr/>
+          <a:lstStyle/>
+          <a:p>
+            <a:r>
+              <a:rPr lang="en-US" altLang="ja-JP" dirty="0" err="1"/>
+              <a:t>Phụ</a:t>
+            </a:r>
+            <a:r>
+              <a:rPr lang="en-US" altLang="ja-JP" dirty="0"/>
+              <a:t> </a:t>
+            </a:r>
+            <a:r>
+              <a:rPr lang="en-US" altLang="ja-JP" dirty="0" err="1"/>
+              <a:t>lục</a:t>
+            </a:r>
+            <a:r>
+              <a:rPr lang="en-US" altLang="ja-JP" dirty="0"/>
+              <a:t> (</a:t>
+            </a:r>
+            <a:r>
+              <a:rPr lang="en-US" altLang="ja-JP" dirty="0" err="1"/>
+              <a:t>nếu</a:t>
+            </a:r>
+            <a:r>
+              <a:rPr lang="en-US" altLang="ja-JP" dirty="0"/>
+              <a:t> </a:t>
+            </a:r>
+            <a:r>
+              <a:rPr lang="en-US" altLang="ja-JP" dirty="0" err="1"/>
+              <a:t>có</a:t>
+            </a:r>
+            <a:r>
+              <a:rPr lang="en-US" altLang="ja-JP" dirty="0"/>
+              <a:t>)</a:t>
+            </a:r>
+            <a:endParaRPr kumimoji="1" lang="ja-JP" altLang="en-US" dirty="0"/>
+          </a:p>
+        </p:txBody>
+      </p:sp>
+      <p:sp>
+        <p:nvSpPr>
+          <p:cNvPr id="3" name="コンテンツ プレースホルダ 2"/>
+          <p:cNvSpPr>
+            <a:spLocks noGrp="1"/>
+          </p:cNvSpPr>
+          <p:nvPr>
+            <p:ph idx="1"/>
+          </p:nvPr>
+        </p:nvSpPr>
+        <p:spPr/>
+        <p:txBody>
+          <a:bodyPr/>
+          <a:lstStyle/>
+          <a:p>
+            <a:r>
+              <a:rPr lang="en-US" altLang="ja-JP" dirty="0" err="1"/>
+              <a:t>Phần</a:t>
+            </a:r>
+            <a:r>
+              <a:rPr lang="en-US" altLang="ja-JP" dirty="0"/>
+              <a:t> </a:t>
+            </a:r>
+            <a:r>
+              <a:rPr lang="en-US" altLang="ja-JP" dirty="0" err="1"/>
+              <a:t>phụ</a:t>
+            </a:r>
+            <a:r>
+              <a:rPr lang="en-US" altLang="ja-JP" dirty="0"/>
+              <a:t> </a:t>
+            </a:r>
+            <a:r>
+              <a:rPr lang="en-US" altLang="ja-JP" dirty="0" err="1"/>
+              <a:t>lục</a:t>
+            </a:r>
+            <a:r>
+              <a:rPr lang="en-US" altLang="ja-JP" dirty="0"/>
+              <a:t> </a:t>
+            </a:r>
+            <a:r>
+              <a:rPr lang="en-US" altLang="ja-JP" dirty="0" err="1"/>
+              <a:t>này</a:t>
+            </a:r>
+            <a:r>
+              <a:rPr lang="en-US" altLang="ja-JP" dirty="0"/>
+              <a:t> </a:t>
+            </a:r>
+            <a:r>
+              <a:rPr lang="en-US" altLang="ja-JP" dirty="0" err="1"/>
+              <a:t>đặt</a:t>
+            </a:r>
+            <a:r>
+              <a:rPr lang="en-US" altLang="ja-JP" dirty="0"/>
+              <a:t> </a:t>
+            </a:r>
+            <a:r>
+              <a:rPr lang="en-US" altLang="ja-JP" dirty="0" err="1"/>
+              <a:t>những</a:t>
+            </a:r>
+            <a:r>
+              <a:rPr lang="en-US" altLang="ja-JP" dirty="0"/>
+              <a:t> </a:t>
+            </a:r>
+            <a:r>
+              <a:rPr lang="en-US" altLang="ja-JP" dirty="0" err="1"/>
+              <a:t>nội</a:t>
+            </a:r>
+            <a:r>
+              <a:rPr lang="en-US" altLang="ja-JP" dirty="0"/>
+              <a:t> dung </a:t>
+            </a:r>
+            <a:r>
+              <a:rPr lang="en-US" altLang="ja-JP" dirty="0" err="1"/>
+              <a:t>cần</a:t>
+            </a:r>
+            <a:r>
+              <a:rPr lang="en-US" altLang="ja-JP" dirty="0"/>
+              <a:t> </a:t>
+            </a:r>
+            <a:r>
+              <a:rPr lang="en-US" altLang="ja-JP" dirty="0" err="1"/>
+              <a:t>giải</a:t>
+            </a:r>
+            <a:r>
+              <a:rPr lang="en-US" altLang="ja-JP" dirty="0"/>
+              <a:t> </a:t>
+            </a:r>
+            <a:r>
+              <a:rPr lang="en-US" altLang="ja-JP" dirty="0" err="1"/>
+              <a:t>thích</a:t>
+            </a:r>
+            <a:r>
+              <a:rPr lang="en-US" altLang="ja-JP" dirty="0"/>
+              <a:t> chi </a:t>
+            </a:r>
+            <a:r>
+              <a:rPr lang="en-US" altLang="ja-JP" dirty="0" err="1"/>
+              <a:t>tiết</a:t>
+            </a:r>
+            <a:r>
+              <a:rPr lang="en-US" altLang="ja-JP" dirty="0"/>
+              <a:t> </a:t>
+            </a:r>
+            <a:r>
+              <a:rPr lang="en-US" altLang="ja-JP" dirty="0" err="1"/>
+              <a:t>cho</a:t>
+            </a:r>
+            <a:r>
+              <a:rPr lang="en-US" altLang="ja-JP" dirty="0"/>
+              <a:t> </a:t>
+            </a:r>
+            <a:r>
+              <a:rPr lang="en-US" altLang="ja-JP" dirty="0" err="1"/>
+              <a:t>các</a:t>
+            </a:r>
+            <a:r>
+              <a:rPr lang="en-US" altLang="ja-JP" dirty="0"/>
+              <a:t> Slide </a:t>
+            </a:r>
+            <a:r>
+              <a:rPr lang="en-US" altLang="ja-JP" dirty="0" err="1"/>
+              <a:t>trong</a:t>
+            </a:r>
+            <a:r>
+              <a:rPr lang="en-US" altLang="ja-JP" dirty="0"/>
+              <a:t> </a:t>
+            </a:r>
+            <a:r>
+              <a:rPr lang="en-US" altLang="ja-JP" dirty="0" err="1"/>
+              <a:t>phần</a:t>
+            </a:r>
+            <a:r>
+              <a:rPr lang="en-US" altLang="ja-JP" dirty="0"/>
+              <a:t> </a:t>
+            </a:r>
+            <a:r>
+              <a:rPr lang="en-US" altLang="ja-JP" dirty="0" err="1"/>
+              <a:t>báo</a:t>
+            </a:r>
+            <a:r>
+              <a:rPr lang="en-US" altLang="ja-JP" dirty="0"/>
+              <a:t> </a:t>
+            </a:r>
+            <a:r>
+              <a:rPr lang="en-US" altLang="ja-JP" dirty="0" err="1"/>
+              <a:t>cáo</a:t>
+            </a:r>
+            <a:r>
+              <a:rPr lang="en-US" altLang="ja-JP" dirty="0"/>
+              <a:t> </a:t>
+            </a:r>
+            <a:r>
+              <a:rPr lang="en-US" altLang="ja-JP" dirty="0" err="1"/>
+              <a:t>chính</a:t>
+            </a:r>
+            <a:r>
+              <a:rPr lang="en-US" altLang="ja-JP" dirty="0"/>
+              <a:t> </a:t>
+            </a:r>
+            <a:r>
+              <a:rPr lang="en-US" altLang="ja-JP" dirty="0" err="1"/>
+              <a:t>trong</a:t>
+            </a:r>
+            <a:r>
+              <a:rPr lang="en-US" altLang="ja-JP" dirty="0"/>
+              <a:t> </a:t>
+            </a:r>
+            <a:r>
+              <a:rPr lang="en-US" altLang="ja-JP" dirty="0" err="1"/>
+              <a:t>trường</a:t>
+            </a:r>
+            <a:r>
+              <a:rPr lang="en-US" altLang="ja-JP" dirty="0"/>
+              <a:t> </a:t>
+            </a:r>
+            <a:r>
+              <a:rPr lang="en-US" altLang="ja-JP" dirty="0" err="1"/>
+              <a:t>hợp</a:t>
+            </a:r>
+            <a:r>
+              <a:rPr lang="en-US" altLang="ja-JP" dirty="0"/>
+              <a:t> </a:t>
+            </a:r>
+            <a:r>
+              <a:rPr lang="en-US" altLang="ja-JP" dirty="0" err="1"/>
+              <a:t>giải</a:t>
+            </a:r>
+            <a:r>
+              <a:rPr lang="en-US" altLang="ja-JP" dirty="0"/>
+              <a:t> </a:t>
+            </a:r>
+            <a:r>
+              <a:rPr lang="en-US" altLang="ja-JP" dirty="0" err="1"/>
+              <a:t>thích</a:t>
+            </a:r>
+            <a:r>
+              <a:rPr lang="en-US" altLang="ja-JP" dirty="0"/>
+              <a:t> </a:t>
+            </a:r>
+            <a:r>
+              <a:rPr lang="en-US" altLang="ja-JP" dirty="0" err="1"/>
+              <a:t>các</a:t>
+            </a:r>
+            <a:r>
+              <a:rPr lang="en-US" altLang="ja-JP" dirty="0"/>
+              <a:t> </a:t>
+            </a:r>
+            <a:r>
+              <a:rPr lang="en-US" altLang="ja-JP" dirty="0" err="1"/>
+              <a:t>câu</a:t>
+            </a:r>
+            <a:r>
+              <a:rPr lang="en-US" altLang="ja-JP" dirty="0"/>
+              <a:t> </a:t>
+            </a:r>
+            <a:r>
+              <a:rPr lang="en-US" altLang="ja-JP" dirty="0" err="1"/>
+              <a:t>hỏi</a:t>
+            </a:r>
+            <a:r>
+              <a:rPr lang="en-US" altLang="ja-JP" dirty="0"/>
+              <a:t> </a:t>
+            </a:r>
+            <a:r>
+              <a:rPr lang="en-US" altLang="ja-JP" dirty="0" err="1"/>
+              <a:t>từ</a:t>
+            </a:r>
+            <a:r>
+              <a:rPr lang="en-US" altLang="ja-JP" dirty="0"/>
+              <a:t> </a:t>
+            </a:r>
+            <a:r>
+              <a:rPr lang="en-US" altLang="ja-JP" dirty="0" err="1"/>
+              <a:t>người</a:t>
+            </a:r>
+            <a:r>
+              <a:rPr lang="en-US" altLang="ja-JP" dirty="0"/>
+              <a:t> </a:t>
+            </a:r>
+            <a:r>
+              <a:rPr lang="en-US" altLang="ja-JP" dirty="0" err="1"/>
+              <a:t>nghe</a:t>
+            </a:r>
+            <a:endParaRPr kumimoji="1" lang="ja-JP" altLang="en-US" dirty="0"/>
+          </a:p>
+        </p:txBody>
+      </p:sp>
+      <p:sp>
+        <p:nvSpPr>
+          <p:cNvPr id="4" name="日付プレースホルダ 3"/>
+          <p:cNvSpPr>
+            <a:spLocks noGrp="1"/>
+          </p:cNvSpPr>
+          <p:nvPr>
+            <p:ph type="dt" sz="half" idx="10"/>
+          </p:nvPr>
+        </p:nvSpPr>
+        <p:spPr/>
+        <p:txBody>
+          <a:bodyPr/>
+          <a:lstStyle/>
+          <a:p>
+            <a:fld id="{08005D9D-62EF-4746-8D1B-B40A5A9BDCBD}" type="datetime1">
+              <a:rPr kumimoji="1" lang="en-US" altLang="ja-JP" smtClean="0"/>
+              <a:t>11/23/2017</a:t>
+            </a:fld>
+            <a:endParaRPr kumimoji="1" lang="ja-JP" altLang="en-US"/>
+          </a:p>
+        </p:txBody>
+      </p:sp>
+      <p:sp>
+        <p:nvSpPr>
+          <p:cNvPr id="5" name="フッター プレースホルダ 4"/>
+          <p:cNvSpPr>
+            <a:spLocks noGrp="1"/>
+          </p:cNvSpPr>
+          <p:nvPr>
+            <p:ph type="ftr" sz="quarter" idx="11"/>
+          </p:nvPr>
+        </p:nvSpPr>
+        <p:spPr>
+          <a:xfrm>
+            <a:off x="1762101" y="6524625"/>
+            <a:ext cx="5618212" cy="288925"/>
+          </a:xfrm>
+        </p:spPr>
+        <p:txBody>
+          <a:bodyPr/>
+          <a:lstStyle/>
+          <a:p>
+            <a:r>
+              <a:rPr kumimoji="1" lang="en-US" altLang="ja-JP"/>
+              <a:t>Copyrights 2016 UIT-Khoa KTMT . All Rights Reserved.</a:t>
+            </a:r>
+            <a:endParaRPr kumimoji="1" lang="ja-JP" altLang="en-US" dirty="0"/>
+          </a:p>
+        </p:txBody>
+      </p:sp>
+      <p:sp>
+        <p:nvSpPr>
+          <p:cNvPr id="6" name="スライド番号プレースホルダ 5"/>
+          <p:cNvSpPr>
+            <a:spLocks noGrp="1"/>
+          </p:cNvSpPr>
+          <p:nvPr>
+            <p:ph type="sldNum" sz="quarter" idx="12"/>
+          </p:nvPr>
+        </p:nvSpPr>
+        <p:spPr/>
+        <p:txBody>
+          <a:bodyPr/>
+          <a:lstStyle/>
+          <a:p>
+            <a:fld id="{800C8475-47C1-49C9-BEE5-594F8CF4D71F}" type="slidenum">
+              <a:rPr kumimoji="1" lang="ja-JP" altLang="en-US" smtClean="0"/>
+              <a:pPr/>
+              <a:t>17</a:t>
             </a:fld>
             <a:endParaRPr kumimoji="1" lang="ja-JP" altLang="en-US"/>
           </a:p>
